--- a/powerpoints/caret.pptx
+++ b/powerpoints/caret.pptx
@@ -1,14 +1,14 @@
 
 <file path=ppt/presentation.xml><?xml version="1.0" encoding="utf-8"?>
-<p:presentation xmlns:a="http://schemas.openxmlformats.org/drawingml/2006/main" xmlns:r="http://schemas.openxmlformats.org/officeDocument/2006/relationships" xmlns:p="http://schemas.openxmlformats.org/presentationml/2006/main">
+<p:presentation xmlns:a="http://schemas.openxmlformats.org/drawingml/2006/main" xmlns:r="http://schemas.openxmlformats.org/officeDocument/2006/relationships" xmlns:p="http://schemas.openxmlformats.org/presentationml/2006/main" saveSubsetFonts="1">
   <p:sldMasterIdLst>
-    <p:sldMasterId id="2147483648" r:id="rId5"/>
+    <p:sldMasterId id="2147483648" r:id="rId1"/>
   </p:sldMasterIdLst>
   <p:notesMasterIdLst>
-    <p:notesMasterId r:id="rId7"/>
+    <p:notesMasterId r:id="rId3"/>
   </p:notesMasterIdLst>
   <p:sldIdLst>
-    <p:sldId id="256" r:id="rId8"/>
+    <p:sldId id="256" r:id="rId2"/>
   </p:sldIdLst>
   <p:sldSz cx="13970000" cy="10795000"/>
   <p:notesSz cx="6858000" cy="9144000"/>
@@ -28,7 +28,7 @@
       <a:buFontTx/>
       <a:buNone/>
       <a:tabLst/>
-      <a:defRPr b="0" baseline="0" cap="none" i="0" spc="0" strike="noStrike" sz="1800" u="none" kumimoji="0" normalizeH="0">
+      <a:defRPr kumimoji="0" sz="1800" b="0" i="0" u="none" strike="noStrike" cap="none" spc="0" normalizeH="0" baseline="0">
         <a:ln>
           <a:noFill/>
         </a:ln>
@@ -54,7 +54,7 @@
       <a:buFontTx/>
       <a:buNone/>
       <a:tabLst/>
-      <a:defRPr b="0" baseline="0" cap="none" i="0" spc="0" strike="noStrike" sz="3800" u="none" kumimoji="0" normalizeH="0">
+      <a:defRPr kumimoji="0" sz="3800" b="0" i="0" u="none" strike="noStrike" cap="none" spc="0" normalizeH="0" baseline="0">
         <a:ln>
           <a:noFill/>
         </a:ln>
@@ -84,7 +84,7 @@
       <a:buFontTx/>
       <a:buNone/>
       <a:tabLst/>
-      <a:defRPr b="0" baseline="0" cap="none" i="0" spc="0" strike="noStrike" sz="3800" u="none" kumimoji="0" normalizeH="0">
+      <a:defRPr kumimoji="0" sz="3800" b="0" i="0" u="none" strike="noStrike" cap="none" spc="0" normalizeH="0" baseline="0">
         <a:ln>
           <a:noFill/>
         </a:ln>
@@ -114,7 +114,7 @@
       <a:buFontTx/>
       <a:buNone/>
       <a:tabLst/>
-      <a:defRPr b="0" baseline="0" cap="none" i="0" spc="0" strike="noStrike" sz="3800" u="none" kumimoji="0" normalizeH="0">
+      <a:defRPr kumimoji="0" sz="3800" b="0" i="0" u="none" strike="noStrike" cap="none" spc="0" normalizeH="0" baseline="0">
         <a:ln>
           <a:noFill/>
         </a:ln>
@@ -144,7 +144,7 @@
       <a:buFontTx/>
       <a:buNone/>
       <a:tabLst/>
-      <a:defRPr b="0" baseline="0" cap="none" i="0" spc="0" strike="noStrike" sz="3800" u="none" kumimoji="0" normalizeH="0">
+      <a:defRPr kumimoji="0" sz="3800" b="0" i="0" u="none" strike="noStrike" cap="none" spc="0" normalizeH="0" baseline="0">
         <a:ln>
           <a:noFill/>
         </a:ln>
@@ -174,7 +174,7 @@
       <a:buFontTx/>
       <a:buNone/>
       <a:tabLst/>
-      <a:defRPr b="0" baseline="0" cap="none" i="0" spc="0" strike="noStrike" sz="3800" u="none" kumimoji="0" normalizeH="0">
+      <a:defRPr kumimoji="0" sz="3800" b="0" i="0" u="none" strike="noStrike" cap="none" spc="0" normalizeH="0" baseline="0">
         <a:ln>
           <a:noFill/>
         </a:ln>
@@ -204,7 +204,7 @@
       <a:buFontTx/>
       <a:buNone/>
       <a:tabLst/>
-      <a:defRPr b="0" baseline="0" cap="none" i="0" spc="0" strike="noStrike" sz="3800" u="none" kumimoji="0" normalizeH="0">
+      <a:defRPr kumimoji="0" sz="3800" b="0" i="0" u="none" strike="noStrike" cap="none" spc="0" normalizeH="0" baseline="0">
         <a:ln>
           <a:noFill/>
         </a:ln>
@@ -234,7 +234,7 @@
       <a:buFontTx/>
       <a:buNone/>
       <a:tabLst/>
-      <a:defRPr b="0" baseline="0" cap="none" i="0" spc="0" strike="noStrike" sz="3800" u="none" kumimoji="0" normalizeH="0">
+      <a:defRPr kumimoji="0" sz="3800" b="0" i="0" u="none" strike="noStrike" cap="none" spc="0" normalizeH="0" baseline="0">
         <a:ln>
           <a:noFill/>
         </a:ln>
@@ -264,7 +264,7 @@
       <a:buFontTx/>
       <a:buNone/>
       <a:tabLst/>
-      <a:defRPr b="0" baseline="0" cap="none" i="0" spc="0" strike="noStrike" sz="3800" u="none" kumimoji="0" normalizeH="0">
+      <a:defRPr kumimoji="0" sz="3800" b="0" i="0" u="none" strike="noStrike" cap="none" spc="0" normalizeH="0" baseline="0">
         <a:ln>
           <a:noFill/>
         </a:ln>
@@ -294,7 +294,7 @@
       <a:buFontTx/>
       <a:buNone/>
       <a:tabLst/>
-      <a:defRPr b="0" baseline="0" cap="none" i="0" spc="0" strike="noStrike" sz="3800" u="none" kumimoji="0" normalizeH="0">
+      <a:defRPr kumimoji="0" sz="3800" b="0" i="0" u="none" strike="noStrike" cap="none" spc="0" normalizeH="0" baseline="0">
         <a:ln>
           <a:noFill/>
         </a:ln>
@@ -313,13 +313,14 @@
 </p:presentation>
 </file>
 
-<file path=ppt/commentAuthors.xml><?xml version="1.0" encoding="utf-8"?>
-<p:cmAuthorLst xmlns:a="http://schemas.openxmlformats.org/drawingml/2006/main" xmlns:r="http://schemas.openxmlformats.org/officeDocument/2006/relationships" xmlns:p="http://schemas.openxmlformats.org/presentationml/2006/main"/>
-</file>
-
 <file path=ppt/notesMasters/notesMaster1.xml><?xml version="1.0" encoding="utf-8"?>
 <p:notesMaster xmlns:a="http://schemas.openxmlformats.org/drawingml/2006/main" xmlns:r="http://schemas.openxmlformats.org/officeDocument/2006/relationships" xmlns:p="http://schemas.openxmlformats.org/presentationml/2006/main">
   <p:cSld>
+    <p:bg>
+      <p:bgRef idx="1001">
+        <a:schemeClr val="bg1"/>
+      </p:bgRef>
+    </p:bg>
     <p:spTree>
       <p:nvGrpSpPr>
         <p:cNvPr id="1" name=""/>
@@ -337,7 +338,9 @@
       <p:sp>
         <p:nvSpPr>
           <p:cNvPr id="116" name="Shape 116"/>
-          <p:cNvSpPr/>
+          <p:cNvSpPr>
+            <a:spLocks noGrp="1" noRot="1" noChangeAspect="1"/>
+          </p:cNvSpPr>
           <p:nvPr>
             <p:ph type="sldImg"/>
           </p:nvPr>
@@ -355,14 +358,16 @@
           <a:bodyPr/>
           <a:lstStyle/>
           <a:p>
-            <a:pPr/>
+            <a:endParaRPr/>
           </a:p>
         </p:txBody>
       </p:sp>
       <p:sp>
         <p:nvSpPr>
           <p:cNvPr id="117" name="Shape 117"/>
-          <p:cNvSpPr/>
+          <p:cNvSpPr>
+            <a:spLocks noGrp="1"/>
+          </p:cNvSpPr>
           <p:nvPr>
             <p:ph type="body" sz="quarter" idx="1"/>
           </p:nvPr>
@@ -380,11 +385,16 @@
           <a:bodyPr/>
           <a:lstStyle/>
           <a:p>
-            <a:pPr/>
+            <a:endParaRPr/>
           </a:p>
         </p:txBody>
       </p:sp>
     </p:spTree>
+    <p:extLst>
+      <p:ext uri="{BB962C8B-B14F-4D97-AF65-F5344CB8AC3E}">
+        <p14:creationId xmlns:p14="http://schemas.microsoft.com/office/powerpoint/2010/main" val="1019829311"/>
+      </p:ext>
+    </p:extLst>
   </p:cSld>
   <p:clrMap bg1="lt1" tx1="dk1" bg2="lt2" tx2="dk2" accent1="accent1" accent2="accent2" accent3="accent3" accent4="accent4" accent5="accent5" accent6="accent6" hlink="hlink" folHlink="folHlink"/>
   <p:notesStyle>
@@ -492,7 +502,7 @@
 </file>
 
 <file path=ppt/slideLayouts/slideLayout1.xml><?xml version="1.0" encoding="utf-8"?>
-<p:sldLayout xmlns:a="http://schemas.openxmlformats.org/drawingml/2006/main" xmlns:r="http://schemas.openxmlformats.org/officeDocument/2006/relationships" xmlns:p="http://schemas.openxmlformats.org/presentationml/2006/main" type="title" showMasterSp="1" showMasterPhAnim="1">
+<p:sldLayout xmlns:a="http://schemas.openxmlformats.org/drawingml/2006/main" xmlns:r="http://schemas.openxmlformats.org/officeDocument/2006/relationships" xmlns:p="http://schemas.openxmlformats.org/presentationml/2006/main" type="title">
   <p:cSld name="Title &amp; Subtitle">
     <p:spTree>
       <p:nvGrpSpPr>
@@ -511,7 +521,9 @@
       <p:sp>
         <p:nvSpPr>
           <p:cNvPr id="11" name="Title Text"/>
-          <p:cNvSpPr txBox="1"/>
+          <p:cNvSpPr txBox="1">
+            <a:spLocks noGrp="1"/>
+          </p:cNvSpPr>
           <p:nvPr>
             <p:ph type="title"/>
           </p:nvPr>
@@ -529,7 +541,6 @@
           <a:bodyPr anchor="b"/>
           <a:lstStyle/>
           <a:p>
-            <a:pPr/>
             <a:r>
               <a:t>Title Text</a:t>
             </a:r>
@@ -539,7 +550,9 @@
       <p:sp>
         <p:nvSpPr>
           <p:cNvPr id="12" name="Body Level One…"/>
-          <p:cNvSpPr txBox="1"/>
+          <p:cNvSpPr txBox="1">
+            <a:spLocks noGrp="1"/>
+          </p:cNvSpPr>
           <p:nvPr>
             <p:ph type="body" sz="quarter" idx="1"/>
           </p:nvPr>
@@ -598,7 +611,6 @@
             </a:lvl5pPr>
           </a:lstStyle>
           <a:p>
-            <a:pPr/>
             <a:r>
               <a:t>Body Level One</a:t>
             </a:r>
@@ -632,7 +644,9 @@
       <p:sp>
         <p:nvSpPr>
           <p:cNvPr id="13" name="Slide Number"/>
-          <p:cNvSpPr txBox="1"/>
+          <p:cNvSpPr txBox="1">
+            <a:spLocks noGrp="1"/>
+          </p:cNvSpPr>
           <p:nvPr>
             <p:ph type="sldNum" sz="quarter" idx="2"/>
           </p:nvPr>
@@ -646,8 +660,10 @@
           <a:bodyPr/>
           <a:lstStyle/>
           <a:p>
-            <a:pPr/>
-            <a:fld id="{86CB4B4D-7CA3-9044-876B-883B54F8677D}" type="slidenum"/>
+            <a:fld id="{86CB4B4D-7CA3-9044-876B-883B54F8677D}" type="slidenum">
+              <a:t>‹nr›</a:t>
+            </a:fld>
+            <a:endParaRPr/>
           </a:p>
         </p:txBody>
       </p:sp>
@@ -656,12 +672,12 @@
   <p:clrMapOvr>
     <a:masterClrMapping/>
   </p:clrMapOvr>
-  <p:transition xmlns:p14="http://schemas.microsoft.com/office/powerpoint/2010/main" spd="med" advClick="1"/>
+  <p:transition spd="med"/>
 </p:sldLayout>
 </file>
 
 <file path=ppt/slideLayouts/slideLayout10.xml><?xml version="1.0" encoding="utf-8"?>
-<p:sldLayout xmlns:a="http://schemas.openxmlformats.org/drawingml/2006/main" xmlns:r="http://schemas.openxmlformats.org/officeDocument/2006/relationships" xmlns:p="http://schemas.openxmlformats.org/presentationml/2006/main" type="tx" showMasterSp="1" showMasterPhAnim="1">
+<p:sldLayout xmlns:a="http://schemas.openxmlformats.org/drawingml/2006/main" xmlns:r="http://schemas.openxmlformats.org/officeDocument/2006/relationships" xmlns:p="http://schemas.openxmlformats.org/presentationml/2006/main" type="tx">
   <p:cSld name="Quote">
     <p:spTree>
       <p:nvGrpSpPr>
@@ -680,7 +696,9 @@
       <p:sp>
         <p:nvSpPr>
           <p:cNvPr id="93" name="–Johnny Appleseed"/>
-          <p:cNvSpPr/>
+          <p:cNvSpPr>
+            <a:spLocks noGrp="1"/>
+          </p:cNvSpPr>
           <p:nvPr>
             <p:ph type="body" sz="quarter" idx="13"/>
           </p:nvPr>
@@ -714,7 +732,6 @@
             </a:lvl1pPr>
           </a:lstStyle>
           <a:p>
-            <a:pPr/>
             <a:r>
               <a:t>–Johnny Appleseed</a:t>
             </a:r>
@@ -724,7 +741,9 @@
       <p:sp>
         <p:nvSpPr>
           <p:cNvPr id="94" name="“Type a quote here.”"/>
-          <p:cNvSpPr/>
+          <p:cNvSpPr>
+            <a:spLocks noGrp="1"/>
+          </p:cNvSpPr>
           <p:nvPr>
             <p:ph type="body" sz="quarter" idx="14"/>
           </p:nvPr>
@@ -753,7 +772,6 @@
             </a:lvl1pPr>
           </a:lstStyle>
           <a:p>
-            <a:pPr/>
             <a:r>
               <a:t>“Type a quote here.” </a:t>
             </a:r>
@@ -763,7 +781,9 @@
       <p:sp>
         <p:nvSpPr>
           <p:cNvPr id="95" name="Slide Number"/>
-          <p:cNvSpPr txBox="1"/>
+          <p:cNvSpPr txBox="1">
+            <a:spLocks noGrp="1"/>
+          </p:cNvSpPr>
           <p:nvPr>
             <p:ph type="sldNum" sz="quarter" idx="2"/>
           </p:nvPr>
@@ -777,8 +797,10 @@
           <a:bodyPr/>
           <a:lstStyle/>
           <a:p>
-            <a:pPr/>
-            <a:fld id="{86CB4B4D-7CA3-9044-876B-883B54F8677D}" type="slidenum"/>
+            <a:fld id="{86CB4B4D-7CA3-9044-876B-883B54F8677D}" type="slidenum">
+              <a:t>‹nr›</a:t>
+            </a:fld>
+            <a:endParaRPr/>
           </a:p>
         </p:txBody>
       </p:sp>
@@ -787,12 +809,12 @@
   <p:clrMapOvr>
     <a:masterClrMapping/>
   </p:clrMapOvr>
-  <p:transition xmlns:p14="http://schemas.microsoft.com/office/powerpoint/2010/main" spd="med" advClick="1"/>
+  <p:transition spd="med"/>
 </p:sldLayout>
 </file>
 
 <file path=ppt/slideLayouts/slideLayout11.xml><?xml version="1.0" encoding="utf-8"?>
-<p:sldLayout xmlns:a="http://schemas.openxmlformats.org/drawingml/2006/main" xmlns:r="http://schemas.openxmlformats.org/officeDocument/2006/relationships" xmlns:p="http://schemas.openxmlformats.org/presentationml/2006/main" type="tx" showMasterSp="1" showMasterPhAnim="1">
+<p:sldLayout xmlns:a="http://schemas.openxmlformats.org/drawingml/2006/main" xmlns:r="http://schemas.openxmlformats.org/officeDocument/2006/relationships" xmlns:p="http://schemas.openxmlformats.org/presentationml/2006/main" type="tx">
   <p:cSld name="Photo">
     <p:spTree>
       <p:nvGrpSpPr>
@@ -811,7 +833,9 @@
       <p:sp>
         <p:nvSpPr>
           <p:cNvPr id="102" name="Image"/>
-          <p:cNvSpPr/>
+          <p:cNvSpPr>
+            <a:spLocks noGrp="1"/>
+          </p:cNvSpPr>
           <p:nvPr>
             <p:ph type="pic" idx="13"/>
           </p:nvPr>
@@ -831,14 +855,16 @@
           </a:bodyPr>
           <a:lstStyle/>
           <a:p>
-            <a:pPr/>
+            <a:endParaRPr/>
           </a:p>
         </p:txBody>
       </p:sp>
       <p:sp>
         <p:nvSpPr>
           <p:cNvPr id="103" name="Slide Number"/>
-          <p:cNvSpPr txBox="1"/>
+          <p:cNvSpPr txBox="1">
+            <a:spLocks noGrp="1"/>
+          </p:cNvSpPr>
           <p:nvPr>
             <p:ph type="sldNum" sz="quarter" idx="2"/>
           </p:nvPr>
@@ -852,8 +878,10 @@
           <a:bodyPr/>
           <a:lstStyle/>
           <a:p>
-            <a:pPr/>
-            <a:fld id="{86CB4B4D-7CA3-9044-876B-883B54F8677D}" type="slidenum"/>
+            <a:fld id="{86CB4B4D-7CA3-9044-876B-883B54F8677D}" type="slidenum">
+              <a:t>‹nr›</a:t>
+            </a:fld>
+            <a:endParaRPr/>
           </a:p>
         </p:txBody>
       </p:sp>
@@ -862,12 +890,12 @@
   <p:clrMapOvr>
     <a:masterClrMapping/>
   </p:clrMapOvr>
-  <p:transition xmlns:p14="http://schemas.microsoft.com/office/powerpoint/2010/main" spd="med" advClick="1"/>
+  <p:transition spd="med"/>
 </p:sldLayout>
 </file>
 
 <file path=ppt/slideLayouts/slideLayout12.xml><?xml version="1.0" encoding="utf-8"?>
-<p:sldLayout xmlns:a="http://schemas.openxmlformats.org/drawingml/2006/main" xmlns:r="http://schemas.openxmlformats.org/officeDocument/2006/relationships" xmlns:p="http://schemas.openxmlformats.org/presentationml/2006/main" type="tx" showMasterSp="1" showMasterPhAnim="1">
+<p:sldLayout xmlns:a="http://schemas.openxmlformats.org/drawingml/2006/main" xmlns:r="http://schemas.openxmlformats.org/officeDocument/2006/relationships" xmlns:p="http://schemas.openxmlformats.org/presentationml/2006/main" type="tx">
   <p:cSld name="Blank">
     <p:spTree>
       <p:nvGrpSpPr>
@@ -886,7 +914,9 @@
       <p:sp>
         <p:nvSpPr>
           <p:cNvPr id="110" name="Slide Number"/>
-          <p:cNvSpPr txBox="1"/>
+          <p:cNvSpPr txBox="1">
+            <a:spLocks noGrp="1"/>
+          </p:cNvSpPr>
           <p:nvPr>
             <p:ph type="sldNum" sz="quarter" idx="2"/>
           </p:nvPr>
@@ -900,8 +930,10 @@
           <a:bodyPr/>
           <a:lstStyle/>
           <a:p>
-            <a:pPr/>
-            <a:fld id="{86CB4B4D-7CA3-9044-876B-883B54F8677D}" type="slidenum"/>
+            <a:fld id="{86CB4B4D-7CA3-9044-876B-883B54F8677D}" type="slidenum">
+              <a:t>‹nr›</a:t>
+            </a:fld>
+            <a:endParaRPr/>
           </a:p>
         </p:txBody>
       </p:sp>
@@ -910,12 +942,12 @@
   <p:clrMapOvr>
     <a:masterClrMapping/>
   </p:clrMapOvr>
-  <p:transition xmlns:p14="http://schemas.microsoft.com/office/powerpoint/2010/main" spd="med" advClick="1"/>
+  <p:transition spd="med"/>
 </p:sldLayout>
 </file>
 
 <file path=ppt/slideLayouts/slideLayout2.xml><?xml version="1.0" encoding="utf-8"?>
-<p:sldLayout xmlns:a="http://schemas.openxmlformats.org/drawingml/2006/main" xmlns:r="http://schemas.openxmlformats.org/officeDocument/2006/relationships" xmlns:p="http://schemas.openxmlformats.org/presentationml/2006/main" type="tx" showMasterSp="1" showMasterPhAnim="1">
+<p:sldLayout xmlns:a="http://schemas.openxmlformats.org/drawingml/2006/main" xmlns:r="http://schemas.openxmlformats.org/officeDocument/2006/relationships" xmlns:p="http://schemas.openxmlformats.org/presentationml/2006/main" type="tx">
   <p:cSld name="Photo - Horizontal">
     <p:spTree>
       <p:nvGrpSpPr>
@@ -934,7 +966,9 @@
       <p:sp>
         <p:nvSpPr>
           <p:cNvPr id="20" name="Image"/>
-          <p:cNvSpPr/>
+          <p:cNvSpPr>
+            <a:spLocks noGrp="1"/>
+          </p:cNvSpPr>
           <p:nvPr>
             <p:ph type="pic" idx="13"/>
           </p:nvPr>
@@ -954,14 +988,16 @@
           </a:bodyPr>
           <a:lstStyle/>
           <a:p>
-            <a:pPr/>
+            <a:endParaRPr/>
           </a:p>
         </p:txBody>
       </p:sp>
       <p:sp>
         <p:nvSpPr>
           <p:cNvPr id="21" name="Title Text"/>
-          <p:cNvSpPr txBox="1"/>
+          <p:cNvSpPr txBox="1">
+            <a:spLocks noGrp="1"/>
+          </p:cNvSpPr>
           <p:nvPr>
             <p:ph type="title"/>
           </p:nvPr>
@@ -979,7 +1015,6 @@
           <a:bodyPr anchor="b"/>
           <a:lstStyle/>
           <a:p>
-            <a:pPr/>
             <a:r>
               <a:t>Title Text</a:t>
             </a:r>
@@ -989,7 +1024,9 @@
       <p:sp>
         <p:nvSpPr>
           <p:cNvPr id="22" name="Body Level One…"/>
-          <p:cNvSpPr txBox="1"/>
+          <p:cNvSpPr txBox="1">
+            <a:spLocks noGrp="1"/>
+          </p:cNvSpPr>
           <p:nvPr>
             <p:ph type="body" sz="quarter" idx="1"/>
           </p:nvPr>
@@ -1048,7 +1085,6 @@
             </a:lvl5pPr>
           </a:lstStyle>
           <a:p>
-            <a:pPr/>
             <a:r>
               <a:t>Body Level One</a:t>
             </a:r>
@@ -1082,7 +1118,9 @@
       <p:sp>
         <p:nvSpPr>
           <p:cNvPr id="23" name="Slide Number"/>
-          <p:cNvSpPr txBox="1"/>
+          <p:cNvSpPr txBox="1">
+            <a:spLocks noGrp="1"/>
+          </p:cNvSpPr>
           <p:nvPr>
             <p:ph type="sldNum" sz="quarter" idx="2"/>
           </p:nvPr>
@@ -1100,8 +1138,10 @@
           <a:bodyPr/>
           <a:lstStyle/>
           <a:p>
-            <a:pPr/>
-            <a:fld id="{86CB4B4D-7CA3-9044-876B-883B54F8677D}" type="slidenum"/>
+            <a:fld id="{86CB4B4D-7CA3-9044-876B-883B54F8677D}" type="slidenum">
+              <a:t>‹nr›</a:t>
+            </a:fld>
+            <a:endParaRPr/>
           </a:p>
         </p:txBody>
       </p:sp>
@@ -1110,12 +1150,12 @@
   <p:clrMapOvr>
     <a:masterClrMapping/>
   </p:clrMapOvr>
-  <p:transition xmlns:p14="http://schemas.microsoft.com/office/powerpoint/2010/main" spd="med" advClick="1"/>
+  <p:transition spd="med"/>
 </p:sldLayout>
 </file>
 
 <file path=ppt/slideLayouts/slideLayout3.xml><?xml version="1.0" encoding="utf-8"?>
-<p:sldLayout xmlns:a="http://schemas.openxmlformats.org/drawingml/2006/main" xmlns:r="http://schemas.openxmlformats.org/officeDocument/2006/relationships" xmlns:p="http://schemas.openxmlformats.org/presentationml/2006/main" type="tx" showMasterSp="1" showMasterPhAnim="1">
+<p:sldLayout xmlns:a="http://schemas.openxmlformats.org/drawingml/2006/main" xmlns:r="http://schemas.openxmlformats.org/officeDocument/2006/relationships" xmlns:p="http://schemas.openxmlformats.org/presentationml/2006/main" type="tx">
   <p:cSld name="Title - Center">
     <p:spTree>
       <p:nvGrpSpPr>
@@ -1134,7 +1174,9 @@
       <p:sp>
         <p:nvSpPr>
           <p:cNvPr id="30" name="Title Text"/>
-          <p:cNvSpPr txBox="1"/>
+          <p:cNvSpPr txBox="1">
+            <a:spLocks noGrp="1"/>
+          </p:cNvSpPr>
           <p:nvPr>
             <p:ph type="title"/>
           </p:nvPr>
@@ -1152,7 +1194,6 @@
           <a:bodyPr/>
           <a:lstStyle/>
           <a:p>
-            <a:pPr/>
             <a:r>
               <a:t>Title Text</a:t>
             </a:r>
@@ -1162,7 +1203,9 @@
       <p:sp>
         <p:nvSpPr>
           <p:cNvPr id="31" name="Slide Number"/>
-          <p:cNvSpPr txBox="1"/>
+          <p:cNvSpPr txBox="1">
+            <a:spLocks noGrp="1"/>
+          </p:cNvSpPr>
           <p:nvPr>
             <p:ph type="sldNum" sz="quarter" idx="2"/>
           </p:nvPr>
@@ -1176,8 +1219,10 @@
           <a:bodyPr/>
           <a:lstStyle/>
           <a:p>
-            <a:pPr/>
-            <a:fld id="{86CB4B4D-7CA3-9044-876B-883B54F8677D}" type="slidenum"/>
+            <a:fld id="{86CB4B4D-7CA3-9044-876B-883B54F8677D}" type="slidenum">
+              <a:t>‹nr›</a:t>
+            </a:fld>
+            <a:endParaRPr/>
           </a:p>
         </p:txBody>
       </p:sp>
@@ -1186,12 +1231,12 @@
   <p:clrMapOvr>
     <a:masterClrMapping/>
   </p:clrMapOvr>
-  <p:transition xmlns:p14="http://schemas.microsoft.com/office/powerpoint/2010/main" spd="med" advClick="1"/>
+  <p:transition spd="med"/>
 </p:sldLayout>
 </file>
 
 <file path=ppt/slideLayouts/slideLayout4.xml><?xml version="1.0" encoding="utf-8"?>
-<p:sldLayout xmlns:a="http://schemas.openxmlformats.org/drawingml/2006/main" xmlns:r="http://schemas.openxmlformats.org/officeDocument/2006/relationships" xmlns:p="http://schemas.openxmlformats.org/presentationml/2006/main" type="tx" showMasterSp="1" showMasterPhAnim="1">
+<p:sldLayout xmlns:a="http://schemas.openxmlformats.org/drawingml/2006/main" xmlns:r="http://schemas.openxmlformats.org/officeDocument/2006/relationships" xmlns:p="http://schemas.openxmlformats.org/presentationml/2006/main" type="tx">
   <p:cSld name="Photo - Vertical">
     <p:spTree>
       <p:nvGrpSpPr>
@@ -1210,7 +1255,9 @@
       <p:sp>
         <p:nvSpPr>
           <p:cNvPr id="38" name="Image"/>
-          <p:cNvSpPr/>
+          <p:cNvSpPr>
+            <a:spLocks noGrp="1"/>
+          </p:cNvSpPr>
           <p:nvPr>
             <p:ph type="pic" sz="half" idx="13"/>
           </p:nvPr>
@@ -1230,14 +1277,16 @@
           </a:bodyPr>
           <a:lstStyle/>
           <a:p>
-            <a:pPr/>
+            <a:endParaRPr/>
           </a:p>
         </p:txBody>
       </p:sp>
       <p:sp>
         <p:nvSpPr>
           <p:cNvPr id="39" name="Title Text"/>
-          <p:cNvSpPr txBox="1"/>
+          <p:cNvSpPr txBox="1">
+            <a:spLocks noGrp="1"/>
+          </p:cNvSpPr>
           <p:nvPr>
             <p:ph type="title"/>
           </p:nvPr>
@@ -1259,7 +1308,6 @@
             </a:lvl1pPr>
           </a:lstStyle>
           <a:p>
-            <a:pPr/>
             <a:r>
               <a:t>Title Text</a:t>
             </a:r>
@@ -1269,7 +1317,9 @@
       <p:sp>
         <p:nvSpPr>
           <p:cNvPr id="40" name="Body Level One…"/>
-          <p:cNvSpPr txBox="1"/>
+          <p:cNvSpPr txBox="1">
+            <a:spLocks noGrp="1"/>
+          </p:cNvSpPr>
           <p:nvPr>
             <p:ph type="body" sz="quarter" idx="1"/>
           </p:nvPr>
@@ -1328,7 +1378,6 @@
             </a:lvl5pPr>
           </a:lstStyle>
           <a:p>
-            <a:pPr/>
             <a:r>
               <a:t>Body Level One</a:t>
             </a:r>
@@ -1362,7 +1411,9 @@
       <p:sp>
         <p:nvSpPr>
           <p:cNvPr id="41" name="Slide Number"/>
-          <p:cNvSpPr txBox="1"/>
+          <p:cNvSpPr txBox="1">
+            <a:spLocks noGrp="1"/>
+          </p:cNvSpPr>
           <p:nvPr>
             <p:ph type="sldNum" sz="quarter" idx="2"/>
           </p:nvPr>
@@ -1376,8 +1427,10 @@
           <a:bodyPr/>
           <a:lstStyle/>
           <a:p>
-            <a:pPr/>
-            <a:fld id="{86CB4B4D-7CA3-9044-876B-883B54F8677D}" type="slidenum"/>
+            <a:fld id="{86CB4B4D-7CA3-9044-876B-883B54F8677D}" type="slidenum">
+              <a:t>‹nr›</a:t>
+            </a:fld>
+            <a:endParaRPr/>
           </a:p>
         </p:txBody>
       </p:sp>
@@ -1386,12 +1439,12 @@
   <p:clrMapOvr>
     <a:masterClrMapping/>
   </p:clrMapOvr>
-  <p:transition xmlns:p14="http://schemas.microsoft.com/office/powerpoint/2010/main" spd="med" advClick="1"/>
+  <p:transition spd="med"/>
 </p:sldLayout>
 </file>
 
 <file path=ppt/slideLayouts/slideLayout5.xml><?xml version="1.0" encoding="utf-8"?>
-<p:sldLayout xmlns:a="http://schemas.openxmlformats.org/drawingml/2006/main" xmlns:r="http://schemas.openxmlformats.org/officeDocument/2006/relationships" xmlns:p="http://schemas.openxmlformats.org/presentationml/2006/main" type="tx" showMasterSp="1" showMasterPhAnim="1">
+<p:sldLayout xmlns:a="http://schemas.openxmlformats.org/drawingml/2006/main" xmlns:r="http://schemas.openxmlformats.org/officeDocument/2006/relationships" xmlns:p="http://schemas.openxmlformats.org/presentationml/2006/main" type="tx">
   <p:cSld name="Title - Top">
     <p:spTree>
       <p:nvGrpSpPr>
@@ -1410,7 +1463,9 @@
       <p:sp>
         <p:nvSpPr>
           <p:cNvPr id="48" name="Title Text"/>
-          <p:cNvSpPr txBox="1"/>
+          <p:cNvSpPr txBox="1">
+            <a:spLocks noGrp="1"/>
+          </p:cNvSpPr>
           <p:nvPr>
             <p:ph type="title"/>
           </p:nvPr>
@@ -1424,7 +1479,6 @@
           <a:bodyPr/>
           <a:lstStyle/>
           <a:p>
-            <a:pPr/>
             <a:r>
               <a:t>Title Text</a:t>
             </a:r>
@@ -1434,7 +1488,9 @@
       <p:sp>
         <p:nvSpPr>
           <p:cNvPr id="49" name="Slide Number"/>
-          <p:cNvSpPr txBox="1"/>
+          <p:cNvSpPr txBox="1">
+            <a:spLocks noGrp="1"/>
+          </p:cNvSpPr>
           <p:nvPr>
             <p:ph type="sldNum" sz="quarter" idx="2"/>
           </p:nvPr>
@@ -1448,8 +1504,10 @@
           <a:bodyPr/>
           <a:lstStyle/>
           <a:p>
-            <a:pPr/>
-            <a:fld id="{86CB4B4D-7CA3-9044-876B-883B54F8677D}" type="slidenum"/>
+            <a:fld id="{86CB4B4D-7CA3-9044-876B-883B54F8677D}" type="slidenum">
+              <a:t>‹nr›</a:t>
+            </a:fld>
+            <a:endParaRPr/>
           </a:p>
         </p:txBody>
       </p:sp>
@@ -1458,12 +1516,12 @@
   <p:clrMapOvr>
     <a:masterClrMapping/>
   </p:clrMapOvr>
-  <p:transition xmlns:p14="http://schemas.microsoft.com/office/powerpoint/2010/main" spd="med" advClick="1"/>
+  <p:transition spd="med"/>
 </p:sldLayout>
 </file>
 
 <file path=ppt/slideLayouts/slideLayout6.xml><?xml version="1.0" encoding="utf-8"?>
-<p:sldLayout xmlns:a="http://schemas.openxmlformats.org/drawingml/2006/main" xmlns:r="http://schemas.openxmlformats.org/officeDocument/2006/relationships" xmlns:p="http://schemas.openxmlformats.org/presentationml/2006/main" type="tx" showMasterSp="1" showMasterPhAnim="1">
+<p:sldLayout xmlns:a="http://schemas.openxmlformats.org/drawingml/2006/main" xmlns:r="http://schemas.openxmlformats.org/officeDocument/2006/relationships" xmlns:p="http://schemas.openxmlformats.org/presentationml/2006/main" type="tx">
   <p:cSld name="Title &amp; Bullets">
     <p:spTree>
       <p:nvGrpSpPr>
@@ -1482,7 +1540,9 @@
       <p:sp>
         <p:nvSpPr>
           <p:cNvPr id="56" name="Title Text"/>
-          <p:cNvSpPr txBox="1"/>
+          <p:cNvSpPr txBox="1">
+            <a:spLocks noGrp="1"/>
+          </p:cNvSpPr>
           <p:nvPr>
             <p:ph type="title"/>
           </p:nvPr>
@@ -1496,7 +1556,6 @@
           <a:bodyPr/>
           <a:lstStyle/>
           <a:p>
-            <a:pPr/>
             <a:r>
               <a:t>Title Text</a:t>
             </a:r>
@@ -1506,7 +1565,9 @@
       <p:sp>
         <p:nvSpPr>
           <p:cNvPr id="57" name="Body Level One…"/>
-          <p:cNvSpPr txBox="1"/>
+          <p:cNvSpPr txBox="1">
+            <a:spLocks noGrp="1"/>
+          </p:cNvSpPr>
           <p:nvPr>
             <p:ph type="body" idx="1"/>
           </p:nvPr>
@@ -1520,7 +1581,6 @@
           <a:bodyPr/>
           <a:lstStyle/>
           <a:p>
-            <a:pPr/>
             <a:r>
               <a:t>Body Level One</a:t>
             </a:r>
@@ -1554,7 +1614,9 @@
       <p:sp>
         <p:nvSpPr>
           <p:cNvPr id="58" name="Slide Number"/>
-          <p:cNvSpPr txBox="1"/>
+          <p:cNvSpPr txBox="1">
+            <a:spLocks noGrp="1"/>
+          </p:cNvSpPr>
           <p:nvPr>
             <p:ph type="sldNum" sz="quarter" idx="2"/>
           </p:nvPr>
@@ -1568,8 +1630,10 @@
           <a:bodyPr/>
           <a:lstStyle/>
           <a:p>
-            <a:pPr/>
-            <a:fld id="{86CB4B4D-7CA3-9044-876B-883B54F8677D}" type="slidenum"/>
+            <a:fld id="{86CB4B4D-7CA3-9044-876B-883B54F8677D}" type="slidenum">
+              <a:t>‹nr›</a:t>
+            </a:fld>
+            <a:endParaRPr/>
           </a:p>
         </p:txBody>
       </p:sp>
@@ -1578,12 +1642,12 @@
   <p:clrMapOvr>
     <a:masterClrMapping/>
   </p:clrMapOvr>
-  <p:transition xmlns:p14="http://schemas.microsoft.com/office/powerpoint/2010/main" spd="med" advClick="1"/>
+  <p:transition spd="med"/>
 </p:sldLayout>
 </file>
 
 <file path=ppt/slideLayouts/slideLayout7.xml><?xml version="1.0" encoding="utf-8"?>
-<p:sldLayout xmlns:a="http://schemas.openxmlformats.org/drawingml/2006/main" xmlns:r="http://schemas.openxmlformats.org/officeDocument/2006/relationships" xmlns:p="http://schemas.openxmlformats.org/presentationml/2006/main" type="tx" showMasterSp="1" showMasterPhAnim="1">
+<p:sldLayout xmlns:a="http://schemas.openxmlformats.org/drawingml/2006/main" xmlns:r="http://schemas.openxmlformats.org/officeDocument/2006/relationships" xmlns:p="http://schemas.openxmlformats.org/presentationml/2006/main" type="tx">
   <p:cSld name="Title, Bullets &amp; Photo">
     <p:spTree>
       <p:nvGrpSpPr>
@@ -1602,7 +1666,9 @@
       <p:sp>
         <p:nvSpPr>
           <p:cNvPr id="65" name="Image"/>
-          <p:cNvSpPr/>
+          <p:cNvSpPr>
+            <a:spLocks noGrp="1"/>
+          </p:cNvSpPr>
           <p:nvPr>
             <p:ph type="pic" sz="half" idx="13"/>
           </p:nvPr>
@@ -1622,14 +1688,16 @@
           </a:bodyPr>
           <a:lstStyle/>
           <a:p>
-            <a:pPr/>
+            <a:endParaRPr/>
           </a:p>
         </p:txBody>
       </p:sp>
       <p:sp>
         <p:nvSpPr>
           <p:cNvPr id="66" name="Title Text"/>
-          <p:cNvSpPr txBox="1"/>
+          <p:cNvSpPr txBox="1">
+            <a:spLocks noGrp="1"/>
+          </p:cNvSpPr>
           <p:nvPr>
             <p:ph type="title"/>
           </p:nvPr>
@@ -1643,7 +1711,6 @@
           <a:bodyPr/>
           <a:lstStyle/>
           <a:p>
-            <a:pPr/>
             <a:r>
               <a:t>Title Text</a:t>
             </a:r>
@@ -1653,7 +1720,9 @@
       <p:sp>
         <p:nvSpPr>
           <p:cNvPr id="67" name="Body Level One…"/>
-          <p:cNvSpPr txBox="1"/>
+          <p:cNvSpPr txBox="1">
+            <a:spLocks noGrp="1"/>
+          </p:cNvSpPr>
           <p:nvPr>
             <p:ph type="body" sz="half" idx="1"/>
           </p:nvPr>
@@ -1702,7 +1771,6 @@
             </a:lvl5pPr>
           </a:lstStyle>
           <a:p>
-            <a:pPr/>
             <a:r>
               <a:t>Body Level One</a:t>
             </a:r>
@@ -1736,7 +1804,9 @@
       <p:sp>
         <p:nvSpPr>
           <p:cNvPr id="68" name="Slide Number"/>
-          <p:cNvSpPr txBox="1"/>
+          <p:cNvSpPr txBox="1">
+            <a:spLocks noGrp="1"/>
+          </p:cNvSpPr>
           <p:nvPr>
             <p:ph type="sldNum" sz="quarter" idx="2"/>
           </p:nvPr>
@@ -1750,8 +1820,10 @@
           <a:bodyPr/>
           <a:lstStyle/>
           <a:p>
-            <a:pPr/>
-            <a:fld id="{86CB4B4D-7CA3-9044-876B-883B54F8677D}" type="slidenum"/>
+            <a:fld id="{86CB4B4D-7CA3-9044-876B-883B54F8677D}" type="slidenum">
+              <a:t>‹nr›</a:t>
+            </a:fld>
+            <a:endParaRPr/>
           </a:p>
         </p:txBody>
       </p:sp>
@@ -1760,12 +1832,12 @@
   <p:clrMapOvr>
     <a:masterClrMapping/>
   </p:clrMapOvr>
-  <p:transition xmlns:p14="http://schemas.microsoft.com/office/powerpoint/2010/main" spd="med" advClick="1"/>
+  <p:transition spd="med"/>
 </p:sldLayout>
 </file>
 
 <file path=ppt/slideLayouts/slideLayout8.xml><?xml version="1.0" encoding="utf-8"?>
-<p:sldLayout xmlns:a="http://schemas.openxmlformats.org/drawingml/2006/main" xmlns:r="http://schemas.openxmlformats.org/officeDocument/2006/relationships" xmlns:p="http://schemas.openxmlformats.org/presentationml/2006/main" type="tx" showMasterSp="1" showMasterPhAnim="1">
+<p:sldLayout xmlns:a="http://schemas.openxmlformats.org/drawingml/2006/main" xmlns:r="http://schemas.openxmlformats.org/officeDocument/2006/relationships" xmlns:p="http://schemas.openxmlformats.org/presentationml/2006/main" type="tx">
   <p:cSld name="Bullets">
     <p:spTree>
       <p:nvGrpSpPr>
@@ -1784,7 +1856,9 @@
       <p:sp>
         <p:nvSpPr>
           <p:cNvPr id="75" name="Body Level One…"/>
-          <p:cNvSpPr txBox="1"/>
+          <p:cNvSpPr txBox="1">
+            <a:spLocks noGrp="1"/>
+          </p:cNvSpPr>
           <p:nvPr>
             <p:ph type="body" idx="1"/>
           </p:nvPr>
@@ -1802,7 +1876,6 @@
           <a:bodyPr/>
           <a:lstStyle/>
           <a:p>
-            <a:pPr/>
             <a:r>
               <a:t>Body Level One</a:t>
             </a:r>
@@ -1836,7 +1909,9 @@
       <p:sp>
         <p:nvSpPr>
           <p:cNvPr id="76" name="Slide Number"/>
-          <p:cNvSpPr txBox="1"/>
+          <p:cNvSpPr txBox="1">
+            <a:spLocks noGrp="1"/>
+          </p:cNvSpPr>
           <p:nvPr>
             <p:ph type="sldNum" sz="quarter" idx="2"/>
           </p:nvPr>
@@ -1850,8 +1925,10 @@
           <a:bodyPr/>
           <a:lstStyle/>
           <a:p>
-            <a:pPr/>
-            <a:fld id="{86CB4B4D-7CA3-9044-876B-883B54F8677D}" type="slidenum"/>
+            <a:fld id="{86CB4B4D-7CA3-9044-876B-883B54F8677D}" type="slidenum">
+              <a:t>‹nr›</a:t>
+            </a:fld>
+            <a:endParaRPr/>
           </a:p>
         </p:txBody>
       </p:sp>
@@ -1860,12 +1937,12 @@
   <p:clrMapOvr>
     <a:masterClrMapping/>
   </p:clrMapOvr>
-  <p:transition xmlns:p14="http://schemas.microsoft.com/office/powerpoint/2010/main" spd="med" advClick="1"/>
+  <p:transition spd="med"/>
 </p:sldLayout>
 </file>
 
 <file path=ppt/slideLayouts/slideLayout9.xml><?xml version="1.0" encoding="utf-8"?>
-<p:sldLayout xmlns:a="http://schemas.openxmlformats.org/drawingml/2006/main" xmlns:r="http://schemas.openxmlformats.org/officeDocument/2006/relationships" xmlns:p="http://schemas.openxmlformats.org/presentationml/2006/main" type="tx" showMasterSp="1" showMasterPhAnim="1">
+<p:sldLayout xmlns:a="http://schemas.openxmlformats.org/drawingml/2006/main" xmlns:r="http://schemas.openxmlformats.org/officeDocument/2006/relationships" xmlns:p="http://schemas.openxmlformats.org/presentationml/2006/main" type="tx">
   <p:cSld name="Photo - 3 Up">
     <p:spTree>
       <p:nvGrpSpPr>
@@ -1884,7 +1961,9 @@
       <p:sp>
         <p:nvSpPr>
           <p:cNvPr id="83" name="Image"/>
-          <p:cNvSpPr/>
+          <p:cNvSpPr>
+            <a:spLocks noGrp="1"/>
+          </p:cNvSpPr>
           <p:nvPr>
             <p:ph type="pic" sz="half" idx="13"/>
           </p:nvPr>
@@ -1904,14 +1983,16 @@
           </a:bodyPr>
           <a:lstStyle/>
           <a:p>
-            <a:pPr/>
+            <a:endParaRPr/>
           </a:p>
         </p:txBody>
       </p:sp>
       <p:sp>
         <p:nvSpPr>
           <p:cNvPr id="84" name="Image"/>
-          <p:cNvSpPr/>
+          <p:cNvSpPr>
+            <a:spLocks noGrp="1"/>
+          </p:cNvSpPr>
           <p:nvPr>
             <p:ph type="pic" sz="quarter" idx="14"/>
           </p:nvPr>
@@ -1931,14 +2012,16 @@
           </a:bodyPr>
           <a:lstStyle/>
           <a:p>
-            <a:pPr/>
+            <a:endParaRPr/>
           </a:p>
         </p:txBody>
       </p:sp>
       <p:sp>
         <p:nvSpPr>
           <p:cNvPr id="85" name="Image"/>
-          <p:cNvSpPr/>
+          <p:cNvSpPr>
+            <a:spLocks noGrp="1"/>
+          </p:cNvSpPr>
           <p:nvPr>
             <p:ph type="pic" sz="quarter" idx="15"/>
           </p:nvPr>
@@ -1958,14 +2041,16 @@
           </a:bodyPr>
           <a:lstStyle/>
           <a:p>
-            <a:pPr/>
+            <a:endParaRPr/>
           </a:p>
         </p:txBody>
       </p:sp>
       <p:sp>
         <p:nvSpPr>
           <p:cNvPr id="86" name="Slide Number"/>
-          <p:cNvSpPr txBox="1"/>
+          <p:cNvSpPr txBox="1">
+            <a:spLocks noGrp="1"/>
+          </p:cNvSpPr>
           <p:nvPr>
             <p:ph type="sldNum" sz="quarter" idx="2"/>
           </p:nvPr>
@@ -1979,8 +2064,10 @@
           <a:bodyPr/>
           <a:lstStyle/>
           <a:p>
-            <a:pPr/>
-            <a:fld id="{86CB4B4D-7CA3-9044-876B-883B54F8677D}" type="slidenum"/>
+            <a:fld id="{86CB4B4D-7CA3-9044-876B-883B54F8677D}" type="slidenum">
+              <a:t>‹nr›</a:t>
+            </a:fld>
+            <a:endParaRPr/>
           </a:p>
         </p:txBody>
       </p:sp>
@@ -1989,7 +2076,7 @@
   <p:clrMapOvr>
     <a:masterClrMapping/>
   </p:clrMapOvr>
-  <p:transition xmlns:p14="http://schemas.microsoft.com/office/powerpoint/2010/main" spd="med" advClick="1"/>
+  <p:transition spd="med"/>
 </p:sldLayout>
 </file>
 
@@ -2001,6 +2088,7 @@
         <a:solidFill>
           <a:srgbClr val="FFFFFF"/>
         </a:solidFill>
+        <a:effectLst/>
       </p:bgPr>
     </p:bg>
     <p:spTree>
@@ -2020,7 +2108,9 @@
       <p:sp>
         <p:nvSpPr>
           <p:cNvPr id="2" name="Title Text"/>
-          <p:cNvSpPr txBox="1"/>
+          <p:cNvSpPr txBox="1">
+            <a:spLocks noGrp="1"/>
+          </p:cNvSpPr>
           <p:nvPr>
             <p:ph type="title"/>
           </p:nvPr>
@@ -2044,11 +2134,10 @@
         </p:spPr>
         <p:txBody>
           <a:bodyPr lIns="54570" tIns="54570" rIns="54570" bIns="54570" anchor="ctr">
-            <a:normAutofit fontScale="100000" lnSpcReduction="0"/>
+            <a:normAutofit/>
           </a:bodyPr>
           <a:lstStyle/>
           <a:p>
-            <a:pPr/>
             <a:r>
               <a:t>Title Text</a:t>
             </a:r>
@@ -2058,7 +2147,9 @@
       <p:sp>
         <p:nvSpPr>
           <p:cNvPr id="3" name="Body Level One…"/>
-          <p:cNvSpPr txBox="1"/>
+          <p:cNvSpPr txBox="1">
+            <a:spLocks noGrp="1"/>
+          </p:cNvSpPr>
           <p:nvPr>
             <p:ph type="body" idx="1"/>
           </p:nvPr>
@@ -2082,11 +2173,10 @@
         </p:spPr>
         <p:txBody>
           <a:bodyPr lIns="54570" tIns="54570" rIns="54570" bIns="54570" anchor="ctr">
-            <a:normAutofit fontScale="100000" lnSpcReduction="0"/>
+            <a:normAutofit/>
           </a:bodyPr>
           <a:lstStyle/>
           <a:p>
-            <a:pPr/>
             <a:r>
               <a:t>Body Level One</a:t>
             </a:r>
@@ -2120,7 +2210,9 @@
       <p:sp>
         <p:nvSpPr>
           <p:cNvPr id="4" name="Slide Number"/>
-          <p:cNvSpPr txBox="1"/>
+          <p:cNvSpPr txBox="1">
+            <a:spLocks noGrp="1"/>
+          </p:cNvSpPr>
           <p:nvPr>
             <p:ph type="sldNum" sz="quarter" idx="2"/>
           </p:nvPr>
@@ -2147,8 +2239,10 @@
             </a:lvl1pPr>
           </a:lstStyle>
           <a:p>
-            <a:pPr/>
-            <a:fld id="{86CB4B4D-7CA3-9044-876B-883B54F8677D}" type="slidenum"/>
+            <a:fld id="{86CB4B4D-7CA3-9044-876B-883B54F8677D}" type="slidenum">
+              <a:t>‹nr›</a:t>
+            </a:fld>
+            <a:endParaRPr/>
           </a:p>
         </p:txBody>
       </p:sp>
@@ -2156,20 +2250,20 @@
   </p:cSld>
   <p:clrMap bg1="lt1" tx1="dk1" bg2="lt2" tx2="dk2" accent1="accent1" accent2="accent2" accent3="accent3" accent4="accent4" accent5="accent5" accent6="accent6" hlink="hlink" folHlink="folHlink"/>
   <p:sldLayoutIdLst>
-    <p:sldLayoutId id="2147483649" r:id="rId2"/>
-    <p:sldLayoutId id="2147483650" r:id="rId3"/>
-    <p:sldLayoutId id="2147483651" r:id="rId4"/>
-    <p:sldLayoutId id="2147483652" r:id="rId5"/>
-    <p:sldLayoutId id="2147483653" r:id="rId6"/>
-    <p:sldLayoutId id="2147483654" r:id="rId7"/>
-    <p:sldLayoutId id="2147483655" r:id="rId8"/>
-    <p:sldLayoutId id="2147483656" r:id="rId9"/>
-    <p:sldLayoutId id="2147483657" r:id="rId10"/>
-    <p:sldLayoutId id="2147483658" r:id="rId11"/>
-    <p:sldLayoutId id="2147483659" r:id="rId12"/>
-    <p:sldLayoutId id="2147483660" r:id="rId13"/>
+    <p:sldLayoutId id="2147483649" r:id="rId1"/>
+    <p:sldLayoutId id="2147483650" r:id="rId2"/>
+    <p:sldLayoutId id="2147483651" r:id="rId3"/>
+    <p:sldLayoutId id="2147483652" r:id="rId4"/>
+    <p:sldLayoutId id="2147483653" r:id="rId5"/>
+    <p:sldLayoutId id="2147483654" r:id="rId6"/>
+    <p:sldLayoutId id="2147483655" r:id="rId7"/>
+    <p:sldLayoutId id="2147483656" r:id="rId8"/>
+    <p:sldLayoutId id="2147483657" r:id="rId9"/>
+    <p:sldLayoutId id="2147483658" r:id="rId10"/>
+    <p:sldLayoutId id="2147483659" r:id="rId11"/>
+    <p:sldLayoutId id="2147483660" r:id="rId12"/>
   </p:sldLayoutIdLst>
-  <p:transition xmlns:p14="http://schemas.microsoft.com/office/powerpoint/2010/main" spd="med" advClick="1"/>
+  <p:transition spd="med"/>
   <p:txStyles>
     <p:titleStyle>
       <a:lvl1pPr marL="0" marR="0" indent="0" algn="ctr" defTabSz="584200" rtl="0" latinLnBrk="0">
@@ -2187,7 +2281,7 @@
         <a:buFontTx/>
         <a:buNone/>
         <a:tabLst/>
-        <a:defRPr b="0" baseline="0" cap="none" i="0" spc="0" strike="noStrike" sz="8800" u="none">
+        <a:defRPr sz="8800" b="0" i="0" u="none" strike="noStrike" cap="none" spc="0" baseline="0">
           <a:ln>
             <a:noFill/>
           </a:ln>
@@ -2216,7 +2310,7 @@
         <a:buFontTx/>
         <a:buNone/>
         <a:tabLst/>
-        <a:defRPr b="0" baseline="0" cap="none" i="0" spc="0" strike="noStrike" sz="8800" u="none">
+        <a:defRPr sz="8800" b="0" i="0" u="none" strike="noStrike" cap="none" spc="0" baseline="0">
           <a:ln>
             <a:noFill/>
           </a:ln>
@@ -2245,7 +2339,7 @@
         <a:buFontTx/>
         <a:buNone/>
         <a:tabLst/>
-        <a:defRPr b="0" baseline="0" cap="none" i="0" spc="0" strike="noStrike" sz="8800" u="none">
+        <a:defRPr sz="8800" b="0" i="0" u="none" strike="noStrike" cap="none" spc="0" baseline="0">
           <a:ln>
             <a:noFill/>
           </a:ln>
@@ -2274,7 +2368,7 @@
         <a:buFontTx/>
         <a:buNone/>
         <a:tabLst/>
-        <a:defRPr b="0" baseline="0" cap="none" i="0" spc="0" strike="noStrike" sz="8800" u="none">
+        <a:defRPr sz="8800" b="0" i="0" u="none" strike="noStrike" cap="none" spc="0" baseline="0">
           <a:ln>
             <a:noFill/>
           </a:ln>
@@ -2303,7 +2397,7 @@
         <a:buFontTx/>
         <a:buNone/>
         <a:tabLst/>
-        <a:defRPr b="0" baseline="0" cap="none" i="0" spc="0" strike="noStrike" sz="8800" u="none">
+        <a:defRPr sz="8800" b="0" i="0" u="none" strike="noStrike" cap="none" spc="0" baseline="0">
           <a:ln>
             <a:noFill/>
           </a:ln>
@@ -2332,7 +2426,7 @@
         <a:buFontTx/>
         <a:buNone/>
         <a:tabLst/>
-        <a:defRPr b="0" baseline="0" cap="none" i="0" spc="0" strike="noStrike" sz="8800" u="none">
+        <a:defRPr sz="8800" b="0" i="0" u="none" strike="noStrike" cap="none" spc="0" baseline="0">
           <a:ln>
             <a:noFill/>
           </a:ln>
@@ -2361,7 +2455,7 @@
         <a:buFontTx/>
         <a:buNone/>
         <a:tabLst/>
-        <a:defRPr b="0" baseline="0" cap="none" i="0" spc="0" strike="noStrike" sz="8800" u="none">
+        <a:defRPr sz="8800" b="0" i="0" u="none" strike="noStrike" cap="none" spc="0" baseline="0">
           <a:ln>
             <a:noFill/>
           </a:ln>
@@ -2390,7 +2484,7 @@
         <a:buFontTx/>
         <a:buNone/>
         <a:tabLst/>
-        <a:defRPr b="0" baseline="0" cap="none" i="0" spc="0" strike="noStrike" sz="8800" u="none">
+        <a:defRPr sz="8800" b="0" i="0" u="none" strike="noStrike" cap="none" spc="0" baseline="0">
           <a:ln>
             <a:noFill/>
           </a:ln>
@@ -2419,7 +2513,7 @@
         <a:buFontTx/>
         <a:buNone/>
         <a:tabLst/>
-        <a:defRPr b="0" baseline="0" cap="none" i="0" spc="0" strike="noStrike" sz="8800" u="none">
+        <a:defRPr sz="8800" b="0" i="0" u="none" strike="noStrike" cap="none" spc="0" baseline="0">
           <a:ln>
             <a:noFill/>
           </a:ln>
@@ -2450,7 +2544,7 @@
         <a:buFontTx/>
         <a:buChar char="•"/>
         <a:tabLst/>
-        <a:defRPr b="0" baseline="0" cap="none" i="0" spc="0" strike="noStrike" sz="3800" u="none">
+        <a:defRPr sz="3800" b="0" i="0" u="none" strike="noStrike" cap="none" spc="0" baseline="0">
           <a:ln>
             <a:noFill/>
           </a:ln>
@@ -2479,7 +2573,7 @@
         <a:buFontTx/>
         <a:buChar char="•"/>
         <a:tabLst/>
-        <a:defRPr b="0" baseline="0" cap="none" i="0" spc="0" strike="noStrike" sz="3800" u="none">
+        <a:defRPr sz="3800" b="0" i="0" u="none" strike="noStrike" cap="none" spc="0" baseline="0">
           <a:ln>
             <a:noFill/>
           </a:ln>
@@ -2508,7 +2602,7 @@
         <a:buFontTx/>
         <a:buChar char="•"/>
         <a:tabLst/>
-        <a:defRPr b="0" baseline="0" cap="none" i="0" spc="0" strike="noStrike" sz="3800" u="none">
+        <a:defRPr sz="3800" b="0" i="0" u="none" strike="noStrike" cap="none" spc="0" baseline="0">
           <a:ln>
             <a:noFill/>
           </a:ln>
@@ -2537,7 +2631,7 @@
         <a:buFontTx/>
         <a:buChar char="•"/>
         <a:tabLst/>
-        <a:defRPr b="0" baseline="0" cap="none" i="0" spc="0" strike="noStrike" sz="3800" u="none">
+        <a:defRPr sz="3800" b="0" i="0" u="none" strike="noStrike" cap="none" spc="0" baseline="0">
           <a:ln>
             <a:noFill/>
           </a:ln>
@@ -2566,7 +2660,7 @@
         <a:buFontTx/>
         <a:buChar char="•"/>
         <a:tabLst/>
-        <a:defRPr b="0" baseline="0" cap="none" i="0" spc="0" strike="noStrike" sz="3800" u="none">
+        <a:defRPr sz="3800" b="0" i="0" u="none" strike="noStrike" cap="none" spc="0" baseline="0">
           <a:ln>
             <a:noFill/>
           </a:ln>
@@ -2595,7 +2689,7 @@
         <a:buFontTx/>
         <a:buChar char="•"/>
         <a:tabLst/>
-        <a:defRPr b="0" baseline="0" cap="none" i="0" spc="0" strike="noStrike" sz="3800" u="none">
+        <a:defRPr sz="3800" b="0" i="0" u="none" strike="noStrike" cap="none" spc="0" baseline="0">
           <a:ln>
             <a:noFill/>
           </a:ln>
@@ -2624,7 +2718,7 @@
         <a:buFontTx/>
         <a:buChar char="•"/>
         <a:tabLst/>
-        <a:defRPr b="0" baseline="0" cap="none" i="0" spc="0" strike="noStrike" sz="3800" u="none">
+        <a:defRPr sz="3800" b="0" i="0" u="none" strike="noStrike" cap="none" spc="0" baseline="0">
           <a:ln>
             <a:noFill/>
           </a:ln>
@@ -2653,7 +2747,7 @@
         <a:buFontTx/>
         <a:buChar char="•"/>
         <a:tabLst/>
-        <a:defRPr b="0" baseline="0" cap="none" i="0" spc="0" strike="noStrike" sz="3800" u="none">
+        <a:defRPr sz="3800" b="0" i="0" u="none" strike="noStrike" cap="none" spc="0" baseline="0">
           <a:ln>
             <a:noFill/>
           </a:ln>
@@ -2682,7 +2776,7 @@
         <a:buFontTx/>
         <a:buChar char="•"/>
         <a:tabLst/>
-        <a:defRPr b="0" baseline="0" cap="none" i="0" spc="0" strike="noStrike" sz="3800" u="none">
+        <a:defRPr sz="3800" b="0" i="0" u="none" strike="noStrike" cap="none" spc="0" baseline="0">
           <a:ln>
             <a:noFill/>
           </a:ln>
@@ -2713,7 +2807,7 @@
         <a:buFontTx/>
         <a:buNone/>
         <a:tabLst/>
-        <a:defRPr b="0" baseline="0" cap="none" i="0" spc="0" strike="noStrike" sz="1800" u="none">
+        <a:defRPr sz="1800" b="0" i="0" u="none" strike="noStrike" cap="none" spc="0" baseline="0">
           <a:ln>
             <a:noFill/>
           </a:ln>
@@ -2742,7 +2836,7 @@
         <a:buFontTx/>
         <a:buNone/>
         <a:tabLst/>
-        <a:defRPr b="0" baseline="0" cap="none" i="0" spc="0" strike="noStrike" sz="1800" u="none">
+        <a:defRPr sz="1800" b="0" i="0" u="none" strike="noStrike" cap="none" spc="0" baseline="0">
           <a:ln>
             <a:noFill/>
           </a:ln>
@@ -2771,7 +2865,7 @@
         <a:buFontTx/>
         <a:buNone/>
         <a:tabLst/>
-        <a:defRPr b="0" baseline="0" cap="none" i="0" spc="0" strike="noStrike" sz="1800" u="none">
+        <a:defRPr sz="1800" b="0" i="0" u="none" strike="noStrike" cap="none" spc="0" baseline="0">
           <a:ln>
             <a:noFill/>
           </a:ln>
@@ -2800,7 +2894,7 @@
         <a:buFontTx/>
         <a:buNone/>
         <a:tabLst/>
-        <a:defRPr b="0" baseline="0" cap="none" i="0" spc="0" strike="noStrike" sz="1800" u="none">
+        <a:defRPr sz="1800" b="0" i="0" u="none" strike="noStrike" cap="none" spc="0" baseline="0">
           <a:ln>
             <a:noFill/>
           </a:ln>
@@ -2829,7 +2923,7 @@
         <a:buFontTx/>
         <a:buNone/>
         <a:tabLst/>
-        <a:defRPr b="0" baseline="0" cap="none" i="0" spc="0" strike="noStrike" sz="1800" u="none">
+        <a:defRPr sz="1800" b="0" i="0" u="none" strike="noStrike" cap="none" spc="0" baseline="0">
           <a:ln>
             <a:noFill/>
           </a:ln>
@@ -2858,7 +2952,7 @@
         <a:buFontTx/>
         <a:buNone/>
         <a:tabLst/>
-        <a:defRPr b="0" baseline="0" cap="none" i="0" spc="0" strike="noStrike" sz="1800" u="none">
+        <a:defRPr sz="1800" b="0" i="0" u="none" strike="noStrike" cap="none" spc="0" baseline="0">
           <a:ln>
             <a:noFill/>
           </a:ln>
@@ -2887,7 +2981,7 @@
         <a:buFontTx/>
         <a:buNone/>
         <a:tabLst/>
-        <a:defRPr b="0" baseline="0" cap="none" i="0" spc="0" strike="noStrike" sz="1800" u="none">
+        <a:defRPr sz="1800" b="0" i="0" u="none" strike="noStrike" cap="none" spc="0" baseline="0">
           <a:ln>
             <a:noFill/>
           </a:ln>
@@ -2916,7 +3010,7 @@
         <a:buFontTx/>
         <a:buNone/>
         <a:tabLst/>
-        <a:defRPr b="0" baseline="0" cap="none" i="0" spc="0" strike="noStrike" sz="1800" u="none">
+        <a:defRPr sz="1800" b="0" i="0" u="none" strike="noStrike" cap="none" spc="0" baseline="0">
           <a:ln>
             <a:noFill/>
           </a:ln>
@@ -2945,7 +3039,7 @@
         <a:buFontTx/>
         <a:buNone/>
         <a:tabLst/>
-        <a:defRPr b="0" baseline="0" cap="none" i="0" spc="0" strike="noStrike" sz="1800" u="none">
+        <a:defRPr sz="1800" b="0" i="0" u="none" strike="noStrike" cap="none" spc="0" baseline="0">
           <a:ln>
             <a:noFill/>
           </a:ln>
@@ -2965,7 +3059,7 @@
 </file>
 
 <file path=ppt/slides/slide1.xml><?xml version="1.0" encoding="utf-8"?>
-<p:sld xmlns:a="http://schemas.openxmlformats.org/drawingml/2006/main" xmlns:r="http://schemas.openxmlformats.org/officeDocument/2006/relationships" xmlns:p="http://schemas.openxmlformats.org/presentationml/2006/main" showMasterSp="1" showMasterPhAnim="1">
+<p:sld xmlns:a="http://schemas.openxmlformats.org/drawingml/2006/main" xmlns:r="http://schemas.openxmlformats.org/officeDocument/2006/relationships" xmlns:p="http://schemas.openxmlformats.org/presentationml/2006/main">
   <p:cSld>
     <p:spTree>
       <p:nvGrpSpPr>
@@ -3020,13 +3114,16 @@
                 <a:sym typeface="Menlo"/>
               </a:defRPr>
             </a:pPr>
+            <a:endParaRPr/>
           </a:p>
         </p:txBody>
       </p:sp>
       <p:sp>
         <p:nvSpPr>
           <p:cNvPr id="120" name="caret Package…"/>
-          <p:cNvSpPr txBox="1"/>
+          <p:cNvSpPr txBox="1">
+            <a:spLocks noGrp="1"/>
+          </p:cNvSpPr>
           <p:nvPr>
             <p:ph type="title"/>
           </p:nvPr>
@@ -3172,7 +3269,7 @@
             </a:pPr>
             <a:r>
               <a:rPr>
-                <a:hlinkClick r:id="rId2" invalidUrl="" action="" tgtFrame="" tooltip="" history="1" highlightClick="0" endSnd="0"/>
+                <a:hlinkClick r:id="rId2"/>
               </a:rPr>
               <a:t>CC BY SA</a:t>
             </a:r>
@@ -3250,7 +3347,7 @@
               <a:t>https://topepo.github.io/caret/</a:t>
             </a:r>
             <a:r>
-              <a:rPr b="1" sz="1000">
+              <a:rPr sz="1000" b="1">
                 <a:latin typeface="Helvetica"/>
                 <a:ea typeface="Helvetica"/>
                 <a:cs typeface="Helvetica"/>
@@ -3260,159 +3357,6 @@
             </a:r>
             <a:r>
               <a:t> •  Updated: 9/17</a:t>
-            </a:r>
-          </a:p>
-        </p:txBody>
-      </p:sp>
-      <p:sp>
-        <p:nvSpPr>
-          <p:cNvPr id="123" name="train(y ~ x1 + x2, data = dat, ...)…"/>
-          <p:cNvSpPr txBox="1"/>
-          <p:nvPr/>
-        </p:nvSpPr>
-        <p:spPr>
-          <a:xfrm>
-            <a:off x="370952" y="2362024"/>
-            <a:ext cx="4158851" cy="668977"/>
-          </a:xfrm>
-          <a:prstGeom prst="rect">
-            <a:avLst/>
-          </a:prstGeom>
-          <a:ln w="12700">
-            <a:miter lim="400000"/>
-          </a:ln>
-          <a:extLst>
-            <a:ext uri="{C572A759-6A51-4108-AA02-DFA0A04FC94B}">
-              <ma14:wrappingTextBoxFlag xmlns:ma14="http://schemas.microsoft.com/office/mac/drawingml/2011/main" val="1"/>
-            </a:ext>
-          </a:extLst>
-        </p:spPr>
-        <p:txBody>
-          <a:bodyPr lIns="54570" tIns="54570" rIns="54570" bIns="54570" anchor="ctr">
-            <a:spAutoFit/>
-          </a:bodyPr>
-          <a:lstStyle/>
-          <a:p>
-            <a:pPr algn="l">
-              <a:defRPr sz="1100">
-                <a:latin typeface="Monaco"/>
-                <a:ea typeface="Monaco"/>
-                <a:cs typeface="Monaco"/>
-                <a:sym typeface="Monaco"/>
-              </a:defRPr>
-            </a:pPr>
-            <a:r>
-              <a:rPr>
-                <a:solidFill>
-                  <a:schemeClr val="accent1"/>
-                </a:solidFill>
-              </a:rPr>
-              <a:t>train</a:t>
-            </a:r>
-            <a:r>
-              <a:t>(y ~ x1 + x2, </a:t>
-            </a:r>
-            <a:r>
-              <a:rPr>
-                <a:solidFill>
-                  <a:schemeClr val="accent2">
-                    <a:hueOff val="-554920"/>
-                    <a:satOff val="-21482"/>
-                    <a:lumOff val="-6228"/>
-                  </a:schemeClr>
-                </a:solidFill>
-              </a:rPr>
-              <a:t>data</a:t>
-            </a:r>
-            <a:r>
-              <a:t> = dat, ...)</a:t>
-            </a:r>
-          </a:p>
-          <a:p>
-            <a:pPr algn="l">
-              <a:defRPr sz="1100">
-                <a:latin typeface="Monaco"/>
-                <a:ea typeface="Monaco"/>
-                <a:cs typeface="Monaco"/>
-                <a:sym typeface="Monaco"/>
-              </a:defRPr>
-            </a:pPr>
-            <a:r>
-              <a:rPr>
-                <a:solidFill>
-                  <a:schemeClr val="accent1"/>
-                </a:solidFill>
-              </a:rPr>
-              <a:t>train</a:t>
-            </a:r>
-            <a:r>
-              <a:t>(</a:t>
-            </a:r>
-            <a:r>
-              <a:rPr>
-                <a:solidFill>
-                  <a:schemeClr val="accent2">
-                    <a:hueOff val="-554920"/>
-                    <a:satOff val="-21482"/>
-                    <a:lumOff val="-6228"/>
-                  </a:schemeClr>
-                </a:solidFill>
-              </a:rPr>
-              <a:t>x</a:t>
-            </a:r>
-            <a:r>
-              <a:t> = predictor_df, </a:t>
-            </a:r>
-            <a:r>
-              <a:rPr>
-                <a:solidFill>
-                  <a:schemeClr val="accent2">
-                    <a:hueOff val="-554920"/>
-                    <a:satOff val="-21482"/>
-                    <a:lumOff val="-6228"/>
-                  </a:schemeClr>
-                </a:solidFill>
-              </a:rPr>
-              <a:t>y</a:t>
-            </a:r>
-            <a:r>
-              <a:t> = outcome_vector, ...)</a:t>
-            </a:r>
-          </a:p>
-          <a:p>
-            <a:pPr algn="l">
-              <a:defRPr sz="1100">
-                <a:latin typeface="Monaco"/>
-                <a:ea typeface="Monaco"/>
-                <a:cs typeface="Monaco"/>
-                <a:sym typeface="Monaco"/>
-              </a:defRPr>
-            </a:pPr>
-            <a:r>
-              <a:rPr>
-                <a:solidFill>
-                  <a:schemeClr val="accent1"/>
-                </a:solidFill>
-              </a:rPr>
-              <a:t>train</a:t>
-            </a:r>
-            <a:r>
-              <a:t>(recipe_object, </a:t>
-            </a:r>
-            <a:r>
-              <a:rPr>
-                <a:solidFill>
-                  <a:schemeClr val="accent2">
-                    <a:hueOff val="-554920"/>
-                    <a:satOff val="-21482"/>
-                    <a:lumOff val="-6228"/>
-                  </a:schemeClr>
-                </a:solidFill>
-              </a:rPr>
-              <a:t>data</a:t>
-            </a:r>
-            <a:r>
-              <a:t> = dat, ...)</a:t>
             </a:r>
           </a:p>
         </p:txBody>
@@ -3468,222 +3412,8 @@
             </a:lvl1pPr>
           </a:lstStyle>
           <a:p>
-            <a:pPr/>
             <a:r>
               <a:t>Possible syntaxes for specifying the variables in the model:</a:t>
-            </a:r>
-          </a:p>
-        </p:txBody>
-      </p:sp>
-      <p:sp>
-        <p:nvSpPr>
-          <p:cNvPr id="125" name="rfe, sbf, gafs, and safs only have the x/y interface.…"/>
-          <p:cNvSpPr txBox="1"/>
-          <p:nvPr/>
-        </p:nvSpPr>
-        <p:spPr>
-          <a:xfrm>
-            <a:off x="341697" y="3059836"/>
-            <a:ext cx="4188106" cy="1232716"/>
-          </a:xfrm>
-          <a:prstGeom prst="rect">
-            <a:avLst/>
-          </a:prstGeom>
-          <a:ln w="12700">
-            <a:miter lim="400000"/>
-          </a:ln>
-          <a:extLst>
-            <a:ext uri="{C572A759-6A51-4108-AA02-DFA0A04FC94B}">
-              <ma14:wrappingTextBoxFlag xmlns:ma14="http://schemas.microsoft.com/office/mac/drawingml/2011/main" val="1"/>
-            </a:ext>
-          </a:extLst>
-        </p:spPr>
-        <p:txBody>
-          <a:bodyPr lIns="54570" tIns="54570" rIns="54570" bIns="54570" anchor="ctr">
-            <a:spAutoFit/>
-          </a:bodyPr>
-          <a:lstStyle/>
-          <a:p>
-            <a:pPr marL="104775" indent="-104775" algn="l">
-              <a:spcBef>
-                <a:spcPts val="500"/>
-              </a:spcBef>
-              <a:buSzPct val="100000"/>
-              <a:buChar char="•"/>
-              <a:defRPr sz="1200">
-                <a:latin typeface="Source Sans Pro Light"/>
-                <a:ea typeface="Source Sans Pro Light"/>
-                <a:cs typeface="Source Sans Pro Light"/>
-                <a:sym typeface="Source Sans Pro Light"/>
-              </a:defRPr>
-            </a:pPr>
-            <a:r>
-              <a:rPr sz="1100">
-                <a:solidFill>
-                  <a:schemeClr val="accent1"/>
-                </a:solidFill>
-                <a:latin typeface="Monaco"/>
-                <a:ea typeface="Monaco"/>
-                <a:cs typeface="Monaco"/>
-                <a:sym typeface="Monaco"/>
-              </a:rPr>
-              <a:t>rfe</a:t>
-            </a:r>
-            <a:r>
-              <a:t>, </a:t>
-            </a:r>
-            <a:r>
-              <a:rPr sz="1100">
-                <a:solidFill>
-                  <a:schemeClr val="accent1"/>
-                </a:solidFill>
-                <a:latin typeface="Monaco"/>
-                <a:ea typeface="Monaco"/>
-                <a:cs typeface="Monaco"/>
-                <a:sym typeface="Monaco"/>
-              </a:rPr>
-              <a:t>sbf</a:t>
-            </a:r>
-            <a:r>
-              <a:t>, </a:t>
-            </a:r>
-            <a:r>
-              <a:rPr sz="1100">
-                <a:solidFill>
-                  <a:schemeClr val="accent1"/>
-                </a:solidFill>
-                <a:latin typeface="Monaco"/>
-                <a:ea typeface="Monaco"/>
-                <a:cs typeface="Monaco"/>
-                <a:sym typeface="Monaco"/>
-              </a:rPr>
-              <a:t>gafs</a:t>
-            </a:r>
-            <a:r>
-              <a:t>, and </a:t>
-            </a:r>
-            <a:r>
-              <a:rPr sz="1100">
-                <a:solidFill>
-                  <a:schemeClr val="accent1"/>
-                </a:solidFill>
-                <a:latin typeface="Monaco"/>
-                <a:ea typeface="Monaco"/>
-                <a:cs typeface="Monaco"/>
-                <a:sym typeface="Monaco"/>
-              </a:rPr>
-              <a:t>safs</a:t>
-            </a:r>
-            <a:r>
-              <a:t> only have the </a:t>
-            </a:r>
-            <a:r>
-              <a:rPr>
-                <a:latin typeface="Monaco"/>
-                <a:ea typeface="Monaco"/>
-                <a:cs typeface="Monaco"/>
-                <a:sym typeface="Monaco"/>
-              </a:rPr>
-              <a:t>x/y</a:t>
-            </a:r>
-            <a:r>
-              <a:t> interface.</a:t>
-            </a:r>
-            <a:endParaRPr b="1">
-              <a:latin typeface="Source Sans Pro"/>
-              <a:ea typeface="Source Sans Pro"/>
-              <a:cs typeface="Source Sans Pro"/>
-              <a:sym typeface="Source Sans Pro"/>
-            </a:endParaRPr>
-          </a:p>
-          <a:p>
-            <a:pPr marL="114300" indent="-114300" algn="l">
-              <a:spcBef>
-                <a:spcPts val="500"/>
-              </a:spcBef>
-              <a:buSzPct val="100000"/>
-              <a:buChar char="•"/>
-              <a:defRPr sz="1200">
-                <a:latin typeface="Source Sans Pro Light"/>
-                <a:ea typeface="Source Sans Pro Light"/>
-                <a:cs typeface="Source Sans Pro Light"/>
-                <a:sym typeface="Source Sans Pro Light"/>
-              </a:defRPr>
-            </a:pPr>
-            <a:r>
-              <a:t>The </a:t>
-            </a:r>
-            <a:r>
-              <a:rPr sz="1100">
-                <a:solidFill>
-                  <a:schemeClr val="accent1"/>
-                </a:solidFill>
-                <a:latin typeface="Monaco"/>
-                <a:ea typeface="Monaco"/>
-                <a:cs typeface="Monaco"/>
-                <a:sym typeface="Monaco"/>
-              </a:rPr>
-              <a:t>train</a:t>
-            </a:r>
-            <a:r>
-              <a:t> formula method will </a:t>
-            </a:r>
-            <a:r>
-              <a:rPr b="1">
-                <a:latin typeface="Source Sans Pro"/>
-                <a:ea typeface="Source Sans Pro"/>
-                <a:cs typeface="Source Sans Pro"/>
-                <a:sym typeface="Source Sans Pro"/>
-              </a:rPr>
-              <a:t>always</a:t>
-            </a:r>
-            <a:r>
-              <a:t> create dummy variables.</a:t>
-            </a:r>
-          </a:p>
-          <a:p>
-            <a:pPr marL="114300" indent="-114300" algn="l">
-              <a:spcBef>
-                <a:spcPts val="500"/>
-              </a:spcBef>
-              <a:buSzPct val="100000"/>
-              <a:buChar char="•"/>
-              <a:defRPr sz="1200">
-                <a:latin typeface="Source Sans Pro Light"/>
-                <a:ea typeface="Source Sans Pro Light"/>
-                <a:cs typeface="Source Sans Pro Light"/>
-                <a:sym typeface="Source Sans Pro Light"/>
-              </a:defRPr>
-            </a:pPr>
-            <a:r>
-              <a:t>The </a:t>
-            </a:r>
-            <a:r>
-              <a:rPr>
-                <a:latin typeface="Monaco"/>
-                <a:ea typeface="Monaco"/>
-                <a:cs typeface="Monaco"/>
-                <a:sym typeface="Monaco"/>
-              </a:rPr>
-              <a:t>x/y</a:t>
-            </a:r>
-            <a:r>
-              <a:t> interface to </a:t>
-            </a:r>
-            <a:r>
-              <a:rPr sz="1100">
-                <a:solidFill>
-                  <a:schemeClr val="accent1"/>
-                </a:solidFill>
-                <a:latin typeface="Monaco"/>
-                <a:ea typeface="Monaco"/>
-                <a:cs typeface="Monaco"/>
-                <a:sym typeface="Monaco"/>
-              </a:rPr>
-              <a:t>train</a:t>
-            </a:r>
-            <a:r>
-              <a:t> will not create dummy variables (but the underlying model function might).</a:t>
             </a:r>
           </a:p>
         </p:txBody>
@@ -4202,6 +3932,7 @@
                 <a:sym typeface="Source Sans Pro"/>
               </a:defRPr>
             </a:pPr>
+            <a:endParaRPr/>
           </a:p>
         </p:txBody>
       </p:sp>
@@ -4253,7 +3984,7 @@
               </a:defRPr>
             </a:pPr>
             <a:r>
-              <a:rPr b="1" sz="2300"/>
+              <a:rPr sz="2300" b="1"/>
               <a:t>Specifying the Model</a:t>
             </a:r>
           </a:p>
@@ -4307,7 +4038,7 @@
               </a:defRPr>
             </a:pPr>
             <a:r>
-              <a:rPr b="1" sz="2300"/>
+              <a:rPr sz="2300" b="1"/>
               <a:t>Parallel Processing</a:t>
             </a:r>
           </a:p>
@@ -4560,6 +4291,7 @@
                 <a:sym typeface="Menlo"/>
               </a:defRPr>
             </a:pPr>
+            <a:endParaRPr/>
           </a:p>
         </p:txBody>
       </p:sp>
@@ -5186,6 +4918,7 @@
                 <a:sym typeface="Source Sans Pro"/>
               </a:defRPr>
             </a:pPr>
+            <a:endParaRPr/>
           </a:p>
         </p:txBody>
       </p:sp>
@@ -5237,7 +4970,7 @@
               </a:defRPr>
             </a:pPr>
             <a:r>
-              <a:rPr b="1" sz="2300"/>
+              <a:rPr sz="2300" b="1"/>
               <a:t>Preprocessing</a:t>
             </a:r>
           </a:p>
@@ -5291,7 +5024,7 @@
               </a:defRPr>
             </a:pPr>
             <a:r>
-              <a:rPr b="1" sz="2300"/>
+              <a:rPr sz="2300" b="1"/>
               <a:t>Adding Options</a:t>
             </a:r>
           </a:p>
@@ -5786,7 +5519,6 @@
             </a:lvl1pPr>
           </a:lstStyle>
           <a:p>
-            <a:pPr/>
             <a:r>
               <a:t>Methods include:</a:t>
             </a:r>
@@ -5875,6 +5607,7 @@
                 <a:sym typeface="Source Sans Pro Light"/>
               </a:defRPr>
             </a:pPr>
+            <a:endParaRPr/>
           </a:p>
           <a:p>
             <a:pPr algn="l">
@@ -5964,7 +5697,7 @@
               </a:defRPr>
             </a:pPr>
             <a:r>
-              <a:rPr b="1" sz="2300"/>
+              <a:rPr sz="2300" b="1"/>
               <a:t>Resampling Options</a:t>
             </a:r>
           </a:p>
@@ -6151,7 +5884,6 @@
             </a:lvl1pPr>
           </a:lstStyle>
           <a:p>
-            <a:pPr/>
             <a:r>
               <a:t>Methods and options are:</a:t>
             </a:r>
@@ -6590,6 +6322,7 @@
                 <a:sym typeface="Menlo"/>
               </a:defRPr>
             </a:pPr>
+            <a:endParaRPr/>
           </a:p>
         </p:txBody>
       </p:sp>
@@ -6715,6 +6448,7 @@
                 <a:sym typeface="Source Sans Pro"/>
               </a:defRPr>
             </a:pPr>
+            <a:endParaRPr/>
           </a:p>
         </p:txBody>
       </p:sp>
@@ -6766,7 +6500,7 @@
               </a:defRPr>
             </a:pPr>
             <a:r>
-              <a:rPr b="1" sz="2300"/>
+              <a:rPr sz="2300" b="1"/>
               <a:t>Performance Metrics</a:t>
             </a:r>
           </a:p>
@@ -7054,7 +6788,7 @@
               </a:defRPr>
             </a:pPr>
             <a:r>
-              <a:rPr b="1" sz="2300"/>
+              <a:rPr sz="2300" b="1"/>
               <a:t>Grid Search</a:t>
             </a:r>
           </a:p>
@@ -7172,6 +6906,7 @@
                 <a:sym typeface="Source Sans Pro Light"/>
               </a:defRPr>
             </a:pPr>
+            <a:endParaRPr/>
           </a:p>
           <a:p>
             <a:pPr algn="l">
@@ -7331,6 +7066,7 @@
                 <a:sym typeface="Monaco"/>
               </a:defRPr>
             </a:pPr>
+            <a:endParaRPr/>
           </a:p>
           <a:p>
             <a:pPr algn="l">
@@ -7517,7 +7253,7 @@
               </a:defRPr>
             </a:pPr>
             <a:r>
-              <a:rPr b="1" sz="2300"/>
+              <a:rPr sz="2300" b="1"/>
               <a:t>Random Search</a:t>
             </a:r>
           </a:p>
@@ -7727,7 +7463,7 @@
               </a:defRPr>
             </a:pPr>
             <a:r>
-              <a:rPr b="1" sz="2300"/>
+              <a:rPr sz="2300" b="1"/>
               <a:t>Subsampling</a:t>
             </a:r>
           </a:p>
@@ -7977,12 +7713,12 @@
   <p:clrMapOvr>
     <a:masterClrMapping/>
   </p:clrMapOvr>
-  <p:transition xmlns:p14="http://schemas.microsoft.com/office/powerpoint/2010/main" spd="med" advClick="1"/>
+  <p:transition spd="med"/>
 </p:sld>
 </file>
 
 <file path=ppt/theme/theme1.xml><?xml version="1.0" encoding="utf-8"?>
-<a:theme xmlns:a="http://schemas.openxmlformats.org/drawingml/2006/main" xmlns:r="http://schemas.openxmlformats.org/officeDocument/2006/relationships" name="White">
+<a:theme xmlns:a="http://schemas.openxmlformats.org/drawingml/2006/main" name="White">
   <a:themeElements>
     <a:clrScheme name="White">
       <a:dk1>
@@ -8108,7 +7844,7 @@
       <a:effectStyleLst>
         <a:effectStyle>
           <a:effectLst>
-            <a:outerShdw sx="100000" sy="100000" kx="0" ky="0" algn="b" rotWithShape="0" blurRad="38100" dist="25400" dir="5400000">
+            <a:outerShdw blurRad="38100" dist="25400" dir="5400000" rotWithShape="0">
               <a:srgbClr val="000000">
                 <a:alpha val="50000"/>
               </a:srgbClr>
@@ -8117,7 +7853,7 @@
         </a:effectStyle>
         <a:effectStyle>
           <a:effectLst>
-            <a:outerShdw sx="100000" sy="100000" kx="0" ky="0" algn="b" rotWithShape="0" blurRad="50800" dist="12700" dir="0">
+            <a:outerShdw blurRad="50800" dist="12700" rotWithShape="0">
               <a:srgbClr val="000000">
                 <a:alpha val="50000"/>
               </a:srgbClr>
@@ -8126,7 +7862,7 @@
         </a:effectStyle>
         <a:effectStyle>
           <a:effectLst>
-            <a:outerShdw sx="100000" sy="100000" kx="0" ky="0" algn="b" rotWithShape="0" blurRad="38100" dist="25400" dir="5400000">
+            <a:outerShdw blurRad="38100" dist="25400" dir="5400000" rotWithShape="0">
               <a:srgbClr val="000000">
                 <a:alpha val="50000"/>
               </a:srgbClr>
@@ -8190,8 +7926,8 @@
     <a:spDef>
       <a:spPr>
         <a:blipFill rotWithShape="1">
-          <a:blip r:embed="rId1"/>
-          <a:srcRect l="0" t="0" r="0" b="0"/>
+          <a:blip xmlns:r="http://schemas.openxmlformats.org/officeDocument/2006/relationships" r:embed="rId1"/>
+          <a:srcRect/>
           <a:tile tx="0" ty="0" sx="100000" sy="100000" flip="none" algn="tl"/>
         </a:blipFill>
         <a:ln w="12700" cap="flat">
@@ -8199,7 +7935,7 @@
           <a:miter lim="400000"/>
         </a:ln>
         <a:effectLst>
-          <a:outerShdw sx="100000" sy="100000" kx="0" ky="0" algn="b" rotWithShape="0" blurRad="38100" dist="25400" dir="5400000">
+          <a:outerShdw blurRad="38100" dist="25400" dir="5400000" rotWithShape="0">
             <a:srgbClr val="000000">
               <a:alpha val="50000"/>
             </a:srgbClr>
@@ -8207,7 +7943,7 @@
         </a:effectLst>
         <a:sp3d/>
       </a:spPr>
-      <a:bodyPr rot="0" spcFirstLastPara="1" vertOverflow="overflow" horzOverflow="overflow" vert="horz" wrap="square" lIns="54570" tIns="54570" rIns="54570" bIns="54570" numCol="1" spcCol="38100" rtlCol="0" anchor="ctr" upright="0">
+      <a:bodyPr rot="0" spcFirstLastPara="1" vertOverflow="overflow" horzOverflow="overflow" vert="horz" wrap="square" lIns="54570" tIns="54570" rIns="54570" bIns="54570" numCol="1" spcCol="38100" rtlCol="0" anchor="ctr">
         <a:spAutoFit/>
       </a:bodyPr>
       <a:lstStyle>
@@ -8226,7 +7962,7 @@
           <a:buFontTx/>
           <a:buNone/>
           <a:tabLst/>
-          <a:defRPr b="0" baseline="0" cap="none" i="0" spc="0" strike="noStrike" sz="2600" u="none" kumimoji="0" normalizeH="0">
+          <a:defRPr kumimoji="0" sz="2600" b="0" i="0" u="none" strike="noStrike" cap="none" spc="0" normalizeH="0" baseline="0">
             <a:ln>
               <a:noFill/>
             </a:ln>
@@ -8256,7 +7992,7 @@
           <a:buFontTx/>
           <a:buNone/>
           <a:tabLst/>
-          <a:defRPr b="0" baseline="0" cap="none" i="0" spc="0" strike="noStrike" sz="1800" u="none" kumimoji="0" normalizeH="0">
+          <a:defRPr kumimoji="0" sz="1800" b="0" i="0" u="none" strike="noStrike" cap="none" spc="0" normalizeH="0" baseline="0">
             <a:ln>
               <a:noFill/>
             </a:ln>
@@ -8282,7 +8018,7 @@
           <a:buFontTx/>
           <a:buNone/>
           <a:tabLst/>
-          <a:defRPr b="0" baseline="0" cap="none" i="0" spc="0" strike="noStrike" sz="1800" u="none" kumimoji="0" normalizeH="0">
+          <a:defRPr kumimoji="0" sz="1800" b="0" i="0" u="none" strike="noStrike" cap="none" spc="0" normalizeH="0" baseline="0">
             <a:ln>
               <a:noFill/>
             </a:ln>
@@ -8308,7 +8044,7 @@
           <a:buFontTx/>
           <a:buNone/>
           <a:tabLst/>
-          <a:defRPr b="0" baseline="0" cap="none" i="0" spc="0" strike="noStrike" sz="1800" u="none" kumimoji="0" normalizeH="0">
+          <a:defRPr kumimoji="0" sz="1800" b="0" i="0" u="none" strike="noStrike" cap="none" spc="0" normalizeH="0" baseline="0">
             <a:ln>
               <a:noFill/>
             </a:ln>
@@ -8334,7 +8070,7 @@
           <a:buFontTx/>
           <a:buNone/>
           <a:tabLst/>
-          <a:defRPr b="0" baseline="0" cap="none" i="0" spc="0" strike="noStrike" sz="1800" u="none" kumimoji="0" normalizeH="0">
+          <a:defRPr kumimoji="0" sz="1800" b="0" i="0" u="none" strike="noStrike" cap="none" spc="0" normalizeH="0" baseline="0">
             <a:ln>
               <a:noFill/>
             </a:ln>
@@ -8360,7 +8096,7 @@
           <a:buFontTx/>
           <a:buNone/>
           <a:tabLst/>
-          <a:defRPr b="0" baseline="0" cap="none" i="0" spc="0" strike="noStrike" sz="1800" u="none" kumimoji="0" normalizeH="0">
+          <a:defRPr kumimoji="0" sz="1800" b="0" i="0" u="none" strike="noStrike" cap="none" spc="0" normalizeH="0" baseline="0">
             <a:ln>
               <a:noFill/>
             </a:ln>
@@ -8386,7 +8122,7 @@
           <a:buFontTx/>
           <a:buNone/>
           <a:tabLst/>
-          <a:defRPr b="0" baseline="0" cap="none" i="0" spc="0" strike="noStrike" sz="1800" u="none" kumimoji="0" normalizeH="0">
+          <a:defRPr kumimoji="0" sz="1800" b="0" i="0" u="none" strike="noStrike" cap="none" spc="0" normalizeH="0" baseline="0">
             <a:ln>
               <a:noFill/>
             </a:ln>
@@ -8412,7 +8148,7 @@
           <a:buFontTx/>
           <a:buNone/>
           <a:tabLst/>
-          <a:defRPr b="0" baseline="0" cap="none" i="0" spc="0" strike="noStrike" sz="1800" u="none" kumimoji="0" normalizeH="0">
+          <a:defRPr kumimoji="0" sz="1800" b="0" i="0" u="none" strike="noStrike" cap="none" spc="0" normalizeH="0" baseline="0">
             <a:ln>
               <a:noFill/>
             </a:ln>
@@ -8438,7 +8174,7 @@
           <a:buFontTx/>
           <a:buNone/>
           <a:tabLst/>
-          <a:defRPr b="0" baseline="0" cap="none" i="0" spc="0" strike="noStrike" sz="1800" u="none" kumimoji="0" normalizeH="0">
+          <a:defRPr kumimoji="0" sz="1800" b="0" i="0" u="none" strike="noStrike" cap="none" spc="0" normalizeH="0" baseline="0">
             <a:ln>
               <a:noFill/>
             </a:ln>
@@ -8464,7 +8200,7 @@
           <a:buFontTx/>
           <a:buNone/>
           <a:tabLst/>
-          <a:defRPr b="0" baseline="0" cap="none" i="0" spc="0" strike="noStrike" sz="1800" u="none" kumimoji="0" normalizeH="0">
+          <a:defRPr kumimoji="0" sz="1800" b="0" i="0" u="none" strike="noStrike" cap="none" spc="0" normalizeH="0" baseline="0">
             <a:ln>
               <a:noFill/>
             </a:ln>
@@ -8477,9 +8213,15 @@
         </a:lvl9pPr>
       </a:lstStyle>
       <a:style>
-        <a:lnRef idx="0"/>
-        <a:fillRef idx="0"/>
-        <a:effectRef idx="0"/>
+        <a:lnRef idx="0">
+          <a:scrgbClr r="0" g="0" b="0"/>
+        </a:lnRef>
+        <a:fillRef idx="0">
+          <a:scrgbClr r="0" g="0" b="0"/>
+        </a:fillRef>
+        <a:effectRef idx="0">
+          <a:scrgbClr r="0" g="0" b="0"/>
+        </a:effectRef>
         <a:fontRef idx="none"/>
       </a:style>
     </a:spDef>
@@ -8496,7 +8238,7 @@
         <a:effectLst/>
         <a:sp3d/>
       </a:spPr>
-      <a:bodyPr rot="0" spcFirstLastPara="1" vertOverflow="overflow" horzOverflow="overflow" vert="horz" wrap="square" lIns="91439" tIns="45719" rIns="91439" bIns="45719" numCol="1" spcCol="38100" rtlCol="0" anchor="t" upright="0">
+      <a:bodyPr rot="0" spcFirstLastPara="1" vertOverflow="overflow" horzOverflow="overflow" vert="horz" wrap="square" lIns="91439" tIns="45719" rIns="91439" bIns="45719" numCol="1" spcCol="38100" rtlCol="0" anchor="t">
         <a:noAutofit/>
       </a:bodyPr>
       <a:lstStyle>
@@ -8515,7 +8257,7 @@
           <a:buFontTx/>
           <a:buNone/>
           <a:tabLst/>
-          <a:defRPr b="0" baseline="0" cap="none" i="0" spc="0" strike="noStrike" sz="1800" u="none" kumimoji="0" normalizeH="0">
+          <a:defRPr kumimoji="0" sz="1800" b="0" i="0" u="none" strike="noStrike" cap="none" spc="0" normalizeH="0" baseline="0">
             <a:ln>
               <a:noFill/>
             </a:ln>
@@ -8541,7 +8283,7 @@
           <a:buFontTx/>
           <a:buNone/>
           <a:tabLst/>
-          <a:defRPr b="0" baseline="0" cap="none" i="0" spc="0" strike="noStrike" sz="1800" u="none" kumimoji="0" normalizeH="0">
+          <a:defRPr kumimoji="0" sz="1800" b="0" i="0" u="none" strike="noStrike" cap="none" spc="0" normalizeH="0" baseline="0">
             <a:ln>
               <a:noFill/>
             </a:ln>
@@ -8567,7 +8309,7 @@
           <a:buFontTx/>
           <a:buNone/>
           <a:tabLst/>
-          <a:defRPr b="0" baseline="0" cap="none" i="0" spc="0" strike="noStrike" sz="1800" u="none" kumimoji="0" normalizeH="0">
+          <a:defRPr kumimoji="0" sz="1800" b="0" i="0" u="none" strike="noStrike" cap="none" spc="0" normalizeH="0" baseline="0">
             <a:ln>
               <a:noFill/>
             </a:ln>
@@ -8593,7 +8335,7 @@
           <a:buFontTx/>
           <a:buNone/>
           <a:tabLst/>
-          <a:defRPr b="0" baseline="0" cap="none" i="0" spc="0" strike="noStrike" sz="1800" u="none" kumimoji="0" normalizeH="0">
+          <a:defRPr kumimoji="0" sz="1800" b="0" i="0" u="none" strike="noStrike" cap="none" spc="0" normalizeH="0" baseline="0">
             <a:ln>
               <a:noFill/>
             </a:ln>
@@ -8619,7 +8361,7 @@
           <a:buFontTx/>
           <a:buNone/>
           <a:tabLst/>
-          <a:defRPr b="0" baseline="0" cap="none" i="0" spc="0" strike="noStrike" sz="1800" u="none" kumimoji="0" normalizeH="0">
+          <a:defRPr kumimoji="0" sz="1800" b="0" i="0" u="none" strike="noStrike" cap="none" spc="0" normalizeH="0" baseline="0">
             <a:ln>
               <a:noFill/>
             </a:ln>
@@ -8645,7 +8387,7 @@
           <a:buFontTx/>
           <a:buNone/>
           <a:tabLst/>
-          <a:defRPr b="0" baseline="0" cap="none" i="0" spc="0" strike="noStrike" sz="1800" u="none" kumimoji="0" normalizeH="0">
+          <a:defRPr kumimoji="0" sz="1800" b="0" i="0" u="none" strike="noStrike" cap="none" spc="0" normalizeH="0" baseline="0">
             <a:ln>
               <a:noFill/>
             </a:ln>
@@ -8671,7 +8413,7 @@
           <a:buFontTx/>
           <a:buNone/>
           <a:tabLst/>
-          <a:defRPr b="0" baseline="0" cap="none" i="0" spc="0" strike="noStrike" sz="1800" u="none" kumimoji="0" normalizeH="0">
+          <a:defRPr kumimoji="0" sz="1800" b="0" i="0" u="none" strike="noStrike" cap="none" spc="0" normalizeH="0" baseline="0">
             <a:ln>
               <a:noFill/>
             </a:ln>
@@ -8697,7 +8439,7 @@
           <a:buFontTx/>
           <a:buNone/>
           <a:tabLst/>
-          <a:defRPr b="0" baseline="0" cap="none" i="0" spc="0" strike="noStrike" sz="1800" u="none" kumimoji="0" normalizeH="0">
+          <a:defRPr kumimoji="0" sz="1800" b="0" i="0" u="none" strike="noStrike" cap="none" spc="0" normalizeH="0" baseline="0">
             <a:ln>
               <a:noFill/>
             </a:ln>
@@ -8723,7 +8465,7 @@
           <a:buFontTx/>
           <a:buNone/>
           <a:tabLst/>
-          <a:defRPr b="0" baseline="0" cap="none" i="0" spc="0" strike="noStrike" sz="1800" u="none" kumimoji="0" normalizeH="0">
+          <a:defRPr kumimoji="0" sz="1800" b="0" i="0" u="none" strike="noStrike" cap="none" spc="0" normalizeH="0" baseline="0">
             <a:ln>
               <a:noFill/>
             </a:ln>
@@ -8749,7 +8491,7 @@
           <a:buFontTx/>
           <a:buNone/>
           <a:tabLst/>
-          <a:defRPr b="0" baseline="0" cap="none" i="0" spc="0" strike="noStrike" sz="1800" u="none" kumimoji="0" normalizeH="0">
+          <a:defRPr kumimoji="0" sz="1800" b="0" i="0" u="none" strike="noStrike" cap="none" spc="0" normalizeH="0" baseline="0">
             <a:ln>
               <a:noFill/>
             </a:ln>
@@ -8762,9 +8504,15 @@
         </a:lvl9pPr>
       </a:lstStyle>
       <a:style>
-        <a:lnRef idx="0"/>
-        <a:fillRef idx="0"/>
-        <a:effectRef idx="0"/>
+        <a:lnRef idx="0">
+          <a:scrgbClr r="0" g="0" b="0"/>
+        </a:lnRef>
+        <a:fillRef idx="0">
+          <a:scrgbClr r="0" g="0" b="0"/>
+        </a:fillRef>
+        <a:effectRef idx="0">
+          <a:scrgbClr r="0" g="0" b="0"/>
+        </a:effectRef>
         <a:fontRef idx="none"/>
       </a:style>
     </a:lnDef>
@@ -8778,7 +8526,7 @@
         <a:effectLst/>
         <a:sp3d/>
       </a:spPr>
-      <a:bodyPr rot="0" spcFirstLastPara="1" vertOverflow="overflow" horzOverflow="overflow" vert="horz" wrap="square" lIns="54570" tIns="54570" rIns="54570" bIns="54570" numCol="1" spcCol="38100" rtlCol="0" anchor="ctr" upright="0">
+      <a:bodyPr rot="0" spcFirstLastPara="1" vertOverflow="overflow" horzOverflow="overflow" vert="horz" wrap="square" lIns="54570" tIns="54570" rIns="54570" bIns="54570" numCol="1" spcCol="38100" rtlCol="0" anchor="ctr">
         <a:spAutoFit/>
       </a:bodyPr>
       <a:lstStyle>
@@ -8797,7 +8545,7 @@
           <a:buFontTx/>
           <a:buNone/>
           <a:tabLst/>
-          <a:defRPr b="0" baseline="0" cap="none" i="0" spc="0" strike="noStrike" sz="3800" u="none" kumimoji="0" normalizeH="0">
+          <a:defRPr kumimoji="0" sz="3800" b="0" i="0" u="none" strike="noStrike" cap="none" spc="0" normalizeH="0" baseline="0">
             <a:ln>
               <a:noFill/>
             </a:ln>
@@ -8827,7 +8575,7 @@
           <a:buFontTx/>
           <a:buNone/>
           <a:tabLst/>
-          <a:defRPr b="0" baseline="0" cap="none" i="0" spc="0" strike="noStrike" sz="1800" u="none" kumimoji="0" normalizeH="0">
+          <a:defRPr kumimoji="0" sz="1800" b="0" i="0" u="none" strike="noStrike" cap="none" spc="0" normalizeH="0" baseline="0">
             <a:ln>
               <a:noFill/>
             </a:ln>
@@ -8853,7 +8601,7 @@
           <a:buFontTx/>
           <a:buNone/>
           <a:tabLst/>
-          <a:defRPr b="0" baseline="0" cap="none" i="0" spc="0" strike="noStrike" sz="1800" u="none" kumimoji="0" normalizeH="0">
+          <a:defRPr kumimoji="0" sz="1800" b="0" i="0" u="none" strike="noStrike" cap="none" spc="0" normalizeH="0" baseline="0">
             <a:ln>
               <a:noFill/>
             </a:ln>
@@ -8879,7 +8627,7 @@
           <a:buFontTx/>
           <a:buNone/>
           <a:tabLst/>
-          <a:defRPr b="0" baseline="0" cap="none" i="0" spc="0" strike="noStrike" sz="1800" u="none" kumimoji="0" normalizeH="0">
+          <a:defRPr kumimoji="0" sz="1800" b="0" i="0" u="none" strike="noStrike" cap="none" spc="0" normalizeH="0" baseline="0">
             <a:ln>
               <a:noFill/>
             </a:ln>
@@ -8905,7 +8653,7 @@
           <a:buFontTx/>
           <a:buNone/>
           <a:tabLst/>
-          <a:defRPr b="0" baseline="0" cap="none" i="0" spc="0" strike="noStrike" sz="1800" u="none" kumimoji="0" normalizeH="0">
+          <a:defRPr kumimoji="0" sz="1800" b="0" i="0" u="none" strike="noStrike" cap="none" spc="0" normalizeH="0" baseline="0">
             <a:ln>
               <a:noFill/>
             </a:ln>
@@ -8931,7 +8679,7 @@
           <a:buFontTx/>
           <a:buNone/>
           <a:tabLst/>
-          <a:defRPr b="0" baseline="0" cap="none" i="0" spc="0" strike="noStrike" sz="1800" u="none" kumimoji="0" normalizeH="0">
+          <a:defRPr kumimoji="0" sz="1800" b="0" i="0" u="none" strike="noStrike" cap="none" spc="0" normalizeH="0" baseline="0">
             <a:ln>
               <a:noFill/>
             </a:ln>
@@ -8957,7 +8705,7 @@
           <a:buFontTx/>
           <a:buNone/>
           <a:tabLst/>
-          <a:defRPr b="0" baseline="0" cap="none" i="0" spc="0" strike="noStrike" sz="1800" u="none" kumimoji="0" normalizeH="0">
+          <a:defRPr kumimoji="0" sz="1800" b="0" i="0" u="none" strike="noStrike" cap="none" spc="0" normalizeH="0" baseline="0">
             <a:ln>
               <a:noFill/>
             </a:ln>
@@ -8983,7 +8731,7 @@
           <a:buFontTx/>
           <a:buNone/>
           <a:tabLst/>
-          <a:defRPr b="0" baseline="0" cap="none" i="0" spc="0" strike="noStrike" sz="1800" u="none" kumimoji="0" normalizeH="0">
+          <a:defRPr kumimoji="0" sz="1800" b="0" i="0" u="none" strike="noStrike" cap="none" spc="0" normalizeH="0" baseline="0">
             <a:ln>
               <a:noFill/>
             </a:ln>
@@ -9009,7 +8757,7 @@
           <a:buFontTx/>
           <a:buNone/>
           <a:tabLst/>
-          <a:defRPr b="0" baseline="0" cap="none" i="0" spc="0" strike="noStrike" sz="1800" u="none" kumimoji="0" normalizeH="0">
+          <a:defRPr kumimoji="0" sz="1800" b="0" i="0" u="none" strike="noStrike" cap="none" spc="0" normalizeH="0" baseline="0">
             <a:ln>
               <a:noFill/>
             </a:ln>
@@ -9035,7 +8783,7 @@
           <a:buFontTx/>
           <a:buNone/>
           <a:tabLst/>
-          <a:defRPr b="0" baseline="0" cap="none" i="0" spc="0" strike="noStrike" sz="1800" u="none" kumimoji="0" normalizeH="0">
+          <a:defRPr kumimoji="0" sz="1800" b="0" i="0" u="none" strike="noStrike" cap="none" spc="0" normalizeH="0" baseline="0">
             <a:ln>
               <a:noFill/>
             </a:ln>
@@ -9048,18 +8796,25 @@
         </a:lvl9pPr>
       </a:lstStyle>
       <a:style>
-        <a:lnRef idx="0"/>
-        <a:fillRef idx="0"/>
-        <a:effectRef idx="0"/>
+        <a:lnRef idx="0">
+          <a:scrgbClr r="0" g="0" b="0"/>
+        </a:lnRef>
+        <a:fillRef idx="0">
+          <a:scrgbClr r="0" g="0" b="0"/>
+        </a:fillRef>
+        <a:effectRef idx="0">
+          <a:scrgbClr r="0" g="0" b="0"/>
+        </a:effectRef>
         <a:fontRef idx="none"/>
       </a:style>
     </a:txDef>
   </a:objectDefaults>
+  <a:extraClrSchemeLst/>
 </a:theme>
 </file>
 
 <file path=ppt/theme/theme2.xml><?xml version="1.0" encoding="utf-8"?>
-<a:theme xmlns:a="http://schemas.openxmlformats.org/drawingml/2006/main" xmlns:r="http://schemas.openxmlformats.org/officeDocument/2006/relationships" name="White">
+<a:theme xmlns:a="http://schemas.openxmlformats.org/drawingml/2006/main" name="White">
   <a:themeElements>
     <a:clrScheme name="White">
       <a:dk1>
@@ -9185,7 +8940,7 @@
       <a:effectStyleLst>
         <a:effectStyle>
           <a:effectLst>
-            <a:outerShdw sx="100000" sy="100000" kx="0" ky="0" algn="b" rotWithShape="0" blurRad="38100" dist="25400" dir="5400000">
+            <a:outerShdw blurRad="38100" dist="25400" dir="5400000" rotWithShape="0">
               <a:srgbClr val="000000">
                 <a:alpha val="50000"/>
               </a:srgbClr>
@@ -9194,7 +8949,7 @@
         </a:effectStyle>
         <a:effectStyle>
           <a:effectLst>
-            <a:outerShdw sx="100000" sy="100000" kx="0" ky="0" algn="b" rotWithShape="0" blurRad="50800" dist="12700" dir="0">
+            <a:outerShdw blurRad="50800" dist="12700" rotWithShape="0">
               <a:srgbClr val="000000">
                 <a:alpha val="50000"/>
               </a:srgbClr>
@@ -9203,7 +8958,7 @@
         </a:effectStyle>
         <a:effectStyle>
           <a:effectLst>
-            <a:outerShdw sx="100000" sy="100000" kx="0" ky="0" algn="b" rotWithShape="0" blurRad="38100" dist="25400" dir="5400000">
+            <a:outerShdw blurRad="38100" dist="25400" dir="5400000" rotWithShape="0">
               <a:srgbClr val="000000">
                 <a:alpha val="50000"/>
               </a:srgbClr>
@@ -9267,8 +9022,8 @@
     <a:spDef>
       <a:spPr>
         <a:blipFill rotWithShape="1">
-          <a:blip r:embed="rId1"/>
-          <a:srcRect l="0" t="0" r="0" b="0"/>
+          <a:blip xmlns:r="http://schemas.openxmlformats.org/officeDocument/2006/relationships" r:embed="rId1"/>
+          <a:srcRect/>
           <a:tile tx="0" ty="0" sx="100000" sy="100000" flip="none" algn="tl"/>
         </a:blipFill>
         <a:ln w="12700" cap="flat">
@@ -9276,7 +9031,7 @@
           <a:miter lim="400000"/>
         </a:ln>
         <a:effectLst>
-          <a:outerShdw sx="100000" sy="100000" kx="0" ky="0" algn="b" rotWithShape="0" blurRad="38100" dist="25400" dir="5400000">
+          <a:outerShdw blurRad="38100" dist="25400" dir="5400000" rotWithShape="0">
             <a:srgbClr val="000000">
               <a:alpha val="50000"/>
             </a:srgbClr>
@@ -9284,7 +9039,7 @@
         </a:effectLst>
         <a:sp3d/>
       </a:spPr>
-      <a:bodyPr rot="0" spcFirstLastPara="1" vertOverflow="overflow" horzOverflow="overflow" vert="horz" wrap="square" lIns="54570" tIns="54570" rIns="54570" bIns="54570" numCol="1" spcCol="38100" rtlCol="0" anchor="ctr" upright="0">
+      <a:bodyPr rot="0" spcFirstLastPara="1" vertOverflow="overflow" horzOverflow="overflow" vert="horz" wrap="square" lIns="54570" tIns="54570" rIns="54570" bIns="54570" numCol="1" spcCol="38100" rtlCol="0" anchor="ctr">
         <a:spAutoFit/>
       </a:bodyPr>
       <a:lstStyle>
@@ -9303,7 +9058,7 @@
           <a:buFontTx/>
           <a:buNone/>
           <a:tabLst/>
-          <a:defRPr b="0" baseline="0" cap="none" i="0" spc="0" strike="noStrike" sz="2600" u="none" kumimoji="0" normalizeH="0">
+          <a:defRPr kumimoji="0" sz="2600" b="0" i="0" u="none" strike="noStrike" cap="none" spc="0" normalizeH="0" baseline="0">
             <a:ln>
               <a:noFill/>
             </a:ln>
@@ -9333,7 +9088,7 @@
           <a:buFontTx/>
           <a:buNone/>
           <a:tabLst/>
-          <a:defRPr b="0" baseline="0" cap="none" i="0" spc="0" strike="noStrike" sz="1800" u="none" kumimoji="0" normalizeH="0">
+          <a:defRPr kumimoji="0" sz="1800" b="0" i="0" u="none" strike="noStrike" cap="none" spc="0" normalizeH="0" baseline="0">
             <a:ln>
               <a:noFill/>
             </a:ln>
@@ -9359,7 +9114,7 @@
           <a:buFontTx/>
           <a:buNone/>
           <a:tabLst/>
-          <a:defRPr b="0" baseline="0" cap="none" i="0" spc="0" strike="noStrike" sz="1800" u="none" kumimoji="0" normalizeH="0">
+          <a:defRPr kumimoji="0" sz="1800" b="0" i="0" u="none" strike="noStrike" cap="none" spc="0" normalizeH="0" baseline="0">
             <a:ln>
               <a:noFill/>
             </a:ln>
@@ -9385,7 +9140,7 @@
           <a:buFontTx/>
           <a:buNone/>
           <a:tabLst/>
-          <a:defRPr b="0" baseline="0" cap="none" i="0" spc="0" strike="noStrike" sz="1800" u="none" kumimoji="0" normalizeH="0">
+          <a:defRPr kumimoji="0" sz="1800" b="0" i="0" u="none" strike="noStrike" cap="none" spc="0" normalizeH="0" baseline="0">
             <a:ln>
               <a:noFill/>
             </a:ln>
@@ -9411,7 +9166,7 @@
           <a:buFontTx/>
           <a:buNone/>
           <a:tabLst/>
-          <a:defRPr b="0" baseline="0" cap="none" i="0" spc="0" strike="noStrike" sz="1800" u="none" kumimoji="0" normalizeH="0">
+          <a:defRPr kumimoji="0" sz="1800" b="0" i="0" u="none" strike="noStrike" cap="none" spc="0" normalizeH="0" baseline="0">
             <a:ln>
               <a:noFill/>
             </a:ln>
@@ -9437,7 +9192,7 @@
           <a:buFontTx/>
           <a:buNone/>
           <a:tabLst/>
-          <a:defRPr b="0" baseline="0" cap="none" i="0" spc="0" strike="noStrike" sz="1800" u="none" kumimoji="0" normalizeH="0">
+          <a:defRPr kumimoji="0" sz="1800" b="0" i="0" u="none" strike="noStrike" cap="none" spc="0" normalizeH="0" baseline="0">
             <a:ln>
               <a:noFill/>
             </a:ln>
@@ -9463,7 +9218,7 @@
           <a:buFontTx/>
           <a:buNone/>
           <a:tabLst/>
-          <a:defRPr b="0" baseline="0" cap="none" i="0" spc="0" strike="noStrike" sz="1800" u="none" kumimoji="0" normalizeH="0">
+          <a:defRPr kumimoji="0" sz="1800" b="0" i="0" u="none" strike="noStrike" cap="none" spc="0" normalizeH="0" baseline="0">
             <a:ln>
               <a:noFill/>
             </a:ln>
@@ -9489,7 +9244,7 @@
           <a:buFontTx/>
           <a:buNone/>
           <a:tabLst/>
-          <a:defRPr b="0" baseline="0" cap="none" i="0" spc="0" strike="noStrike" sz="1800" u="none" kumimoji="0" normalizeH="0">
+          <a:defRPr kumimoji="0" sz="1800" b="0" i="0" u="none" strike="noStrike" cap="none" spc="0" normalizeH="0" baseline="0">
             <a:ln>
               <a:noFill/>
             </a:ln>
@@ -9515,7 +9270,7 @@
           <a:buFontTx/>
           <a:buNone/>
           <a:tabLst/>
-          <a:defRPr b="0" baseline="0" cap="none" i="0" spc="0" strike="noStrike" sz="1800" u="none" kumimoji="0" normalizeH="0">
+          <a:defRPr kumimoji="0" sz="1800" b="0" i="0" u="none" strike="noStrike" cap="none" spc="0" normalizeH="0" baseline="0">
             <a:ln>
               <a:noFill/>
             </a:ln>
@@ -9541,7 +9296,7 @@
           <a:buFontTx/>
           <a:buNone/>
           <a:tabLst/>
-          <a:defRPr b="0" baseline="0" cap="none" i="0" spc="0" strike="noStrike" sz="1800" u="none" kumimoji="0" normalizeH="0">
+          <a:defRPr kumimoji="0" sz="1800" b="0" i="0" u="none" strike="noStrike" cap="none" spc="0" normalizeH="0" baseline="0">
             <a:ln>
               <a:noFill/>
             </a:ln>
@@ -9554,9 +9309,15 @@
         </a:lvl9pPr>
       </a:lstStyle>
       <a:style>
-        <a:lnRef idx="0"/>
-        <a:fillRef idx="0"/>
-        <a:effectRef idx="0"/>
+        <a:lnRef idx="0">
+          <a:scrgbClr r="0" g="0" b="0"/>
+        </a:lnRef>
+        <a:fillRef idx="0">
+          <a:scrgbClr r="0" g="0" b="0"/>
+        </a:fillRef>
+        <a:effectRef idx="0">
+          <a:scrgbClr r="0" g="0" b="0"/>
+        </a:effectRef>
         <a:fontRef idx="none"/>
       </a:style>
     </a:spDef>
@@ -9573,7 +9334,7 @@
         <a:effectLst/>
         <a:sp3d/>
       </a:spPr>
-      <a:bodyPr rot="0" spcFirstLastPara="1" vertOverflow="overflow" horzOverflow="overflow" vert="horz" wrap="square" lIns="91439" tIns="45719" rIns="91439" bIns="45719" numCol="1" spcCol="38100" rtlCol="0" anchor="t" upright="0">
+      <a:bodyPr rot="0" spcFirstLastPara="1" vertOverflow="overflow" horzOverflow="overflow" vert="horz" wrap="square" lIns="91439" tIns="45719" rIns="91439" bIns="45719" numCol="1" spcCol="38100" rtlCol="0" anchor="t">
         <a:noAutofit/>
       </a:bodyPr>
       <a:lstStyle>
@@ -9592,7 +9353,7 @@
           <a:buFontTx/>
           <a:buNone/>
           <a:tabLst/>
-          <a:defRPr b="0" baseline="0" cap="none" i="0" spc="0" strike="noStrike" sz="1800" u="none" kumimoji="0" normalizeH="0">
+          <a:defRPr kumimoji="0" sz="1800" b="0" i="0" u="none" strike="noStrike" cap="none" spc="0" normalizeH="0" baseline="0">
             <a:ln>
               <a:noFill/>
             </a:ln>
@@ -9618,7 +9379,7 @@
           <a:buFontTx/>
           <a:buNone/>
           <a:tabLst/>
-          <a:defRPr b="0" baseline="0" cap="none" i="0" spc="0" strike="noStrike" sz="1800" u="none" kumimoji="0" normalizeH="0">
+          <a:defRPr kumimoji="0" sz="1800" b="0" i="0" u="none" strike="noStrike" cap="none" spc="0" normalizeH="0" baseline="0">
             <a:ln>
               <a:noFill/>
             </a:ln>
@@ -9644,7 +9405,7 @@
           <a:buFontTx/>
           <a:buNone/>
           <a:tabLst/>
-          <a:defRPr b="0" baseline="0" cap="none" i="0" spc="0" strike="noStrike" sz="1800" u="none" kumimoji="0" normalizeH="0">
+          <a:defRPr kumimoji="0" sz="1800" b="0" i="0" u="none" strike="noStrike" cap="none" spc="0" normalizeH="0" baseline="0">
             <a:ln>
               <a:noFill/>
             </a:ln>
@@ -9670,7 +9431,7 @@
           <a:buFontTx/>
           <a:buNone/>
           <a:tabLst/>
-          <a:defRPr b="0" baseline="0" cap="none" i="0" spc="0" strike="noStrike" sz="1800" u="none" kumimoji="0" normalizeH="0">
+          <a:defRPr kumimoji="0" sz="1800" b="0" i="0" u="none" strike="noStrike" cap="none" spc="0" normalizeH="0" baseline="0">
             <a:ln>
               <a:noFill/>
             </a:ln>
@@ -9696,7 +9457,7 @@
           <a:buFontTx/>
           <a:buNone/>
           <a:tabLst/>
-          <a:defRPr b="0" baseline="0" cap="none" i="0" spc="0" strike="noStrike" sz="1800" u="none" kumimoji="0" normalizeH="0">
+          <a:defRPr kumimoji="0" sz="1800" b="0" i="0" u="none" strike="noStrike" cap="none" spc="0" normalizeH="0" baseline="0">
             <a:ln>
               <a:noFill/>
             </a:ln>
@@ -9722,7 +9483,7 @@
           <a:buFontTx/>
           <a:buNone/>
           <a:tabLst/>
-          <a:defRPr b="0" baseline="0" cap="none" i="0" spc="0" strike="noStrike" sz="1800" u="none" kumimoji="0" normalizeH="0">
+          <a:defRPr kumimoji="0" sz="1800" b="0" i="0" u="none" strike="noStrike" cap="none" spc="0" normalizeH="0" baseline="0">
             <a:ln>
               <a:noFill/>
             </a:ln>
@@ -9748,7 +9509,7 @@
           <a:buFontTx/>
           <a:buNone/>
           <a:tabLst/>
-          <a:defRPr b="0" baseline="0" cap="none" i="0" spc="0" strike="noStrike" sz="1800" u="none" kumimoji="0" normalizeH="0">
+          <a:defRPr kumimoji="0" sz="1800" b="0" i="0" u="none" strike="noStrike" cap="none" spc="0" normalizeH="0" baseline="0">
             <a:ln>
               <a:noFill/>
             </a:ln>
@@ -9774,7 +9535,7 @@
           <a:buFontTx/>
           <a:buNone/>
           <a:tabLst/>
-          <a:defRPr b="0" baseline="0" cap="none" i="0" spc="0" strike="noStrike" sz="1800" u="none" kumimoji="0" normalizeH="0">
+          <a:defRPr kumimoji="0" sz="1800" b="0" i="0" u="none" strike="noStrike" cap="none" spc="0" normalizeH="0" baseline="0">
             <a:ln>
               <a:noFill/>
             </a:ln>
@@ -9800,7 +9561,7 @@
           <a:buFontTx/>
           <a:buNone/>
           <a:tabLst/>
-          <a:defRPr b="0" baseline="0" cap="none" i="0" spc="0" strike="noStrike" sz="1800" u="none" kumimoji="0" normalizeH="0">
+          <a:defRPr kumimoji="0" sz="1800" b="0" i="0" u="none" strike="noStrike" cap="none" spc="0" normalizeH="0" baseline="0">
             <a:ln>
               <a:noFill/>
             </a:ln>
@@ -9826,7 +9587,7 @@
           <a:buFontTx/>
           <a:buNone/>
           <a:tabLst/>
-          <a:defRPr b="0" baseline="0" cap="none" i="0" spc="0" strike="noStrike" sz="1800" u="none" kumimoji="0" normalizeH="0">
+          <a:defRPr kumimoji="0" sz="1800" b="0" i="0" u="none" strike="noStrike" cap="none" spc="0" normalizeH="0" baseline="0">
             <a:ln>
               <a:noFill/>
             </a:ln>
@@ -9839,9 +9600,15 @@
         </a:lvl9pPr>
       </a:lstStyle>
       <a:style>
-        <a:lnRef idx="0"/>
-        <a:fillRef idx="0"/>
-        <a:effectRef idx="0"/>
+        <a:lnRef idx="0">
+          <a:scrgbClr r="0" g="0" b="0"/>
+        </a:lnRef>
+        <a:fillRef idx="0">
+          <a:scrgbClr r="0" g="0" b="0"/>
+        </a:fillRef>
+        <a:effectRef idx="0">
+          <a:scrgbClr r="0" g="0" b="0"/>
+        </a:effectRef>
         <a:fontRef idx="none"/>
       </a:style>
     </a:lnDef>
@@ -9855,7 +9622,7 @@
         <a:effectLst/>
         <a:sp3d/>
       </a:spPr>
-      <a:bodyPr rot="0" spcFirstLastPara="1" vertOverflow="overflow" horzOverflow="overflow" vert="horz" wrap="square" lIns="54570" tIns="54570" rIns="54570" bIns="54570" numCol="1" spcCol="38100" rtlCol="0" anchor="ctr" upright="0">
+      <a:bodyPr rot="0" spcFirstLastPara="1" vertOverflow="overflow" horzOverflow="overflow" vert="horz" wrap="square" lIns="54570" tIns="54570" rIns="54570" bIns="54570" numCol="1" spcCol="38100" rtlCol="0" anchor="ctr">
         <a:spAutoFit/>
       </a:bodyPr>
       <a:lstStyle>
@@ -9874,7 +9641,7 @@
           <a:buFontTx/>
           <a:buNone/>
           <a:tabLst/>
-          <a:defRPr b="0" baseline="0" cap="none" i="0" spc="0" strike="noStrike" sz="3800" u="none" kumimoji="0" normalizeH="0">
+          <a:defRPr kumimoji="0" sz="3800" b="0" i="0" u="none" strike="noStrike" cap="none" spc="0" normalizeH="0" baseline="0">
             <a:ln>
               <a:noFill/>
             </a:ln>
@@ -9904,7 +9671,7 @@
           <a:buFontTx/>
           <a:buNone/>
           <a:tabLst/>
-          <a:defRPr b="0" baseline="0" cap="none" i="0" spc="0" strike="noStrike" sz="1800" u="none" kumimoji="0" normalizeH="0">
+          <a:defRPr kumimoji="0" sz="1800" b="0" i="0" u="none" strike="noStrike" cap="none" spc="0" normalizeH="0" baseline="0">
             <a:ln>
               <a:noFill/>
             </a:ln>
@@ -9930,7 +9697,7 @@
           <a:buFontTx/>
           <a:buNone/>
           <a:tabLst/>
-          <a:defRPr b="0" baseline="0" cap="none" i="0" spc="0" strike="noStrike" sz="1800" u="none" kumimoji="0" normalizeH="0">
+          <a:defRPr kumimoji="0" sz="1800" b="0" i="0" u="none" strike="noStrike" cap="none" spc="0" normalizeH="0" baseline="0">
             <a:ln>
               <a:noFill/>
             </a:ln>
@@ -9956,7 +9723,7 @@
           <a:buFontTx/>
           <a:buNone/>
           <a:tabLst/>
-          <a:defRPr b="0" baseline="0" cap="none" i="0" spc="0" strike="noStrike" sz="1800" u="none" kumimoji="0" normalizeH="0">
+          <a:defRPr kumimoji="0" sz="1800" b="0" i="0" u="none" strike="noStrike" cap="none" spc="0" normalizeH="0" baseline="0">
             <a:ln>
               <a:noFill/>
             </a:ln>
@@ -9982,7 +9749,7 @@
           <a:buFontTx/>
           <a:buNone/>
           <a:tabLst/>
-          <a:defRPr b="0" baseline="0" cap="none" i="0" spc="0" strike="noStrike" sz="1800" u="none" kumimoji="0" normalizeH="0">
+          <a:defRPr kumimoji="0" sz="1800" b="0" i="0" u="none" strike="noStrike" cap="none" spc="0" normalizeH="0" baseline="0">
             <a:ln>
               <a:noFill/>
             </a:ln>
@@ -10008,7 +9775,7 @@
           <a:buFontTx/>
           <a:buNone/>
           <a:tabLst/>
-          <a:defRPr b="0" baseline="0" cap="none" i="0" spc="0" strike="noStrike" sz="1800" u="none" kumimoji="0" normalizeH="0">
+          <a:defRPr kumimoji="0" sz="1800" b="0" i="0" u="none" strike="noStrike" cap="none" spc="0" normalizeH="0" baseline="0">
             <a:ln>
               <a:noFill/>
             </a:ln>
@@ -10034,7 +9801,7 @@
           <a:buFontTx/>
           <a:buNone/>
           <a:tabLst/>
-          <a:defRPr b="0" baseline="0" cap="none" i="0" spc="0" strike="noStrike" sz="1800" u="none" kumimoji="0" normalizeH="0">
+          <a:defRPr kumimoji="0" sz="1800" b="0" i="0" u="none" strike="noStrike" cap="none" spc="0" normalizeH="0" baseline="0">
             <a:ln>
               <a:noFill/>
             </a:ln>
@@ -10060,7 +9827,7 @@
           <a:buFontTx/>
           <a:buNone/>
           <a:tabLst/>
-          <a:defRPr b="0" baseline="0" cap="none" i="0" spc="0" strike="noStrike" sz="1800" u="none" kumimoji="0" normalizeH="0">
+          <a:defRPr kumimoji="0" sz="1800" b="0" i="0" u="none" strike="noStrike" cap="none" spc="0" normalizeH="0" baseline="0">
             <a:ln>
               <a:noFill/>
             </a:ln>
@@ -10086,7 +9853,7 @@
           <a:buFontTx/>
           <a:buNone/>
           <a:tabLst/>
-          <a:defRPr b="0" baseline="0" cap="none" i="0" spc="0" strike="noStrike" sz="1800" u="none" kumimoji="0" normalizeH="0">
+          <a:defRPr kumimoji="0" sz="1800" b="0" i="0" u="none" strike="noStrike" cap="none" spc="0" normalizeH="0" baseline="0">
             <a:ln>
               <a:noFill/>
             </a:ln>
@@ -10112,7 +9879,7 @@
           <a:buFontTx/>
           <a:buNone/>
           <a:tabLst/>
-          <a:defRPr b="0" baseline="0" cap="none" i="0" spc="0" strike="noStrike" sz="1800" u="none" kumimoji="0" normalizeH="0">
+          <a:defRPr kumimoji="0" sz="1800" b="0" i="0" u="none" strike="noStrike" cap="none" spc="0" normalizeH="0" baseline="0">
             <a:ln>
               <a:noFill/>
             </a:ln>
@@ -10125,12 +9892,19 @@
         </a:lvl9pPr>
       </a:lstStyle>
       <a:style>
-        <a:lnRef idx="0"/>
-        <a:fillRef idx="0"/>
-        <a:effectRef idx="0"/>
+        <a:lnRef idx="0">
+          <a:scrgbClr r="0" g="0" b="0"/>
+        </a:lnRef>
+        <a:fillRef idx="0">
+          <a:scrgbClr r="0" g="0" b="0"/>
+        </a:fillRef>
+        <a:effectRef idx="0">
+          <a:scrgbClr r="0" g="0" b="0"/>
+        </a:effectRef>
         <a:fontRef idx="none"/>
       </a:style>
     </a:txDef>
   </a:objectDefaults>
+  <a:extraClrSchemeLst/>
 </a:theme>
 </file>
--- a/powerpoints/caret.pptx
+++ b/powerpoints/caret.pptx
@@ -1,14 +1,14 @@
 
 <file path=ppt/presentation.xml><?xml version="1.0" encoding="utf-8"?>
-<p:presentation xmlns:a="http://schemas.openxmlformats.org/drawingml/2006/main" xmlns:r="http://schemas.openxmlformats.org/officeDocument/2006/relationships" xmlns:p="http://schemas.openxmlformats.org/presentationml/2006/main">
+<p:presentation xmlns:a="http://schemas.openxmlformats.org/drawingml/2006/main" xmlns:r="http://schemas.openxmlformats.org/officeDocument/2006/relationships" xmlns:p="http://schemas.openxmlformats.org/presentationml/2006/main" saveSubsetFonts="1">
   <p:sldMasterIdLst>
-    <p:sldMasterId id="2147483648" r:id="rId5"/>
+    <p:sldMasterId id="2147483648" r:id="rId1"/>
   </p:sldMasterIdLst>
   <p:notesMasterIdLst>
-    <p:notesMasterId r:id="rId7"/>
+    <p:notesMasterId r:id="rId3"/>
   </p:notesMasterIdLst>
   <p:sldIdLst>
-    <p:sldId id="256" r:id="rId8"/>
+    <p:sldId id="256" r:id="rId2"/>
   </p:sldIdLst>
   <p:sldSz cx="13970000" cy="10795000"/>
   <p:notesSz cx="6858000" cy="9144000"/>
@@ -28,7 +28,7 @@
       <a:buFontTx/>
       <a:buNone/>
       <a:tabLst/>
-      <a:defRPr b="0" baseline="0" cap="none" i="0" spc="0" strike="noStrike" sz="1800" u="none" kumimoji="0" normalizeH="0">
+      <a:defRPr kumimoji="0" sz="1800" b="0" i="0" u="none" strike="noStrike" cap="none" spc="0" normalizeH="0" baseline="0">
         <a:ln>
           <a:noFill/>
         </a:ln>
@@ -54,7 +54,7 @@
       <a:buFontTx/>
       <a:buNone/>
       <a:tabLst/>
-      <a:defRPr b="0" baseline="0" cap="none" i="0" spc="0" strike="noStrike" sz="3800" u="none" kumimoji="0" normalizeH="0">
+      <a:defRPr kumimoji="0" sz="3800" b="0" i="0" u="none" strike="noStrike" cap="none" spc="0" normalizeH="0" baseline="0">
         <a:ln>
           <a:noFill/>
         </a:ln>
@@ -84,7 +84,7 @@
       <a:buFontTx/>
       <a:buNone/>
       <a:tabLst/>
-      <a:defRPr b="0" baseline="0" cap="none" i="0" spc="0" strike="noStrike" sz="3800" u="none" kumimoji="0" normalizeH="0">
+      <a:defRPr kumimoji="0" sz="3800" b="0" i="0" u="none" strike="noStrike" cap="none" spc="0" normalizeH="0" baseline="0">
         <a:ln>
           <a:noFill/>
         </a:ln>
@@ -114,7 +114,7 @@
       <a:buFontTx/>
       <a:buNone/>
       <a:tabLst/>
-      <a:defRPr b="0" baseline="0" cap="none" i="0" spc="0" strike="noStrike" sz="3800" u="none" kumimoji="0" normalizeH="0">
+      <a:defRPr kumimoji="0" sz="3800" b="0" i="0" u="none" strike="noStrike" cap="none" spc="0" normalizeH="0" baseline="0">
         <a:ln>
           <a:noFill/>
         </a:ln>
@@ -144,7 +144,7 @@
       <a:buFontTx/>
       <a:buNone/>
       <a:tabLst/>
-      <a:defRPr b="0" baseline="0" cap="none" i="0" spc="0" strike="noStrike" sz="3800" u="none" kumimoji="0" normalizeH="0">
+      <a:defRPr kumimoji="0" sz="3800" b="0" i="0" u="none" strike="noStrike" cap="none" spc="0" normalizeH="0" baseline="0">
         <a:ln>
           <a:noFill/>
         </a:ln>
@@ -174,7 +174,7 @@
       <a:buFontTx/>
       <a:buNone/>
       <a:tabLst/>
-      <a:defRPr b="0" baseline="0" cap="none" i="0" spc="0" strike="noStrike" sz="3800" u="none" kumimoji="0" normalizeH="0">
+      <a:defRPr kumimoji="0" sz="3800" b="0" i="0" u="none" strike="noStrike" cap="none" spc="0" normalizeH="0" baseline="0">
         <a:ln>
           <a:noFill/>
         </a:ln>
@@ -204,7 +204,7 @@
       <a:buFontTx/>
       <a:buNone/>
       <a:tabLst/>
-      <a:defRPr b="0" baseline="0" cap="none" i="0" spc="0" strike="noStrike" sz="3800" u="none" kumimoji="0" normalizeH="0">
+      <a:defRPr kumimoji="0" sz="3800" b="0" i="0" u="none" strike="noStrike" cap="none" spc="0" normalizeH="0" baseline="0">
         <a:ln>
           <a:noFill/>
         </a:ln>
@@ -234,7 +234,7 @@
       <a:buFontTx/>
       <a:buNone/>
       <a:tabLst/>
-      <a:defRPr b="0" baseline="0" cap="none" i="0" spc="0" strike="noStrike" sz="3800" u="none" kumimoji="0" normalizeH="0">
+      <a:defRPr kumimoji="0" sz="3800" b="0" i="0" u="none" strike="noStrike" cap="none" spc="0" normalizeH="0" baseline="0">
         <a:ln>
           <a:noFill/>
         </a:ln>
@@ -264,7 +264,7 @@
       <a:buFontTx/>
       <a:buNone/>
       <a:tabLst/>
-      <a:defRPr b="0" baseline="0" cap="none" i="0" spc="0" strike="noStrike" sz="3800" u="none" kumimoji="0" normalizeH="0">
+      <a:defRPr kumimoji="0" sz="3800" b="0" i="0" u="none" strike="noStrike" cap="none" spc="0" normalizeH="0" baseline="0">
         <a:ln>
           <a:noFill/>
         </a:ln>
@@ -294,7 +294,7 @@
       <a:buFontTx/>
       <a:buNone/>
       <a:tabLst/>
-      <a:defRPr b="0" baseline="0" cap="none" i="0" spc="0" strike="noStrike" sz="3800" u="none" kumimoji="0" normalizeH="0">
+      <a:defRPr kumimoji="0" sz="3800" b="0" i="0" u="none" strike="noStrike" cap="none" spc="0" normalizeH="0" baseline="0">
         <a:ln>
           <a:noFill/>
         </a:ln>
@@ -313,13 +313,14 @@
 </p:presentation>
 </file>
 
-<file path=ppt/commentAuthors.xml><?xml version="1.0" encoding="utf-8"?>
-<p:cmAuthorLst xmlns:a="http://schemas.openxmlformats.org/drawingml/2006/main" xmlns:r="http://schemas.openxmlformats.org/officeDocument/2006/relationships" xmlns:p="http://schemas.openxmlformats.org/presentationml/2006/main"/>
-</file>
-
 <file path=ppt/notesMasters/notesMaster1.xml><?xml version="1.0" encoding="utf-8"?>
 <p:notesMaster xmlns:a="http://schemas.openxmlformats.org/drawingml/2006/main" xmlns:r="http://schemas.openxmlformats.org/officeDocument/2006/relationships" xmlns:p="http://schemas.openxmlformats.org/presentationml/2006/main">
   <p:cSld>
+    <p:bg>
+      <p:bgRef idx="1001">
+        <a:schemeClr val="bg1"/>
+      </p:bgRef>
+    </p:bg>
     <p:spTree>
       <p:nvGrpSpPr>
         <p:cNvPr id="1" name=""/>
@@ -337,7 +338,9 @@
       <p:sp>
         <p:nvSpPr>
           <p:cNvPr id="116" name="Shape 116"/>
-          <p:cNvSpPr/>
+          <p:cNvSpPr>
+            <a:spLocks noGrp="1" noRot="1" noChangeAspect="1"/>
+          </p:cNvSpPr>
           <p:nvPr>
             <p:ph type="sldImg"/>
           </p:nvPr>
@@ -355,14 +358,16 @@
           <a:bodyPr/>
           <a:lstStyle/>
           <a:p>
-            <a:pPr/>
+            <a:endParaRPr/>
           </a:p>
         </p:txBody>
       </p:sp>
       <p:sp>
         <p:nvSpPr>
           <p:cNvPr id="117" name="Shape 117"/>
-          <p:cNvSpPr/>
+          <p:cNvSpPr>
+            <a:spLocks noGrp="1"/>
+          </p:cNvSpPr>
           <p:nvPr>
             <p:ph type="body" sz="quarter" idx="1"/>
           </p:nvPr>
@@ -380,11 +385,16 @@
           <a:bodyPr/>
           <a:lstStyle/>
           <a:p>
-            <a:pPr/>
+            <a:endParaRPr/>
           </a:p>
         </p:txBody>
       </p:sp>
     </p:spTree>
+    <p:extLst>
+      <p:ext uri="{BB962C8B-B14F-4D97-AF65-F5344CB8AC3E}">
+        <p14:creationId xmlns:p14="http://schemas.microsoft.com/office/powerpoint/2010/main" val="1820574983"/>
+      </p:ext>
+    </p:extLst>
   </p:cSld>
   <p:clrMap bg1="lt1" tx1="dk1" bg2="lt2" tx2="dk2" accent1="accent1" accent2="accent2" accent3="accent3" accent4="accent4" accent5="accent5" accent6="accent6" hlink="hlink" folHlink="folHlink"/>
   <p:notesStyle>
@@ -492,7 +502,7 @@
 </file>
 
 <file path=ppt/slideLayouts/slideLayout1.xml><?xml version="1.0" encoding="utf-8"?>
-<p:sldLayout xmlns:a="http://schemas.openxmlformats.org/drawingml/2006/main" xmlns:r="http://schemas.openxmlformats.org/officeDocument/2006/relationships" xmlns:p="http://schemas.openxmlformats.org/presentationml/2006/main" type="title" showMasterSp="1" showMasterPhAnim="1">
+<p:sldLayout xmlns:a="http://schemas.openxmlformats.org/drawingml/2006/main" xmlns:r="http://schemas.openxmlformats.org/officeDocument/2006/relationships" xmlns:p="http://schemas.openxmlformats.org/presentationml/2006/main" type="title">
   <p:cSld name="Title &amp; Subtitle">
     <p:spTree>
       <p:nvGrpSpPr>
@@ -511,7 +521,9 @@
       <p:sp>
         <p:nvSpPr>
           <p:cNvPr id="11" name="Title Text"/>
-          <p:cNvSpPr txBox="1"/>
+          <p:cNvSpPr txBox="1">
+            <a:spLocks noGrp="1"/>
+          </p:cNvSpPr>
           <p:nvPr>
             <p:ph type="title"/>
           </p:nvPr>
@@ -529,7 +541,6 @@
           <a:bodyPr anchor="b"/>
           <a:lstStyle/>
           <a:p>
-            <a:pPr/>
             <a:r>
               <a:t>Title Text</a:t>
             </a:r>
@@ -539,7 +550,9 @@
       <p:sp>
         <p:nvSpPr>
           <p:cNvPr id="12" name="Body Level One…"/>
-          <p:cNvSpPr txBox="1"/>
+          <p:cNvSpPr txBox="1">
+            <a:spLocks noGrp="1"/>
+          </p:cNvSpPr>
           <p:nvPr>
             <p:ph type="body" sz="quarter" idx="1"/>
           </p:nvPr>
@@ -598,7 +611,6 @@
             </a:lvl5pPr>
           </a:lstStyle>
           <a:p>
-            <a:pPr/>
             <a:r>
               <a:t>Body Level One</a:t>
             </a:r>
@@ -632,7 +644,9 @@
       <p:sp>
         <p:nvSpPr>
           <p:cNvPr id="13" name="Slide Number"/>
-          <p:cNvSpPr txBox="1"/>
+          <p:cNvSpPr txBox="1">
+            <a:spLocks noGrp="1"/>
+          </p:cNvSpPr>
           <p:nvPr>
             <p:ph type="sldNum" sz="quarter" idx="2"/>
           </p:nvPr>
@@ -646,8 +660,10 @@
           <a:bodyPr/>
           <a:lstStyle/>
           <a:p>
-            <a:pPr/>
-            <a:fld id="{86CB4B4D-7CA3-9044-876B-883B54F8677D}" type="slidenum"/>
+            <a:fld id="{86CB4B4D-7CA3-9044-876B-883B54F8677D}" type="slidenum">
+              <a:t>‹nr›</a:t>
+            </a:fld>
+            <a:endParaRPr/>
           </a:p>
         </p:txBody>
       </p:sp>
@@ -656,12 +672,12 @@
   <p:clrMapOvr>
     <a:masterClrMapping/>
   </p:clrMapOvr>
-  <p:transition xmlns:p14="http://schemas.microsoft.com/office/powerpoint/2010/main" spd="med" advClick="1"/>
+  <p:transition spd="med"/>
 </p:sldLayout>
 </file>
 
 <file path=ppt/slideLayouts/slideLayout10.xml><?xml version="1.0" encoding="utf-8"?>
-<p:sldLayout xmlns:a="http://schemas.openxmlformats.org/drawingml/2006/main" xmlns:r="http://schemas.openxmlformats.org/officeDocument/2006/relationships" xmlns:p="http://schemas.openxmlformats.org/presentationml/2006/main" type="tx" showMasterSp="1" showMasterPhAnim="1">
+<p:sldLayout xmlns:a="http://schemas.openxmlformats.org/drawingml/2006/main" xmlns:r="http://schemas.openxmlformats.org/officeDocument/2006/relationships" xmlns:p="http://schemas.openxmlformats.org/presentationml/2006/main" type="tx">
   <p:cSld name="Quote">
     <p:spTree>
       <p:nvGrpSpPr>
@@ -680,7 +696,9 @@
       <p:sp>
         <p:nvSpPr>
           <p:cNvPr id="93" name="–Johnny Appleseed"/>
-          <p:cNvSpPr/>
+          <p:cNvSpPr>
+            <a:spLocks noGrp="1"/>
+          </p:cNvSpPr>
           <p:nvPr>
             <p:ph type="body" sz="quarter" idx="13"/>
           </p:nvPr>
@@ -714,7 +732,6 @@
             </a:lvl1pPr>
           </a:lstStyle>
           <a:p>
-            <a:pPr/>
             <a:r>
               <a:t>–Johnny Appleseed</a:t>
             </a:r>
@@ -724,7 +741,9 @@
       <p:sp>
         <p:nvSpPr>
           <p:cNvPr id="94" name="“Type a quote here.”"/>
-          <p:cNvSpPr/>
+          <p:cNvSpPr>
+            <a:spLocks noGrp="1"/>
+          </p:cNvSpPr>
           <p:nvPr>
             <p:ph type="body" sz="quarter" idx="14"/>
           </p:nvPr>
@@ -753,7 +772,6 @@
             </a:lvl1pPr>
           </a:lstStyle>
           <a:p>
-            <a:pPr/>
             <a:r>
               <a:t>“Type a quote here.” </a:t>
             </a:r>
@@ -763,7 +781,9 @@
       <p:sp>
         <p:nvSpPr>
           <p:cNvPr id="95" name="Slide Number"/>
-          <p:cNvSpPr txBox="1"/>
+          <p:cNvSpPr txBox="1">
+            <a:spLocks noGrp="1"/>
+          </p:cNvSpPr>
           <p:nvPr>
             <p:ph type="sldNum" sz="quarter" idx="2"/>
           </p:nvPr>
@@ -777,8 +797,10 @@
           <a:bodyPr/>
           <a:lstStyle/>
           <a:p>
-            <a:pPr/>
-            <a:fld id="{86CB4B4D-7CA3-9044-876B-883B54F8677D}" type="slidenum"/>
+            <a:fld id="{86CB4B4D-7CA3-9044-876B-883B54F8677D}" type="slidenum">
+              <a:t>‹nr›</a:t>
+            </a:fld>
+            <a:endParaRPr/>
           </a:p>
         </p:txBody>
       </p:sp>
@@ -787,12 +809,12 @@
   <p:clrMapOvr>
     <a:masterClrMapping/>
   </p:clrMapOvr>
-  <p:transition xmlns:p14="http://schemas.microsoft.com/office/powerpoint/2010/main" spd="med" advClick="1"/>
+  <p:transition spd="med"/>
 </p:sldLayout>
 </file>
 
 <file path=ppt/slideLayouts/slideLayout11.xml><?xml version="1.0" encoding="utf-8"?>
-<p:sldLayout xmlns:a="http://schemas.openxmlformats.org/drawingml/2006/main" xmlns:r="http://schemas.openxmlformats.org/officeDocument/2006/relationships" xmlns:p="http://schemas.openxmlformats.org/presentationml/2006/main" type="tx" showMasterSp="1" showMasterPhAnim="1">
+<p:sldLayout xmlns:a="http://schemas.openxmlformats.org/drawingml/2006/main" xmlns:r="http://schemas.openxmlformats.org/officeDocument/2006/relationships" xmlns:p="http://schemas.openxmlformats.org/presentationml/2006/main" type="tx">
   <p:cSld name="Photo">
     <p:spTree>
       <p:nvGrpSpPr>
@@ -811,7 +833,9 @@
       <p:sp>
         <p:nvSpPr>
           <p:cNvPr id="102" name="Image"/>
-          <p:cNvSpPr/>
+          <p:cNvSpPr>
+            <a:spLocks noGrp="1"/>
+          </p:cNvSpPr>
           <p:nvPr>
             <p:ph type="pic" idx="13"/>
           </p:nvPr>
@@ -831,14 +855,16 @@
           </a:bodyPr>
           <a:lstStyle/>
           <a:p>
-            <a:pPr/>
+            <a:endParaRPr/>
           </a:p>
         </p:txBody>
       </p:sp>
       <p:sp>
         <p:nvSpPr>
           <p:cNvPr id="103" name="Slide Number"/>
-          <p:cNvSpPr txBox="1"/>
+          <p:cNvSpPr txBox="1">
+            <a:spLocks noGrp="1"/>
+          </p:cNvSpPr>
           <p:nvPr>
             <p:ph type="sldNum" sz="quarter" idx="2"/>
           </p:nvPr>
@@ -852,8 +878,10 @@
           <a:bodyPr/>
           <a:lstStyle/>
           <a:p>
-            <a:pPr/>
-            <a:fld id="{86CB4B4D-7CA3-9044-876B-883B54F8677D}" type="slidenum"/>
+            <a:fld id="{86CB4B4D-7CA3-9044-876B-883B54F8677D}" type="slidenum">
+              <a:t>‹nr›</a:t>
+            </a:fld>
+            <a:endParaRPr/>
           </a:p>
         </p:txBody>
       </p:sp>
@@ -862,12 +890,12 @@
   <p:clrMapOvr>
     <a:masterClrMapping/>
   </p:clrMapOvr>
-  <p:transition xmlns:p14="http://schemas.microsoft.com/office/powerpoint/2010/main" spd="med" advClick="1"/>
+  <p:transition spd="med"/>
 </p:sldLayout>
 </file>
 
 <file path=ppt/slideLayouts/slideLayout12.xml><?xml version="1.0" encoding="utf-8"?>
-<p:sldLayout xmlns:a="http://schemas.openxmlformats.org/drawingml/2006/main" xmlns:r="http://schemas.openxmlformats.org/officeDocument/2006/relationships" xmlns:p="http://schemas.openxmlformats.org/presentationml/2006/main" type="tx" showMasterSp="1" showMasterPhAnim="1">
+<p:sldLayout xmlns:a="http://schemas.openxmlformats.org/drawingml/2006/main" xmlns:r="http://schemas.openxmlformats.org/officeDocument/2006/relationships" xmlns:p="http://schemas.openxmlformats.org/presentationml/2006/main" type="tx">
   <p:cSld name="Blank">
     <p:spTree>
       <p:nvGrpSpPr>
@@ -886,7 +914,9 @@
       <p:sp>
         <p:nvSpPr>
           <p:cNvPr id="110" name="Slide Number"/>
-          <p:cNvSpPr txBox="1"/>
+          <p:cNvSpPr txBox="1">
+            <a:spLocks noGrp="1"/>
+          </p:cNvSpPr>
           <p:nvPr>
             <p:ph type="sldNum" sz="quarter" idx="2"/>
           </p:nvPr>
@@ -900,8 +930,10 @@
           <a:bodyPr/>
           <a:lstStyle/>
           <a:p>
-            <a:pPr/>
-            <a:fld id="{86CB4B4D-7CA3-9044-876B-883B54F8677D}" type="slidenum"/>
+            <a:fld id="{86CB4B4D-7CA3-9044-876B-883B54F8677D}" type="slidenum">
+              <a:t>‹nr›</a:t>
+            </a:fld>
+            <a:endParaRPr/>
           </a:p>
         </p:txBody>
       </p:sp>
@@ -910,12 +942,12 @@
   <p:clrMapOvr>
     <a:masterClrMapping/>
   </p:clrMapOvr>
-  <p:transition xmlns:p14="http://schemas.microsoft.com/office/powerpoint/2010/main" spd="med" advClick="1"/>
+  <p:transition spd="med"/>
 </p:sldLayout>
 </file>
 
 <file path=ppt/slideLayouts/slideLayout2.xml><?xml version="1.0" encoding="utf-8"?>
-<p:sldLayout xmlns:a="http://schemas.openxmlformats.org/drawingml/2006/main" xmlns:r="http://schemas.openxmlformats.org/officeDocument/2006/relationships" xmlns:p="http://schemas.openxmlformats.org/presentationml/2006/main" type="tx" showMasterSp="1" showMasterPhAnim="1">
+<p:sldLayout xmlns:a="http://schemas.openxmlformats.org/drawingml/2006/main" xmlns:r="http://schemas.openxmlformats.org/officeDocument/2006/relationships" xmlns:p="http://schemas.openxmlformats.org/presentationml/2006/main" type="tx">
   <p:cSld name="Photo - Horizontal">
     <p:spTree>
       <p:nvGrpSpPr>
@@ -934,7 +966,9 @@
       <p:sp>
         <p:nvSpPr>
           <p:cNvPr id="20" name="Image"/>
-          <p:cNvSpPr/>
+          <p:cNvSpPr>
+            <a:spLocks noGrp="1"/>
+          </p:cNvSpPr>
           <p:nvPr>
             <p:ph type="pic" idx="13"/>
           </p:nvPr>
@@ -954,14 +988,16 @@
           </a:bodyPr>
           <a:lstStyle/>
           <a:p>
-            <a:pPr/>
+            <a:endParaRPr/>
           </a:p>
         </p:txBody>
       </p:sp>
       <p:sp>
         <p:nvSpPr>
           <p:cNvPr id="21" name="Title Text"/>
-          <p:cNvSpPr txBox="1"/>
+          <p:cNvSpPr txBox="1">
+            <a:spLocks noGrp="1"/>
+          </p:cNvSpPr>
           <p:nvPr>
             <p:ph type="title"/>
           </p:nvPr>
@@ -979,7 +1015,6 @@
           <a:bodyPr anchor="b"/>
           <a:lstStyle/>
           <a:p>
-            <a:pPr/>
             <a:r>
               <a:t>Title Text</a:t>
             </a:r>
@@ -989,7 +1024,9 @@
       <p:sp>
         <p:nvSpPr>
           <p:cNvPr id="22" name="Body Level One…"/>
-          <p:cNvSpPr txBox="1"/>
+          <p:cNvSpPr txBox="1">
+            <a:spLocks noGrp="1"/>
+          </p:cNvSpPr>
           <p:nvPr>
             <p:ph type="body" sz="quarter" idx="1"/>
           </p:nvPr>
@@ -1048,7 +1085,6 @@
             </a:lvl5pPr>
           </a:lstStyle>
           <a:p>
-            <a:pPr/>
             <a:r>
               <a:t>Body Level One</a:t>
             </a:r>
@@ -1082,7 +1118,9 @@
       <p:sp>
         <p:nvSpPr>
           <p:cNvPr id="23" name="Slide Number"/>
-          <p:cNvSpPr txBox="1"/>
+          <p:cNvSpPr txBox="1">
+            <a:spLocks noGrp="1"/>
+          </p:cNvSpPr>
           <p:nvPr>
             <p:ph type="sldNum" sz="quarter" idx="2"/>
           </p:nvPr>
@@ -1100,8 +1138,10 @@
           <a:bodyPr/>
           <a:lstStyle/>
           <a:p>
-            <a:pPr/>
-            <a:fld id="{86CB4B4D-7CA3-9044-876B-883B54F8677D}" type="slidenum"/>
+            <a:fld id="{86CB4B4D-7CA3-9044-876B-883B54F8677D}" type="slidenum">
+              <a:t>‹nr›</a:t>
+            </a:fld>
+            <a:endParaRPr/>
           </a:p>
         </p:txBody>
       </p:sp>
@@ -1110,12 +1150,12 @@
   <p:clrMapOvr>
     <a:masterClrMapping/>
   </p:clrMapOvr>
-  <p:transition xmlns:p14="http://schemas.microsoft.com/office/powerpoint/2010/main" spd="med" advClick="1"/>
+  <p:transition spd="med"/>
 </p:sldLayout>
 </file>
 
 <file path=ppt/slideLayouts/slideLayout3.xml><?xml version="1.0" encoding="utf-8"?>
-<p:sldLayout xmlns:a="http://schemas.openxmlformats.org/drawingml/2006/main" xmlns:r="http://schemas.openxmlformats.org/officeDocument/2006/relationships" xmlns:p="http://schemas.openxmlformats.org/presentationml/2006/main" type="tx" showMasterSp="1" showMasterPhAnim="1">
+<p:sldLayout xmlns:a="http://schemas.openxmlformats.org/drawingml/2006/main" xmlns:r="http://schemas.openxmlformats.org/officeDocument/2006/relationships" xmlns:p="http://schemas.openxmlformats.org/presentationml/2006/main" type="tx">
   <p:cSld name="Title - Center">
     <p:spTree>
       <p:nvGrpSpPr>
@@ -1134,7 +1174,9 @@
       <p:sp>
         <p:nvSpPr>
           <p:cNvPr id="30" name="Title Text"/>
-          <p:cNvSpPr txBox="1"/>
+          <p:cNvSpPr txBox="1">
+            <a:spLocks noGrp="1"/>
+          </p:cNvSpPr>
           <p:nvPr>
             <p:ph type="title"/>
           </p:nvPr>
@@ -1152,7 +1194,6 @@
           <a:bodyPr/>
           <a:lstStyle/>
           <a:p>
-            <a:pPr/>
             <a:r>
               <a:t>Title Text</a:t>
             </a:r>
@@ -1162,7 +1203,9 @@
       <p:sp>
         <p:nvSpPr>
           <p:cNvPr id="31" name="Slide Number"/>
-          <p:cNvSpPr txBox="1"/>
+          <p:cNvSpPr txBox="1">
+            <a:spLocks noGrp="1"/>
+          </p:cNvSpPr>
           <p:nvPr>
             <p:ph type="sldNum" sz="quarter" idx="2"/>
           </p:nvPr>
@@ -1176,8 +1219,10 @@
           <a:bodyPr/>
           <a:lstStyle/>
           <a:p>
-            <a:pPr/>
-            <a:fld id="{86CB4B4D-7CA3-9044-876B-883B54F8677D}" type="slidenum"/>
+            <a:fld id="{86CB4B4D-7CA3-9044-876B-883B54F8677D}" type="slidenum">
+              <a:t>‹nr›</a:t>
+            </a:fld>
+            <a:endParaRPr/>
           </a:p>
         </p:txBody>
       </p:sp>
@@ -1186,12 +1231,12 @@
   <p:clrMapOvr>
     <a:masterClrMapping/>
   </p:clrMapOvr>
-  <p:transition xmlns:p14="http://schemas.microsoft.com/office/powerpoint/2010/main" spd="med" advClick="1"/>
+  <p:transition spd="med"/>
 </p:sldLayout>
 </file>
 
 <file path=ppt/slideLayouts/slideLayout4.xml><?xml version="1.0" encoding="utf-8"?>
-<p:sldLayout xmlns:a="http://schemas.openxmlformats.org/drawingml/2006/main" xmlns:r="http://schemas.openxmlformats.org/officeDocument/2006/relationships" xmlns:p="http://schemas.openxmlformats.org/presentationml/2006/main" type="tx" showMasterSp="1" showMasterPhAnim="1">
+<p:sldLayout xmlns:a="http://schemas.openxmlformats.org/drawingml/2006/main" xmlns:r="http://schemas.openxmlformats.org/officeDocument/2006/relationships" xmlns:p="http://schemas.openxmlformats.org/presentationml/2006/main" type="tx">
   <p:cSld name="Photo - Vertical">
     <p:spTree>
       <p:nvGrpSpPr>
@@ -1210,7 +1255,9 @@
       <p:sp>
         <p:nvSpPr>
           <p:cNvPr id="38" name="Image"/>
-          <p:cNvSpPr/>
+          <p:cNvSpPr>
+            <a:spLocks noGrp="1"/>
+          </p:cNvSpPr>
           <p:nvPr>
             <p:ph type="pic" sz="half" idx="13"/>
           </p:nvPr>
@@ -1230,14 +1277,16 @@
           </a:bodyPr>
           <a:lstStyle/>
           <a:p>
-            <a:pPr/>
+            <a:endParaRPr/>
           </a:p>
         </p:txBody>
       </p:sp>
       <p:sp>
         <p:nvSpPr>
           <p:cNvPr id="39" name="Title Text"/>
-          <p:cNvSpPr txBox="1"/>
+          <p:cNvSpPr txBox="1">
+            <a:spLocks noGrp="1"/>
+          </p:cNvSpPr>
           <p:nvPr>
             <p:ph type="title"/>
           </p:nvPr>
@@ -1259,7 +1308,6 @@
             </a:lvl1pPr>
           </a:lstStyle>
           <a:p>
-            <a:pPr/>
             <a:r>
               <a:t>Title Text</a:t>
             </a:r>
@@ -1269,7 +1317,9 @@
       <p:sp>
         <p:nvSpPr>
           <p:cNvPr id="40" name="Body Level One…"/>
-          <p:cNvSpPr txBox="1"/>
+          <p:cNvSpPr txBox="1">
+            <a:spLocks noGrp="1"/>
+          </p:cNvSpPr>
           <p:nvPr>
             <p:ph type="body" sz="quarter" idx="1"/>
           </p:nvPr>
@@ -1328,7 +1378,6 @@
             </a:lvl5pPr>
           </a:lstStyle>
           <a:p>
-            <a:pPr/>
             <a:r>
               <a:t>Body Level One</a:t>
             </a:r>
@@ -1362,7 +1411,9 @@
       <p:sp>
         <p:nvSpPr>
           <p:cNvPr id="41" name="Slide Number"/>
-          <p:cNvSpPr txBox="1"/>
+          <p:cNvSpPr txBox="1">
+            <a:spLocks noGrp="1"/>
+          </p:cNvSpPr>
           <p:nvPr>
             <p:ph type="sldNum" sz="quarter" idx="2"/>
           </p:nvPr>
@@ -1376,8 +1427,10 @@
           <a:bodyPr/>
           <a:lstStyle/>
           <a:p>
-            <a:pPr/>
-            <a:fld id="{86CB4B4D-7CA3-9044-876B-883B54F8677D}" type="slidenum"/>
+            <a:fld id="{86CB4B4D-7CA3-9044-876B-883B54F8677D}" type="slidenum">
+              <a:t>‹nr›</a:t>
+            </a:fld>
+            <a:endParaRPr/>
           </a:p>
         </p:txBody>
       </p:sp>
@@ -1386,12 +1439,12 @@
   <p:clrMapOvr>
     <a:masterClrMapping/>
   </p:clrMapOvr>
-  <p:transition xmlns:p14="http://schemas.microsoft.com/office/powerpoint/2010/main" spd="med" advClick="1"/>
+  <p:transition spd="med"/>
 </p:sldLayout>
 </file>
 
 <file path=ppt/slideLayouts/slideLayout5.xml><?xml version="1.0" encoding="utf-8"?>
-<p:sldLayout xmlns:a="http://schemas.openxmlformats.org/drawingml/2006/main" xmlns:r="http://schemas.openxmlformats.org/officeDocument/2006/relationships" xmlns:p="http://schemas.openxmlformats.org/presentationml/2006/main" type="tx" showMasterSp="1" showMasterPhAnim="1">
+<p:sldLayout xmlns:a="http://schemas.openxmlformats.org/drawingml/2006/main" xmlns:r="http://schemas.openxmlformats.org/officeDocument/2006/relationships" xmlns:p="http://schemas.openxmlformats.org/presentationml/2006/main" type="tx">
   <p:cSld name="Title - Top">
     <p:spTree>
       <p:nvGrpSpPr>
@@ -1410,7 +1463,9 @@
       <p:sp>
         <p:nvSpPr>
           <p:cNvPr id="48" name="Title Text"/>
-          <p:cNvSpPr txBox="1"/>
+          <p:cNvSpPr txBox="1">
+            <a:spLocks noGrp="1"/>
+          </p:cNvSpPr>
           <p:nvPr>
             <p:ph type="title"/>
           </p:nvPr>
@@ -1424,7 +1479,6 @@
           <a:bodyPr/>
           <a:lstStyle/>
           <a:p>
-            <a:pPr/>
             <a:r>
               <a:t>Title Text</a:t>
             </a:r>
@@ -1434,7 +1488,9 @@
       <p:sp>
         <p:nvSpPr>
           <p:cNvPr id="49" name="Slide Number"/>
-          <p:cNvSpPr txBox="1"/>
+          <p:cNvSpPr txBox="1">
+            <a:spLocks noGrp="1"/>
+          </p:cNvSpPr>
           <p:nvPr>
             <p:ph type="sldNum" sz="quarter" idx="2"/>
           </p:nvPr>
@@ -1448,8 +1504,10 @@
           <a:bodyPr/>
           <a:lstStyle/>
           <a:p>
-            <a:pPr/>
-            <a:fld id="{86CB4B4D-7CA3-9044-876B-883B54F8677D}" type="slidenum"/>
+            <a:fld id="{86CB4B4D-7CA3-9044-876B-883B54F8677D}" type="slidenum">
+              <a:t>‹nr›</a:t>
+            </a:fld>
+            <a:endParaRPr/>
           </a:p>
         </p:txBody>
       </p:sp>
@@ -1458,12 +1516,12 @@
   <p:clrMapOvr>
     <a:masterClrMapping/>
   </p:clrMapOvr>
-  <p:transition xmlns:p14="http://schemas.microsoft.com/office/powerpoint/2010/main" spd="med" advClick="1"/>
+  <p:transition spd="med"/>
 </p:sldLayout>
 </file>
 
 <file path=ppt/slideLayouts/slideLayout6.xml><?xml version="1.0" encoding="utf-8"?>
-<p:sldLayout xmlns:a="http://schemas.openxmlformats.org/drawingml/2006/main" xmlns:r="http://schemas.openxmlformats.org/officeDocument/2006/relationships" xmlns:p="http://schemas.openxmlformats.org/presentationml/2006/main" type="tx" showMasterSp="1" showMasterPhAnim="1">
+<p:sldLayout xmlns:a="http://schemas.openxmlformats.org/drawingml/2006/main" xmlns:r="http://schemas.openxmlformats.org/officeDocument/2006/relationships" xmlns:p="http://schemas.openxmlformats.org/presentationml/2006/main" type="tx">
   <p:cSld name="Title &amp; Bullets">
     <p:spTree>
       <p:nvGrpSpPr>
@@ -1482,7 +1540,9 @@
       <p:sp>
         <p:nvSpPr>
           <p:cNvPr id="56" name="Title Text"/>
-          <p:cNvSpPr txBox="1"/>
+          <p:cNvSpPr txBox="1">
+            <a:spLocks noGrp="1"/>
+          </p:cNvSpPr>
           <p:nvPr>
             <p:ph type="title"/>
           </p:nvPr>
@@ -1496,7 +1556,6 @@
           <a:bodyPr/>
           <a:lstStyle/>
           <a:p>
-            <a:pPr/>
             <a:r>
               <a:t>Title Text</a:t>
             </a:r>
@@ -1506,7 +1565,9 @@
       <p:sp>
         <p:nvSpPr>
           <p:cNvPr id="57" name="Body Level One…"/>
-          <p:cNvSpPr txBox="1"/>
+          <p:cNvSpPr txBox="1">
+            <a:spLocks noGrp="1"/>
+          </p:cNvSpPr>
           <p:nvPr>
             <p:ph type="body" idx="1"/>
           </p:nvPr>
@@ -1520,7 +1581,6 @@
           <a:bodyPr/>
           <a:lstStyle/>
           <a:p>
-            <a:pPr/>
             <a:r>
               <a:t>Body Level One</a:t>
             </a:r>
@@ -1554,7 +1614,9 @@
       <p:sp>
         <p:nvSpPr>
           <p:cNvPr id="58" name="Slide Number"/>
-          <p:cNvSpPr txBox="1"/>
+          <p:cNvSpPr txBox="1">
+            <a:spLocks noGrp="1"/>
+          </p:cNvSpPr>
           <p:nvPr>
             <p:ph type="sldNum" sz="quarter" idx="2"/>
           </p:nvPr>
@@ -1568,8 +1630,10 @@
           <a:bodyPr/>
           <a:lstStyle/>
           <a:p>
-            <a:pPr/>
-            <a:fld id="{86CB4B4D-7CA3-9044-876B-883B54F8677D}" type="slidenum"/>
+            <a:fld id="{86CB4B4D-7CA3-9044-876B-883B54F8677D}" type="slidenum">
+              <a:t>‹nr›</a:t>
+            </a:fld>
+            <a:endParaRPr/>
           </a:p>
         </p:txBody>
       </p:sp>
@@ -1578,12 +1642,12 @@
   <p:clrMapOvr>
     <a:masterClrMapping/>
   </p:clrMapOvr>
-  <p:transition xmlns:p14="http://schemas.microsoft.com/office/powerpoint/2010/main" spd="med" advClick="1"/>
+  <p:transition spd="med"/>
 </p:sldLayout>
 </file>
 
 <file path=ppt/slideLayouts/slideLayout7.xml><?xml version="1.0" encoding="utf-8"?>
-<p:sldLayout xmlns:a="http://schemas.openxmlformats.org/drawingml/2006/main" xmlns:r="http://schemas.openxmlformats.org/officeDocument/2006/relationships" xmlns:p="http://schemas.openxmlformats.org/presentationml/2006/main" type="tx" showMasterSp="1" showMasterPhAnim="1">
+<p:sldLayout xmlns:a="http://schemas.openxmlformats.org/drawingml/2006/main" xmlns:r="http://schemas.openxmlformats.org/officeDocument/2006/relationships" xmlns:p="http://schemas.openxmlformats.org/presentationml/2006/main" type="tx">
   <p:cSld name="Title, Bullets &amp; Photo">
     <p:spTree>
       <p:nvGrpSpPr>
@@ -1602,7 +1666,9 @@
       <p:sp>
         <p:nvSpPr>
           <p:cNvPr id="65" name="Image"/>
-          <p:cNvSpPr/>
+          <p:cNvSpPr>
+            <a:spLocks noGrp="1"/>
+          </p:cNvSpPr>
           <p:nvPr>
             <p:ph type="pic" sz="half" idx="13"/>
           </p:nvPr>
@@ -1622,14 +1688,16 @@
           </a:bodyPr>
           <a:lstStyle/>
           <a:p>
-            <a:pPr/>
+            <a:endParaRPr/>
           </a:p>
         </p:txBody>
       </p:sp>
       <p:sp>
         <p:nvSpPr>
           <p:cNvPr id="66" name="Title Text"/>
-          <p:cNvSpPr txBox="1"/>
+          <p:cNvSpPr txBox="1">
+            <a:spLocks noGrp="1"/>
+          </p:cNvSpPr>
           <p:nvPr>
             <p:ph type="title"/>
           </p:nvPr>
@@ -1643,7 +1711,6 @@
           <a:bodyPr/>
           <a:lstStyle/>
           <a:p>
-            <a:pPr/>
             <a:r>
               <a:t>Title Text</a:t>
             </a:r>
@@ -1653,7 +1720,9 @@
       <p:sp>
         <p:nvSpPr>
           <p:cNvPr id="67" name="Body Level One…"/>
-          <p:cNvSpPr txBox="1"/>
+          <p:cNvSpPr txBox="1">
+            <a:spLocks noGrp="1"/>
+          </p:cNvSpPr>
           <p:nvPr>
             <p:ph type="body" sz="half" idx="1"/>
           </p:nvPr>
@@ -1702,7 +1771,6 @@
             </a:lvl5pPr>
           </a:lstStyle>
           <a:p>
-            <a:pPr/>
             <a:r>
               <a:t>Body Level One</a:t>
             </a:r>
@@ -1736,7 +1804,9 @@
       <p:sp>
         <p:nvSpPr>
           <p:cNvPr id="68" name="Slide Number"/>
-          <p:cNvSpPr txBox="1"/>
+          <p:cNvSpPr txBox="1">
+            <a:spLocks noGrp="1"/>
+          </p:cNvSpPr>
           <p:nvPr>
             <p:ph type="sldNum" sz="quarter" idx="2"/>
           </p:nvPr>
@@ -1750,8 +1820,10 @@
           <a:bodyPr/>
           <a:lstStyle/>
           <a:p>
-            <a:pPr/>
-            <a:fld id="{86CB4B4D-7CA3-9044-876B-883B54F8677D}" type="slidenum"/>
+            <a:fld id="{86CB4B4D-7CA3-9044-876B-883B54F8677D}" type="slidenum">
+              <a:t>‹nr›</a:t>
+            </a:fld>
+            <a:endParaRPr/>
           </a:p>
         </p:txBody>
       </p:sp>
@@ -1760,12 +1832,12 @@
   <p:clrMapOvr>
     <a:masterClrMapping/>
   </p:clrMapOvr>
-  <p:transition xmlns:p14="http://schemas.microsoft.com/office/powerpoint/2010/main" spd="med" advClick="1"/>
+  <p:transition spd="med"/>
 </p:sldLayout>
 </file>
 
 <file path=ppt/slideLayouts/slideLayout8.xml><?xml version="1.0" encoding="utf-8"?>
-<p:sldLayout xmlns:a="http://schemas.openxmlformats.org/drawingml/2006/main" xmlns:r="http://schemas.openxmlformats.org/officeDocument/2006/relationships" xmlns:p="http://schemas.openxmlformats.org/presentationml/2006/main" type="tx" showMasterSp="1" showMasterPhAnim="1">
+<p:sldLayout xmlns:a="http://schemas.openxmlformats.org/drawingml/2006/main" xmlns:r="http://schemas.openxmlformats.org/officeDocument/2006/relationships" xmlns:p="http://schemas.openxmlformats.org/presentationml/2006/main" type="tx">
   <p:cSld name="Bullets">
     <p:spTree>
       <p:nvGrpSpPr>
@@ -1784,7 +1856,9 @@
       <p:sp>
         <p:nvSpPr>
           <p:cNvPr id="75" name="Body Level One…"/>
-          <p:cNvSpPr txBox="1"/>
+          <p:cNvSpPr txBox="1">
+            <a:spLocks noGrp="1"/>
+          </p:cNvSpPr>
           <p:nvPr>
             <p:ph type="body" idx="1"/>
           </p:nvPr>
@@ -1802,7 +1876,6 @@
           <a:bodyPr/>
           <a:lstStyle/>
           <a:p>
-            <a:pPr/>
             <a:r>
               <a:t>Body Level One</a:t>
             </a:r>
@@ -1836,7 +1909,9 @@
       <p:sp>
         <p:nvSpPr>
           <p:cNvPr id="76" name="Slide Number"/>
-          <p:cNvSpPr txBox="1"/>
+          <p:cNvSpPr txBox="1">
+            <a:spLocks noGrp="1"/>
+          </p:cNvSpPr>
           <p:nvPr>
             <p:ph type="sldNum" sz="quarter" idx="2"/>
           </p:nvPr>
@@ -1850,8 +1925,10 @@
           <a:bodyPr/>
           <a:lstStyle/>
           <a:p>
-            <a:pPr/>
-            <a:fld id="{86CB4B4D-7CA3-9044-876B-883B54F8677D}" type="slidenum"/>
+            <a:fld id="{86CB4B4D-7CA3-9044-876B-883B54F8677D}" type="slidenum">
+              <a:t>‹nr›</a:t>
+            </a:fld>
+            <a:endParaRPr/>
           </a:p>
         </p:txBody>
       </p:sp>
@@ -1860,12 +1937,12 @@
   <p:clrMapOvr>
     <a:masterClrMapping/>
   </p:clrMapOvr>
-  <p:transition xmlns:p14="http://schemas.microsoft.com/office/powerpoint/2010/main" spd="med" advClick="1"/>
+  <p:transition spd="med"/>
 </p:sldLayout>
 </file>
 
 <file path=ppt/slideLayouts/slideLayout9.xml><?xml version="1.0" encoding="utf-8"?>
-<p:sldLayout xmlns:a="http://schemas.openxmlformats.org/drawingml/2006/main" xmlns:r="http://schemas.openxmlformats.org/officeDocument/2006/relationships" xmlns:p="http://schemas.openxmlformats.org/presentationml/2006/main" type="tx" showMasterSp="1" showMasterPhAnim="1">
+<p:sldLayout xmlns:a="http://schemas.openxmlformats.org/drawingml/2006/main" xmlns:r="http://schemas.openxmlformats.org/officeDocument/2006/relationships" xmlns:p="http://schemas.openxmlformats.org/presentationml/2006/main" type="tx">
   <p:cSld name="Photo - 3 Up">
     <p:spTree>
       <p:nvGrpSpPr>
@@ -1884,7 +1961,9 @@
       <p:sp>
         <p:nvSpPr>
           <p:cNvPr id="83" name="Image"/>
-          <p:cNvSpPr/>
+          <p:cNvSpPr>
+            <a:spLocks noGrp="1"/>
+          </p:cNvSpPr>
           <p:nvPr>
             <p:ph type="pic" sz="half" idx="13"/>
           </p:nvPr>
@@ -1904,14 +1983,16 @@
           </a:bodyPr>
           <a:lstStyle/>
           <a:p>
-            <a:pPr/>
+            <a:endParaRPr/>
           </a:p>
         </p:txBody>
       </p:sp>
       <p:sp>
         <p:nvSpPr>
           <p:cNvPr id="84" name="Image"/>
-          <p:cNvSpPr/>
+          <p:cNvSpPr>
+            <a:spLocks noGrp="1"/>
+          </p:cNvSpPr>
           <p:nvPr>
             <p:ph type="pic" sz="quarter" idx="14"/>
           </p:nvPr>
@@ -1931,14 +2012,16 @@
           </a:bodyPr>
           <a:lstStyle/>
           <a:p>
-            <a:pPr/>
+            <a:endParaRPr/>
           </a:p>
         </p:txBody>
       </p:sp>
       <p:sp>
         <p:nvSpPr>
           <p:cNvPr id="85" name="Image"/>
-          <p:cNvSpPr/>
+          <p:cNvSpPr>
+            <a:spLocks noGrp="1"/>
+          </p:cNvSpPr>
           <p:nvPr>
             <p:ph type="pic" sz="quarter" idx="15"/>
           </p:nvPr>
@@ -1958,14 +2041,16 @@
           </a:bodyPr>
           <a:lstStyle/>
           <a:p>
-            <a:pPr/>
+            <a:endParaRPr/>
           </a:p>
         </p:txBody>
       </p:sp>
       <p:sp>
         <p:nvSpPr>
           <p:cNvPr id="86" name="Slide Number"/>
-          <p:cNvSpPr txBox="1"/>
+          <p:cNvSpPr txBox="1">
+            <a:spLocks noGrp="1"/>
+          </p:cNvSpPr>
           <p:nvPr>
             <p:ph type="sldNum" sz="quarter" idx="2"/>
           </p:nvPr>
@@ -1979,8 +2064,10 @@
           <a:bodyPr/>
           <a:lstStyle/>
           <a:p>
-            <a:pPr/>
-            <a:fld id="{86CB4B4D-7CA3-9044-876B-883B54F8677D}" type="slidenum"/>
+            <a:fld id="{86CB4B4D-7CA3-9044-876B-883B54F8677D}" type="slidenum">
+              <a:t>‹nr›</a:t>
+            </a:fld>
+            <a:endParaRPr/>
           </a:p>
         </p:txBody>
       </p:sp>
@@ -1989,7 +2076,7 @@
   <p:clrMapOvr>
     <a:masterClrMapping/>
   </p:clrMapOvr>
-  <p:transition xmlns:p14="http://schemas.microsoft.com/office/powerpoint/2010/main" spd="med" advClick="1"/>
+  <p:transition spd="med"/>
 </p:sldLayout>
 </file>
 
@@ -2001,6 +2088,7 @@
         <a:solidFill>
           <a:srgbClr val="FFFFFF"/>
         </a:solidFill>
+        <a:effectLst/>
       </p:bgPr>
     </p:bg>
     <p:spTree>
@@ -2020,7 +2108,9 @@
       <p:sp>
         <p:nvSpPr>
           <p:cNvPr id="2" name="Title Text"/>
-          <p:cNvSpPr txBox="1"/>
+          <p:cNvSpPr txBox="1">
+            <a:spLocks noGrp="1"/>
+          </p:cNvSpPr>
           <p:nvPr>
             <p:ph type="title"/>
           </p:nvPr>
@@ -2044,11 +2134,10 @@
         </p:spPr>
         <p:txBody>
           <a:bodyPr lIns="54570" tIns="54570" rIns="54570" bIns="54570" anchor="ctr">
-            <a:normAutofit fontScale="100000" lnSpcReduction="0"/>
+            <a:normAutofit/>
           </a:bodyPr>
           <a:lstStyle/>
           <a:p>
-            <a:pPr/>
             <a:r>
               <a:t>Title Text</a:t>
             </a:r>
@@ -2058,7 +2147,9 @@
       <p:sp>
         <p:nvSpPr>
           <p:cNvPr id="3" name="Body Level One…"/>
-          <p:cNvSpPr txBox="1"/>
+          <p:cNvSpPr txBox="1">
+            <a:spLocks noGrp="1"/>
+          </p:cNvSpPr>
           <p:nvPr>
             <p:ph type="body" idx="1"/>
           </p:nvPr>
@@ -2082,11 +2173,10 @@
         </p:spPr>
         <p:txBody>
           <a:bodyPr lIns="54570" tIns="54570" rIns="54570" bIns="54570" anchor="ctr">
-            <a:normAutofit fontScale="100000" lnSpcReduction="0"/>
+            <a:normAutofit/>
           </a:bodyPr>
           <a:lstStyle/>
           <a:p>
-            <a:pPr/>
             <a:r>
               <a:t>Body Level One</a:t>
             </a:r>
@@ -2120,7 +2210,9 @@
       <p:sp>
         <p:nvSpPr>
           <p:cNvPr id="4" name="Slide Number"/>
-          <p:cNvSpPr txBox="1"/>
+          <p:cNvSpPr txBox="1">
+            <a:spLocks noGrp="1"/>
+          </p:cNvSpPr>
           <p:nvPr>
             <p:ph type="sldNum" sz="quarter" idx="2"/>
           </p:nvPr>
@@ -2147,8 +2239,10 @@
             </a:lvl1pPr>
           </a:lstStyle>
           <a:p>
-            <a:pPr/>
-            <a:fld id="{86CB4B4D-7CA3-9044-876B-883B54F8677D}" type="slidenum"/>
+            <a:fld id="{86CB4B4D-7CA3-9044-876B-883B54F8677D}" type="slidenum">
+              <a:t>‹nr›</a:t>
+            </a:fld>
+            <a:endParaRPr/>
           </a:p>
         </p:txBody>
       </p:sp>
@@ -2156,20 +2250,20 @@
   </p:cSld>
   <p:clrMap bg1="lt1" tx1="dk1" bg2="lt2" tx2="dk2" accent1="accent1" accent2="accent2" accent3="accent3" accent4="accent4" accent5="accent5" accent6="accent6" hlink="hlink" folHlink="folHlink"/>
   <p:sldLayoutIdLst>
-    <p:sldLayoutId id="2147483649" r:id="rId2"/>
-    <p:sldLayoutId id="2147483650" r:id="rId3"/>
-    <p:sldLayoutId id="2147483651" r:id="rId4"/>
-    <p:sldLayoutId id="2147483652" r:id="rId5"/>
-    <p:sldLayoutId id="2147483653" r:id="rId6"/>
-    <p:sldLayoutId id="2147483654" r:id="rId7"/>
-    <p:sldLayoutId id="2147483655" r:id="rId8"/>
-    <p:sldLayoutId id="2147483656" r:id="rId9"/>
-    <p:sldLayoutId id="2147483657" r:id="rId10"/>
-    <p:sldLayoutId id="2147483658" r:id="rId11"/>
-    <p:sldLayoutId id="2147483659" r:id="rId12"/>
-    <p:sldLayoutId id="2147483660" r:id="rId13"/>
+    <p:sldLayoutId id="2147483649" r:id="rId1"/>
+    <p:sldLayoutId id="2147483650" r:id="rId2"/>
+    <p:sldLayoutId id="2147483651" r:id="rId3"/>
+    <p:sldLayoutId id="2147483652" r:id="rId4"/>
+    <p:sldLayoutId id="2147483653" r:id="rId5"/>
+    <p:sldLayoutId id="2147483654" r:id="rId6"/>
+    <p:sldLayoutId id="2147483655" r:id="rId7"/>
+    <p:sldLayoutId id="2147483656" r:id="rId8"/>
+    <p:sldLayoutId id="2147483657" r:id="rId9"/>
+    <p:sldLayoutId id="2147483658" r:id="rId10"/>
+    <p:sldLayoutId id="2147483659" r:id="rId11"/>
+    <p:sldLayoutId id="2147483660" r:id="rId12"/>
   </p:sldLayoutIdLst>
-  <p:transition xmlns:p14="http://schemas.microsoft.com/office/powerpoint/2010/main" spd="med" advClick="1"/>
+  <p:transition spd="med"/>
   <p:txStyles>
     <p:titleStyle>
       <a:lvl1pPr marL="0" marR="0" indent="0" algn="ctr" defTabSz="584200" rtl="0" latinLnBrk="0">
@@ -2187,7 +2281,7 @@
         <a:buFontTx/>
         <a:buNone/>
         <a:tabLst/>
-        <a:defRPr b="0" baseline="0" cap="none" i="0" spc="0" strike="noStrike" sz="8800" u="none">
+        <a:defRPr sz="8800" b="0" i="0" u="none" strike="noStrike" cap="none" spc="0" baseline="0">
           <a:ln>
             <a:noFill/>
           </a:ln>
@@ -2216,7 +2310,7 @@
         <a:buFontTx/>
         <a:buNone/>
         <a:tabLst/>
-        <a:defRPr b="0" baseline="0" cap="none" i="0" spc="0" strike="noStrike" sz="8800" u="none">
+        <a:defRPr sz="8800" b="0" i="0" u="none" strike="noStrike" cap="none" spc="0" baseline="0">
           <a:ln>
             <a:noFill/>
           </a:ln>
@@ -2245,7 +2339,7 @@
         <a:buFontTx/>
         <a:buNone/>
         <a:tabLst/>
-        <a:defRPr b="0" baseline="0" cap="none" i="0" spc="0" strike="noStrike" sz="8800" u="none">
+        <a:defRPr sz="8800" b="0" i="0" u="none" strike="noStrike" cap="none" spc="0" baseline="0">
           <a:ln>
             <a:noFill/>
           </a:ln>
@@ -2274,7 +2368,7 @@
         <a:buFontTx/>
         <a:buNone/>
         <a:tabLst/>
-        <a:defRPr b="0" baseline="0" cap="none" i="0" spc="0" strike="noStrike" sz="8800" u="none">
+        <a:defRPr sz="8800" b="0" i="0" u="none" strike="noStrike" cap="none" spc="0" baseline="0">
           <a:ln>
             <a:noFill/>
           </a:ln>
@@ -2303,7 +2397,7 @@
         <a:buFontTx/>
         <a:buNone/>
         <a:tabLst/>
-        <a:defRPr b="0" baseline="0" cap="none" i="0" spc="0" strike="noStrike" sz="8800" u="none">
+        <a:defRPr sz="8800" b="0" i="0" u="none" strike="noStrike" cap="none" spc="0" baseline="0">
           <a:ln>
             <a:noFill/>
           </a:ln>
@@ -2332,7 +2426,7 @@
         <a:buFontTx/>
         <a:buNone/>
         <a:tabLst/>
-        <a:defRPr b="0" baseline="0" cap="none" i="0" spc="0" strike="noStrike" sz="8800" u="none">
+        <a:defRPr sz="8800" b="0" i="0" u="none" strike="noStrike" cap="none" spc="0" baseline="0">
           <a:ln>
             <a:noFill/>
           </a:ln>
@@ -2361,7 +2455,7 @@
         <a:buFontTx/>
         <a:buNone/>
         <a:tabLst/>
-        <a:defRPr b="0" baseline="0" cap="none" i="0" spc="0" strike="noStrike" sz="8800" u="none">
+        <a:defRPr sz="8800" b="0" i="0" u="none" strike="noStrike" cap="none" spc="0" baseline="0">
           <a:ln>
             <a:noFill/>
           </a:ln>
@@ -2390,7 +2484,7 @@
         <a:buFontTx/>
         <a:buNone/>
         <a:tabLst/>
-        <a:defRPr b="0" baseline="0" cap="none" i="0" spc="0" strike="noStrike" sz="8800" u="none">
+        <a:defRPr sz="8800" b="0" i="0" u="none" strike="noStrike" cap="none" spc="0" baseline="0">
           <a:ln>
             <a:noFill/>
           </a:ln>
@@ -2419,7 +2513,7 @@
         <a:buFontTx/>
         <a:buNone/>
         <a:tabLst/>
-        <a:defRPr b="0" baseline="0" cap="none" i="0" spc="0" strike="noStrike" sz="8800" u="none">
+        <a:defRPr sz="8800" b="0" i="0" u="none" strike="noStrike" cap="none" spc="0" baseline="0">
           <a:ln>
             <a:noFill/>
           </a:ln>
@@ -2450,7 +2544,7 @@
         <a:buFontTx/>
         <a:buChar char="•"/>
         <a:tabLst/>
-        <a:defRPr b="0" baseline="0" cap="none" i="0" spc="0" strike="noStrike" sz="3800" u="none">
+        <a:defRPr sz="3800" b="0" i="0" u="none" strike="noStrike" cap="none" spc="0" baseline="0">
           <a:ln>
             <a:noFill/>
           </a:ln>
@@ -2479,7 +2573,7 @@
         <a:buFontTx/>
         <a:buChar char="•"/>
         <a:tabLst/>
-        <a:defRPr b="0" baseline="0" cap="none" i="0" spc="0" strike="noStrike" sz="3800" u="none">
+        <a:defRPr sz="3800" b="0" i="0" u="none" strike="noStrike" cap="none" spc="0" baseline="0">
           <a:ln>
             <a:noFill/>
           </a:ln>
@@ -2508,7 +2602,7 @@
         <a:buFontTx/>
         <a:buChar char="•"/>
         <a:tabLst/>
-        <a:defRPr b="0" baseline="0" cap="none" i="0" spc="0" strike="noStrike" sz="3800" u="none">
+        <a:defRPr sz="3800" b="0" i="0" u="none" strike="noStrike" cap="none" spc="0" baseline="0">
           <a:ln>
             <a:noFill/>
           </a:ln>
@@ -2537,7 +2631,7 @@
         <a:buFontTx/>
         <a:buChar char="•"/>
         <a:tabLst/>
-        <a:defRPr b="0" baseline="0" cap="none" i="0" spc="0" strike="noStrike" sz="3800" u="none">
+        <a:defRPr sz="3800" b="0" i="0" u="none" strike="noStrike" cap="none" spc="0" baseline="0">
           <a:ln>
             <a:noFill/>
           </a:ln>
@@ -2566,7 +2660,7 @@
         <a:buFontTx/>
         <a:buChar char="•"/>
         <a:tabLst/>
-        <a:defRPr b="0" baseline="0" cap="none" i="0" spc="0" strike="noStrike" sz="3800" u="none">
+        <a:defRPr sz="3800" b="0" i="0" u="none" strike="noStrike" cap="none" spc="0" baseline="0">
           <a:ln>
             <a:noFill/>
           </a:ln>
@@ -2595,7 +2689,7 @@
         <a:buFontTx/>
         <a:buChar char="•"/>
         <a:tabLst/>
-        <a:defRPr b="0" baseline="0" cap="none" i="0" spc="0" strike="noStrike" sz="3800" u="none">
+        <a:defRPr sz="3800" b="0" i="0" u="none" strike="noStrike" cap="none" spc="0" baseline="0">
           <a:ln>
             <a:noFill/>
           </a:ln>
@@ -2624,7 +2718,7 @@
         <a:buFontTx/>
         <a:buChar char="•"/>
         <a:tabLst/>
-        <a:defRPr b="0" baseline="0" cap="none" i="0" spc="0" strike="noStrike" sz="3800" u="none">
+        <a:defRPr sz="3800" b="0" i="0" u="none" strike="noStrike" cap="none" spc="0" baseline="0">
           <a:ln>
             <a:noFill/>
           </a:ln>
@@ -2653,7 +2747,7 @@
         <a:buFontTx/>
         <a:buChar char="•"/>
         <a:tabLst/>
-        <a:defRPr b="0" baseline="0" cap="none" i="0" spc="0" strike="noStrike" sz="3800" u="none">
+        <a:defRPr sz="3800" b="0" i="0" u="none" strike="noStrike" cap="none" spc="0" baseline="0">
           <a:ln>
             <a:noFill/>
           </a:ln>
@@ -2682,7 +2776,7 @@
         <a:buFontTx/>
         <a:buChar char="•"/>
         <a:tabLst/>
-        <a:defRPr b="0" baseline="0" cap="none" i="0" spc="0" strike="noStrike" sz="3800" u="none">
+        <a:defRPr sz="3800" b="0" i="0" u="none" strike="noStrike" cap="none" spc="0" baseline="0">
           <a:ln>
             <a:noFill/>
           </a:ln>
@@ -2713,7 +2807,7 @@
         <a:buFontTx/>
         <a:buNone/>
         <a:tabLst/>
-        <a:defRPr b="0" baseline="0" cap="none" i="0" spc="0" strike="noStrike" sz="1800" u="none">
+        <a:defRPr sz="1800" b="0" i="0" u="none" strike="noStrike" cap="none" spc="0" baseline="0">
           <a:ln>
             <a:noFill/>
           </a:ln>
@@ -2742,7 +2836,7 @@
         <a:buFontTx/>
         <a:buNone/>
         <a:tabLst/>
-        <a:defRPr b="0" baseline="0" cap="none" i="0" spc="0" strike="noStrike" sz="1800" u="none">
+        <a:defRPr sz="1800" b="0" i="0" u="none" strike="noStrike" cap="none" spc="0" baseline="0">
           <a:ln>
             <a:noFill/>
           </a:ln>
@@ -2771,7 +2865,7 @@
         <a:buFontTx/>
         <a:buNone/>
         <a:tabLst/>
-        <a:defRPr b="0" baseline="0" cap="none" i="0" spc="0" strike="noStrike" sz="1800" u="none">
+        <a:defRPr sz="1800" b="0" i="0" u="none" strike="noStrike" cap="none" spc="0" baseline="0">
           <a:ln>
             <a:noFill/>
           </a:ln>
@@ -2800,7 +2894,7 @@
         <a:buFontTx/>
         <a:buNone/>
         <a:tabLst/>
-        <a:defRPr b="0" baseline="0" cap="none" i="0" spc="0" strike="noStrike" sz="1800" u="none">
+        <a:defRPr sz="1800" b="0" i="0" u="none" strike="noStrike" cap="none" spc="0" baseline="0">
           <a:ln>
             <a:noFill/>
           </a:ln>
@@ -2829,7 +2923,7 @@
         <a:buFontTx/>
         <a:buNone/>
         <a:tabLst/>
-        <a:defRPr b="0" baseline="0" cap="none" i="0" spc="0" strike="noStrike" sz="1800" u="none">
+        <a:defRPr sz="1800" b="0" i="0" u="none" strike="noStrike" cap="none" spc="0" baseline="0">
           <a:ln>
             <a:noFill/>
           </a:ln>
@@ -2858,7 +2952,7 @@
         <a:buFontTx/>
         <a:buNone/>
         <a:tabLst/>
-        <a:defRPr b="0" baseline="0" cap="none" i="0" spc="0" strike="noStrike" sz="1800" u="none">
+        <a:defRPr sz="1800" b="0" i="0" u="none" strike="noStrike" cap="none" spc="0" baseline="0">
           <a:ln>
             <a:noFill/>
           </a:ln>
@@ -2887,7 +2981,7 @@
         <a:buFontTx/>
         <a:buNone/>
         <a:tabLst/>
-        <a:defRPr b="0" baseline="0" cap="none" i="0" spc="0" strike="noStrike" sz="1800" u="none">
+        <a:defRPr sz="1800" b="0" i="0" u="none" strike="noStrike" cap="none" spc="0" baseline="0">
           <a:ln>
             <a:noFill/>
           </a:ln>
@@ -2916,7 +3010,7 @@
         <a:buFontTx/>
         <a:buNone/>
         <a:tabLst/>
-        <a:defRPr b="0" baseline="0" cap="none" i="0" spc="0" strike="noStrike" sz="1800" u="none">
+        <a:defRPr sz="1800" b="0" i="0" u="none" strike="noStrike" cap="none" spc="0" baseline="0">
           <a:ln>
             <a:noFill/>
           </a:ln>
@@ -2945,7 +3039,7 @@
         <a:buFontTx/>
         <a:buNone/>
         <a:tabLst/>
-        <a:defRPr b="0" baseline="0" cap="none" i="0" spc="0" strike="noStrike" sz="1800" u="none">
+        <a:defRPr sz="1800" b="0" i="0" u="none" strike="noStrike" cap="none" spc="0" baseline="0">
           <a:ln>
             <a:noFill/>
           </a:ln>
@@ -2965,7 +3059,7 @@
 </file>
 
 <file path=ppt/slides/slide1.xml><?xml version="1.0" encoding="utf-8"?>
-<p:sld xmlns:a="http://schemas.openxmlformats.org/drawingml/2006/main" xmlns:r="http://schemas.openxmlformats.org/officeDocument/2006/relationships" xmlns:p="http://schemas.openxmlformats.org/presentationml/2006/main" showMasterSp="1" showMasterPhAnim="1">
+<p:sld xmlns:a="http://schemas.openxmlformats.org/drawingml/2006/main" xmlns:r="http://schemas.openxmlformats.org/officeDocument/2006/relationships" xmlns:p="http://schemas.openxmlformats.org/presentationml/2006/main">
   <p:cSld>
     <p:spTree>
       <p:nvGrpSpPr>
@@ -3020,13 +3114,16 @@
                 <a:sym typeface="Menlo"/>
               </a:defRPr>
             </a:pPr>
+            <a:endParaRPr/>
           </a:p>
         </p:txBody>
       </p:sp>
       <p:sp>
         <p:nvSpPr>
           <p:cNvPr id="120" name="caret Package…"/>
-          <p:cNvSpPr txBox="1"/>
+          <p:cNvSpPr txBox="1">
+            <a:spLocks noGrp="1"/>
+          </p:cNvSpPr>
           <p:nvPr>
             <p:ph type="title"/>
           </p:nvPr>
@@ -3172,7 +3269,7 @@
             </a:pPr>
             <a:r>
               <a:rPr>
-                <a:hlinkClick r:id="rId2" invalidUrl="" action="" tgtFrame="" tooltip="" history="1" highlightClick="0" endSnd="0"/>
+                <a:hlinkClick r:id="rId2"/>
               </a:rPr>
               <a:t>CC BY SA</a:t>
             </a:r>
@@ -3250,7 +3347,7 @@
               <a:t>https://topepo.github.io/caret/</a:t>
             </a:r>
             <a:r>
-              <a:rPr b="1" sz="1000">
+              <a:rPr sz="1000" b="1">
                 <a:latin typeface="Helvetica"/>
                 <a:ea typeface="Helvetica"/>
                 <a:cs typeface="Helvetica"/>
@@ -3468,7 +3565,6 @@
             </a:lvl1pPr>
           </a:lstStyle>
           <a:p>
-            <a:pPr/>
             <a:r>
               <a:t>Possible syntaxes for specifying the variables in the model:</a:t>
             </a:r>
@@ -4202,6 +4298,7 @@
                 <a:sym typeface="Source Sans Pro"/>
               </a:defRPr>
             </a:pPr>
+            <a:endParaRPr/>
           </a:p>
         </p:txBody>
       </p:sp>
@@ -4253,7 +4350,7 @@
               </a:defRPr>
             </a:pPr>
             <a:r>
-              <a:rPr b="1" sz="2300"/>
+              <a:rPr sz="2300" b="1"/>
               <a:t>Specifying the Model</a:t>
             </a:r>
           </a:p>
@@ -4307,7 +4404,7 @@
               </a:defRPr>
             </a:pPr>
             <a:r>
-              <a:rPr b="1" sz="2300"/>
+              <a:rPr sz="2300" b="1"/>
               <a:t>Parallel Processing</a:t>
             </a:r>
           </a:p>
@@ -4560,6 +4657,7 @@
                 <a:sym typeface="Menlo"/>
               </a:defRPr>
             </a:pPr>
+            <a:endParaRPr/>
           </a:p>
         </p:txBody>
       </p:sp>
@@ -4723,423 +4821,6 @@
             </a:r>
             <a:r>
               <a:t> option.</a:t>
-            </a:r>
-          </a:p>
-        </p:txBody>
-      </p:sp>
-      <p:sp>
-        <p:nvSpPr>
-          <p:cNvPr id="138" name="&quot;center&quot;, &quot;scale&quot;, and &quot;range&quot; to normalize predictors.…"/>
-          <p:cNvSpPr txBox="1"/>
-          <p:nvPr/>
-        </p:nvSpPr>
-        <p:spPr>
-          <a:xfrm>
-            <a:off x="4876875" y="2009888"/>
-            <a:ext cx="4188106" cy="1618613"/>
-          </a:xfrm>
-          <a:prstGeom prst="rect">
-            <a:avLst/>
-          </a:prstGeom>
-          <a:ln w="12700">
-            <a:miter lim="400000"/>
-          </a:ln>
-          <a:extLst>
-            <a:ext uri="{C572A759-6A51-4108-AA02-DFA0A04FC94B}">
-              <ma14:wrappingTextBoxFlag xmlns:ma14="http://schemas.microsoft.com/office/mac/drawingml/2011/main" val="1"/>
-            </a:ext>
-          </a:extLst>
-        </p:spPr>
-        <p:txBody>
-          <a:bodyPr lIns="54570" tIns="54570" rIns="54570" bIns="54570" anchor="ctr">
-            <a:spAutoFit/>
-          </a:bodyPr>
-          <a:lstStyle/>
-          <a:p>
-            <a:pPr marL="104775" indent="-104775" algn="l">
-              <a:lnSpc>
-                <a:spcPct val="90000"/>
-              </a:lnSpc>
-              <a:spcBef>
-                <a:spcPts val="500"/>
-              </a:spcBef>
-              <a:buSzPct val="100000"/>
-              <a:buChar char="•"/>
-              <a:defRPr sz="1200">
-                <a:latin typeface="Helvetica"/>
-                <a:ea typeface="Helvetica"/>
-                <a:cs typeface="Helvetica"/>
-                <a:sym typeface="Helvetica"/>
-              </a:defRPr>
-            </a:pPr>
-            <a:r>
-              <a:rPr sz="1100">
-                <a:solidFill>
-                  <a:schemeClr val="accent6">
-                    <a:satOff val="24555"/>
-                    <a:lumOff val="22232"/>
-                  </a:schemeClr>
-                </a:solidFill>
-                <a:latin typeface="Monaco"/>
-                <a:ea typeface="Monaco"/>
-                <a:cs typeface="Monaco"/>
-                <a:sym typeface="Monaco"/>
-              </a:rPr>
-              <a:t>"center"</a:t>
-            </a:r>
-            <a:r>
-              <a:t>,</a:t>
-            </a:r>
-            <a:r>
-              <a:rPr>
-                <a:solidFill>
-                  <a:schemeClr val="accent1"/>
-                </a:solidFill>
-              </a:rPr>
-              <a:t> </a:t>
-            </a:r>
-            <a:r>
-              <a:rPr sz="1100">
-                <a:solidFill>
-                  <a:schemeClr val="accent6">
-                    <a:satOff val="24555"/>
-                    <a:lumOff val="22232"/>
-                  </a:schemeClr>
-                </a:solidFill>
-                <a:latin typeface="Monaco"/>
-                <a:ea typeface="Monaco"/>
-                <a:cs typeface="Monaco"/>
-                <a:sym typeface="Monaco"/>
-              </a:rPr>
-              <a:t>"scale"</a:t>
-            </a:r>
-            <a:r>
-              <a:t>, and </a:t>
-            </a:r>
-            <a:r>
-              <a:rPr sz="1100">
-                <a:solidFill>
-                  <a:schemeClr val="accent6">
-                    <a:satOff val="24555"/>
-                    <a:lumOff val="22232"/>
-                  </a:schemeClr>
-                </a:solidFill>
-                <a:latin typeface="Monaco"/>
-                <a:ea typeface="Monaco"/>
-                <a:cs typeface="Monaco"/>
-                <a:sym typeface="Monaco"/>
-              </a:rPr>
-              <a:t>"range"</a:t>
-            </a:r>
-            <a:r>
-              <a:t> to normalize predictors.</a:t>
-            </a:r>
-            <a:endParaRPr b="1"/>
-          </a:p>
-          <a:p>
-            <a:pPr marL="104775" indent="-104775" algn="l">
-              <a:lnSpc>
-                <a:spcPct val="90000"/>
-              </a:lnSpc>
-              <a:spcBef>
-                <a:spcPts val="500"/>
-              </a:spcBef>
-              <a:buSzPct val="100000"/>
-              <a:buChar char="•"/>
-              <a:defRPr sz="1200">
-                <a:latin typeface="Source Sans Pro Light"/>
-                <a:ea typeface="Source Sans Pro Light"/>
-                <a:cs typeface="Source Sans Pro Light"/>
-                <a:sym typeface="Source Sans Pro Light"/>
-              </a:defRPr>
-            </a:pPr>
-            <a:r>
-              <a:rPr sz="1100">
-                <a:solidFill>
-                  <a:schemeClr val="accent6">
-                    <a:satOff val="24555"/>
-                    <a:lumOff val="22232"/>
-                  </a:schemeClr>
-                </a:solidFill>
-                <a:latin typeface="Monaco"/>
-                <a:ea typeface="Monaco"/>
-                <a:cs typeface="Monaco"/>
-                <a:sym typeface="Monaco"/>
-              </a:rPr>
-              <a:t>"BoxCox"</a:t>
-            </a:r>
-            <a:r>
-              <a:t>, </a:t>
-            </a:r>
-            <a:r>
-              <a:rPr sz="1100">
-                <a:solidFill>
-                  <a:schemeClr val="accent6">
-                    <a:satOff val="24555"/>
-                    <a:lumOff val="22232"/>
-                  </a:schemeClr>
-                </a:solidFill>
-                <a:latin typeface="Monaco"/>
-                <a:ea typeface="Monaco"/>
-                <a:cs typeface="Monaco"/>
-                <a:sym typeface="Monaco"/>
-              </a:rPr>
-              <a:t>"YeoJohnson"</a:t>
-            </a:r>
-            <a:r>
-              <a:t>, or </a:t>
-            </a:r>
-            <a:r>
-              <a:rPr sz="1100">
-                <a:solidFill>
-                  <a:schemeClr val="accent6">
-                    <a:satOff val="24555"/>
-                    <a:lumOff val="22232"/>
-                  </a:schemeClr>
-                </a:solidFill>
-                <a:latin typeface="Monaco"/>
-                <a:ea typeface="Monaco"/>
-                <a:cs typeface="Monaco"/>
-                <a:sym typeface="Monaco"/>
-              </a:rPr>
-              <a:t>"expoTrans"</a:t>
-            </a:r>
-            <a:r>
-              <a:t> to transform predictors.</a:t>
-            </a:r>
-          </a:p>
-          <a:p>
-            <a:pPr marL="104775" indent="-104775" algn="l">
-              <a:lnSpc>
-                <a:spcPct val="90000"/>
-              </a:lnSpc>
-              <a:spcBef>
-                <a:spcPts val="500"/>
-              </a:spcBef>
-              <a:buSzPct val="100000"/>
-              <a:buChar char="•"/>
-              <a:defRPr sz="1200">
-                <a:latin typeface="Source Sans Pro Light"/>
-                <a:ea typeface="Source Sans Pro Light"/>
-                <a:cs typeface="Source Sans Pro Light"/>
-                <a:sym typeface="Source Sans Pro Light"/>
-              </a:defRPr>
-            </a:pPr>
-            <a:r>
-              <a:rPr sz="1100">
-                <a:solidFill>
-                  <a:schemeClr val="accent6">
-                    <a:satOff val="24555"/>
-                    <a:lumOff val="22232"/>
-                  </a:schemeClr>
-                </a:solidFill>
-                <a:latin typeface="Monaco"/>
-                <a:ea typeface="Monaco"/>
-                <a:cs typeface="Monaco"/>
-                <a:sym typeface="Monaco"/>
-              </a:rPr>
-              <a:t>"knnImpute"</a:t>
-            </a:r>
-            <a:r>
-              <a:t>, </a:t>
-            </a:r>
-            <a:r>
-              <a:rPr sz="1100">
-                <a:solidFill>
-                  <a:schemeClr val="accent6">
-                    <a:satOff val="24555"/>
-                    <a:lumOff val="22232"/>
-                  </a:schemeClr>
-                </a:solidFill>
-                <a:latin typeface="Monaco"/>
-                <a:ea typeface="Monaco"/>
-                <a:cs typeface="Monaco"/>
-                <a:sym typeface="Monaco"/>
-              </a:rPr>
-              <a:t>"bagImpute"</a:t>
-            </a:r>
-            <a:r>
-              <a:t>, or </a:t>
-            </a:r>
-            <a:r>
-              <a:rPr sz="1100">
-                <a:solidFill>
-                  <a:schemeClr val="accent6">
-                    <a:satOff val="24555"/>
-                    <a:lumOff val="22232"/>
-                  </a:schemeClr>
-                </a:solidFill>
-                <a:latin typeface="Monaco"/>
-                <a:ea typeface="Monaco"/>
-                <a:cs typeface="Monaco"/>
-                <a:sym typeface="Monaco"/>
-              </a:rPr>
-              <a:t>"medianImpute" </a:t>
-            </a:r>
-            <a:r>
-              <a:t>to impute.</a:t>
-            </a:r>
-          </a:p>
-          <a:p>
-            <a:pPr marL="104775" indent="-104775" algn="l">
-              <a:lnSpc>
-                <a:spcPct val="90000"/>
-              </a:lnSpc>
-              <a:spcBef>
-                <a:spcPts val="500"/>
-              </a:spcBef>
-              <a:buSzPct val="100000"/>
-              <a:buChar char="•"/>
-              <a:defRPr sz="1200">
-                <a:latin typeface="Source Sans Pro Light"/>
-                <a:ea typeface="Source Sans Pro Light"/>
-                <a:cs typeface="Source Sans Pro Light"/>
-                <a:sym typeface="Source Sans Pro Light"/>
-              </a:defRPr>
-            </a:pPr>
-            <a:r>
-              <a:rPr sz="1100">
-                <a:solidFill>
-                  <a:schemeClr val="accent6">
-                    <a:satOff val="24555"/>
-                    <a:lumOff val="22232"/>
-                  </a:schemeClr>
-                </a:solidFill>
-                <a:latin typeface="Monaco"/>
-                <a:ea typeface="Monaco"/>
-                <a:cs typeface="Monaco"/>
-                <a:sym typeface="Monaco"/>
-              </a:rPr>
-              <a:t>"corr"</a:t>
-            </a:r>
-            <a:r>
-              <a:t>, </a:t>
-            </a:r>
-            <a:r>
-              <a:rPr sz="1100">
-                <a:solidFill>
-                  <a:schemeClr val="accent6">
-                    <a:satOff val="24555"/>
-                    <a:lumOff val="22232"/>
-                  </a:schemeClr>
-                </a:solidFill>
-                <a:latin typeface="Monaco"/>
-                <a:ea typeface="Monaco"/>
-                <a:cs typeface="Monaco"/>
-                <a:sym typeface="Monaco"/>
-              </a:rPr>
-              <a:t>"nzv"</a:t>
-            </a:r>
-            <a:r>
-              <a:t>, </a:t>
-            </a:r>
-            <a:r>
-              <a:rPr sz="1100">
-                <a:solidFill>
-                  <a:schemeClr val="accent6">
-                    <a:satOff val="24555"/>
-                    <a:lumOff val="22232"/>
-                  </a:schemeClr>
-                </a:solidFill>
-                <a:latin typeface="Monaco"/>
-                <a:ea typeface="Monaco"/>
-                <a:cs typeface="Monaco"/>
-                <a:sym typeface="Monaco"/>
-              </a:rPr>
-              <a:t>"zv"</a:t>
-            </a:r>
-            <a:r>
-              <a:t>, and </a:t>
-            </a:r>
-            <a:r>
-              <a:rPr sz="1100">
-                <a:solidFill>
-                  <a:schemeClr val="accent6">
-                    <a:satOff val="24555"/>
-                    <a:lumOff val="22232"/>
-                  </a:schemeClr>
-                </a:solidFill>
-                <a:latin typeface="Monaco"/>
-                <a:ea typeface="Monaco"/>
-                <a:cs typeface="Monaco"/>
-                <a:sym typeface="Monaco"/>
-              </a:rPr>
-              <a:t>"conditionalX"</a:t>
-            </a:r>
-            <a:r>
-              <a:t> to filter.</a:t>
-            </a:r>
-          </a:p>
-          <a:p>
-            <a:pPr marL="104775" indent="-104775" algn="l">
-              <a:lnSpc>
-                <a:spcPct val="90000"/>
-              </a:lnSpc>
-              <a:spcBef>
-                <a:spcPts val="500"/>
-              </a:spcBef>
-              <a:buSzPct val="100000"/>
-              <a:buChar char="•"/>
-              <a:defRPr sz="1200">
-                <a:latin typeface="Source Sans Pro Light"/>
-                <a:ea typeface="Source Sans Pro Light"/>
-                <a:cs typeface="Source Sans Pro Light"/>
-                <a:sym typeface="Source Sans Pro Light"/>
-              </a:defRPr>
-            </a:pPr>
-            <a:r>
-              <a:rPr sz="1100">
-                <a:solidFill>
-                  <a:schemeClr val="accent6">
-                    <a:satOff val="24555"/>
-                    <a:lumOff val="22232"/>
-                  </a:schemeClr>
-                </a:solidFill>
-                <a:latin typeface="Monaco"/>
-                <a:ea typeface="Monaco"/>
-                <a:cs typeface="Monaco"/>
-                <a:sym typeface="Monaco"/>
-              </a:rPr>
-              <a:t>"pca"</a:t>
-            </a:r>
-            <a:r>
-              <a:t>, </a:t>
-            </a:r>
-            <a:r>
-              <a:rPr sz="1100">
-                <a:solidFill>
-                  <a:schemeClr val="accent6">
-                    <a:satOff val="24555"/>
-                    <a:lumOff val="22232"/>
-                  </a:schemeClr>
-                </a:solidFill>
-                <a:latin typeface="Monaco"/>
-                <a:ea typeface="Monaco"/>
-                <a:cs typeface="Monaco"/>
-                <a:sym typeface="Monaco"/>
-              </a:rPr>
-              <a:t>"ica"</a:t>
-            </a:r>
-            <a:r>
-              <a:t>, or </a:t>
-            </a:r>
-            <a:r>
-              <a:rPr sz="1100">
-                <a:solidFill>
-                  <a:schemeClr val="accent6">
-                    <a:satOff val="24555"/>
-                    <a:lumOff val="22232"/>
-                  </a:schemeClr>
-                </a:solidFill>
-                <a:latin typeface="Monaco"/>
-                <a:ea typeface="Monaco"/>
-                <a:cs typeface="Monaco"/>
-                <a:sym typeface="Monaco"/>
-              </a:rPr>
-              <a:t>"spatialSign"</a:t>
-            </a:r>
-            <a:r>
-              <a:t> to transform groups.</a:t>
             </a:r>
           </a:p>
         </p:txBody>
@@ -5186,6 +4867,7 @@
                 <a:sym typeface="Source Sans Pro"/>
               </a:defRPr>
             </a:pPr>
+            <a:endParaRPr/>
           </a:p>
         </p:txBody>
       </p:sp>
@@ -5237,7 +4919,7 @@
               </a:defRPr>
             </a:pPr>
             <a:r>
-              <a:rPr b="1" sz="2300"/>
+              <a:rPr sz="2300" b="1"/>
               <a:t>Preprocessing</a:t>
             </a:r>
           </a:p>
@@ -5291,7 +4973,7 @@
               </a:defRPr>
             </a:pPr>
             <a:r>
-              <a:rPr b="1" sz="2300"/>
+              <a:rPr sz="2300" b="1"/>
               <a:t>Adding Options</a:t>
             </a:r>
           </a:p>
@@ -5786,132 +5468,8 @@
             </a:lvl1pPr>
           </a:lstStyle>
           <a:p>
-            <a:pPr/>
             <a:r>
               <a:t>Methods include:</a:t>
-            </a:r>
-          </a:p>
-        </p:txBody>
-      </p:sp>
-      <p:sp>
-        <p:nvSpPr>
-          <p:cNvPr id="147" name="train determines the order of operations; the order that the methods are declared does not matter.…"/>
-          <p:cNvSpPr txBox="1"/>
-          <p:nvPr/>
-        </p:nvSpPr>
-        <p:spPr>
-          <a:xfrm>
-            <a:off x="4876875" y="3633048"/>
-            <a:ext cx="4188106" cy="1110371"/>
-          </a:xfrm>
-          <a:prstGeom prst="rect">
-            <a:avLst/>
-          </a:prstGeom>
-          <a:ln w="12700">
-            <a:miter lim="400000"/>
-          </a:ln>
-          <a:extLst>
-            <a:ext uri="{C572A759-6A51-4108-AA02-DFA0A04FC94B}">
-              <ma14:wrappingTextBoxFlag xmlns:ma14="http://schemas.microsoft.com/office/mac/drawingml/2011/main" val="1"/>
-            </a:ext>
-          </a:extLst>
-        </p:spPr>
-        <p:txBody>
-          <a:bodyPr lIns="54570" tIns="54570" rIns="54570" bIns="54570" anchor="ctr">
-            <a:spAutoFit/>
-          </a:bodyPr>
-          <a:lstStyle/>
-          <a:p>
-            <a:pPr algn="l">
-              <a:spcBef>
-                <a:spcPts val="300"/>
-              </a:spcBef>
-              <a:buClr>
-                <a:schemeClr val="accent4">
-                  <a:hueOff val="384618"/>
-                  <a:satOff val="3869"/>
-                  <a:lumOff val="5802"/>
-                </a:schemeClr>
-              </a:buClr>
-              <a:defRPr sz="1200">
-                <a:latin typeface="Source Sans Pro Light"/>
-                <a:ea typeface="Source Sans Pro Light"/>
-                <a:cs typeface="Source Sans Pro Light"/>
-                <a:sym typeface="Source Sans Pro Light"/>
-              </a:defRPr>
-            </a:pPr>
-            <a:r>
-              <a:rPr sz="1100">
-                <a:solidFill>
-                  <a:schemeClr val="accent1"/>
-                </a:solidFill>
-                <a:latin typeface="Monaco"/>
-                <a:ea typeface="Monaco"/>
-                <a:cs typeface="Monaco"/>
-                <a:sym typeface="Monaco"/>
-              </a:rPr>
-              <a:t>train</a:t>
-            </a:r>
-            <a:r>
-              <a:t> determines the order of operations; the order that the methods are declared does not matter. </a:t>
-            </a:r>
-          </a:p>
-          <a:p>
-            <a:pPr algn="l">
-              <a:spcBef>
-                <a:spcPts val="300"/>
-              </a:spcBef>
-              <a:buClr>
-                <a:schemeClr val="accent4">
-                  <a:hueOff val="384618"/>
-                  <a:satOff val="3869"/>
-                  <a:lumOff val="5802"/>
-                </a:schemeClr>
-              </a:buClr>
-              <a:defRPr sz="900">
-                <a:latin typeface="Source Sans Pro Light"/>
-                <a:ea typeface="Source Sans Pro Light"/>
-                <a:cs typeface="Source Sans Pro Light"/>
-                <a:sym typeface="Source Sans Pro Light"/>
-              </a:defRPr>
-            </a:pPr>
-          </a:p>
-          <a:p>
-            <a:pPr algn="l">
-              <a:spcBef>
-                <a:spcPts val="300"/>
-              </a:spcBef>
-              <a:buClr>
-                <a:schemeClr val="accent4">
-                  <a:hueOff val="384618"/>
-                  <a:satOff val="3869"/>
-                  <a:lumOff val="5802"/>
-                </a:schemeClr>
-              </a:buClr>
-              <a:defRPr sz="1200">
-                <a:latin typeface="Source Sans Pro Light"/>
-                <a:ea typeface="Source Sans Pro Light"/>
-                <a:cs typeface="Source Sans Pro Light"/>
-                <a:sym typeface="Source Sans Pro Light"/>
-              </a:defRPr>
-            </a:pPr>
-            <a:r>
-              <a:t>The </a:t>
-            </a:r>
-            <a:r>
-              <a:rPr sz="1100">
-                <a:solidFill>
-                  <a:schemeClr val="accent5"/>
-                </a:solidFill>
-                <a:latin typeface="Monaco"/>
-                <a:ea typeface="Monaco"/>
-                <a:cs typeface="Monaco"/>
-                <a:sym typeface="Monaco"/>
-              </a:rPr>
-              <a:t>recipes</a:t>
-            </a:r>
-            <a:r>
-              <a:t> package has a more extensive list of preprocessing operations.</a:t>
             </a:r>
           </a:p>
         </p:txBody>
@@ -5964,7 +5522,7 @@
               </a:defRPr>
             </a:pPr>
             <a:r>
-              <a:rPr b="1" sz="2300"/>
+              <a:rPr sz="2300" b="1"/>
               <a:t>Resampling Options</a:t>
             </a:r>
           </a:p>
@@ -6151,7 +5709,6 @@
             </a:lvl1pPr>
           </a:lstStyle>
           <a:p>
-            <a:pPr/>
             <a:r>
               <a:t>Methods and options are:</a:t>
             </a:r>
@@ -6590,6 +6147,7 @@
                 <a:sym typeface="Menlo"/>
               </a:defRPr>
             </a:pPr>
+            <a:endParaRPr/>
           </a:p>
         </p:txBody>
       </p:sp>
@@ -6715,6 +6273,7 @@
                 <a:sym typeface="Source Sans Pro"/>
               </a:defRPr>
             </a:pPr>
+            <a:endParaRPr/>
           </a:p>
         </p:txBody>
       </p:sp>
@@ -6766,7 +6325,7 @@
               </a:defRPr>
             </a:pPr>
             <a:r>
-              <a:rPr b="1" sz="2300"/>
+              <a:rPr sz="2300" b="1"/>
               <a:t>Performance Metrics</a:t>
             </a:r>
           </a:p>
@@ -7054,161 +6613,8 @@
               </a:defRPr>
             </a:pPr>
             <a:r>
-              <a:rPr b="1" sz="2300"/>
+              <a:rPr sz="2300" b="1"/>
               <a:t>Grid Search</a:t>
-            </a:r>
-          </a:p>
-        </p:txBody>
-      </p:sp>
-      <p:sp>
-        <p:nvSpPr>
-          <p:cNvPr id="160" name="To let train determine the values of the tuning parameter(s), the tuneLength option controls how many values per tuning parameter to evaluate.…"/>
-          <p:cNvSpPr txBox="1"/>
-          <p:nvPr/>
-        </p:nvSpPr>
-        <p:spPr>
-          <a:xfrm>
-            <a:off x="9404573" y="3458474"/>
-            <a:ext cx="4188106" cy="1300870"/>
-          </a:xfrm>
-          <a:prstGeom prst="rect">
-            <a:avLst/>
-          </a:prstGeom>
-          <a:ln w="12700">
-            <a:miter lim="400000"/>
-          </a:ln>
-          <a:extLst>
-            <a:ext uri="{C572A759-6A51-4108-AA02-DFA0A04FC94B}">
-              <ma14:wrappingTextBoxFlag xmlns:ma14="http://schemas.microsoft.com/office/mac/drawingml/2011/main" val="1"/>
-            </a:ext>
-          </a:extLst>
-        </p:spPr>
-        <p:txBody>
-          <a:bodyPr lIns="54570" tIns="54570" rIns="54570" bIns="54570" anchor="ctr">
-            <a:spAutoFit/>
-          </a:bodyPr>
-          <a:lstStyle/>
-          <a:p>
-            <a:pPr algn="l">
-              <a:spcBef>
-                <a:spcPts val="300"/>
-              </a:spcBef>
-              <a:buClr>
-                <a:schemeClr val="accent4">
-                  <a:hueOff val="384618"/>
-                  <a:satOff val="3869"/>
-                  <a:lumOff val="5802"/>
-                </a:schemeClr>
-              </a:buClr>
-              <a:defRPr sz="1200">
-                <a:latin typeface="Source Sans Pro Light"/>
-                <a:ea typeface="Source Sans Pro Light"/>
-                <a:cs typeface="Source Sans Pro Light"/>
-                <a:sym typeface="Source Sans Pro Light"/>
-              </a:defRPr>
-            </a:pPr>
-            <a:r>
-              <a:t>To let </a:t>
-            </a:r>
-            <a:r>
-              <a:rPr sz="1100">
-                <a:solidFill>
-                  <a:schemeClr val="accent1"/>
-                </a:solidFill>
-                <a:latin typeface="Monaco"/>
-                <a:ea typeface="Monaco"/>
-                <a:cs typeface="Monaco"/>
-                <a:sym typeface="Monaco"/>
-              </a:rPr>
-              <a:t>train</a:t>
-            </a:r>
-            <a:r>
-              <a:t> determine the values of the tuning parameter(s), the </a:t>
-            </a:r>
-            <a:r>
-              <a:rPr sz="1100">
-                <a:solidFill>
-                  <a:schemeClr val="accent2"/>
-                </a:solidFill>
-                <a:latin typeface="Monaco"/>
-                <a:ea typeface="Monaco"/>
-                <a:cs typeface="Monaco"/>
-                <a:sym typeface="Monaco"/>
-              </a:rPr>
-              <a:t>tuneLength</a:t>
-            </a:r>
-            <a:r>
-              <a:t> option controls how many values </a:t>
-            </a:r>
-            <a:r>
-              <a:rPr b="1">
-                <a:latin typeface="Source Sans Pro"/>
-                <a:ea typeface="Source Sans Pro"/>
-                <a:cs typeface="Source Sans Pro"/>
-                <a:sym typeface="Source Sans Pro"/>
-              </a:rPr>
-              <a:t>per tuning</a:t>
-            </a:r>
-            <a:r>
-              <a:t> parameter to evaluate. </a:t>
-            </a:r>
-          </a:p>
-          <a:p>
-            <a:pPr algn="l">
-              <a:spcBef>
-                <a:spcPts val="300"/>
-              </a:spcBef>
-              <a:buClr>
-                <a:schemeClr val="accent4">
-                  <a:hueOff val="384618"/>
-                  <a:satOff val="3869"/>
-                  <a:lumOff val="5802"/>
-                </a:schemeClr>
-              </a:buClr>
-              <a:defRPr sz="900">
-                <a:latin typeface="Source Sans Pro Light"/>
-                <a:ea typeface="Source Sans Pro Light"/>
-                <a:cs typeface="Source Sans Pro Light"/>
-                <a:sym typeface="Source Sans Pro Light"/>
-              </a:defRPr>
-            </a:pPr>
-          </a:p>
-          <a:p>
-            <a:pPr algn="l">
-              <a:spcBef>
-                <a:spcPts val="300"/>
-              </a:spcBef>
-              <a:buClr>
-                <a:schemeClr val="accent4">
-                  <a:hueOff val="384618"/>
-                  <a:satOff val="3869"/>
-                  <a:lumOff val="5802"/>
-                </a:schemeClr>
-              </a:buClr>
-              <a:defRPr sz="1200">
-                <a:latin typeface="Source Sans Pro Light"/>
-                <a:ea typeface="Source Sans Pro Light"/>
-                <a:cs typeface="Source Sans Pro Light"/>
-                <a:sym typeface="Source Sans Pro Light"/>
-              </a:defRPr>
-            </a:pPr>
-            <a:r>
-              <a:t>Alternatively, specific values of the tuning parameters can be declared using the </a:t>
-            </a:r>
-            <a:r>
-              <a:rPr sz="1100">
-                <a:solidFill>
-                  <a:schemeClr val="accent2"/>
-                </a:solidFill>
-                <a:latin typeface="Monaco"/>
-                <a:ea typeface="Monaco"/>
-                <a:cs typeface="Monaco"/>
-                <a:sym typeface="Monaco"/>
-              </a:rPr>
-              <a:t>tuneGrid</a:t>
-            </a:r>
-            <a:r>
-              <a:t> argument:</a:t>
             </a:r>
           </a:p>
         </p:txBody>
@@ -7331,6 +6737,7 @@
                 <a:sym typeface="Monaco"/>
               </a:defRPr>
             </a:pPr>
+            <a:endParaRPr/>
           </a:p>
           <a:p>
             <a:pPr algn="l">
@@ -7517,7 +6924,7 @@
               </a:defRPr>
             </a:pPr>
             <a:r>
-              <a:rPr b="1" sz="2300"/>
+              <a:rPr sz="2300" b="1"/>
               <a:t>Random Search</a:t>
             </a:r>
           </a:p>
@@ -7727,7 +7134,7 @@
               </a:defRPr>
             </a:pPr>
             <a:r>
-              <a:rPr b="1" sz="2300"/>
+              <a:rPr sz="2300" b="1"/>
               <a:t>Subsampling</a:t>
             </a:r>
           </a:p>
@@ -7977,12 +7384,12 @@
   <p:clrMapOvr>
     <a:masterClrMapping/>
   </p:clrMapOvr>
-  <p:transition xmlns:p14="http://schemas.microsoft.com/office/powerpoint/2010/main" spd="med" advClick="1"/>
+  <p:transition spd="med"/>
 </p:sld>
 </file>
 
 <file path=ppt/theme/theme1.xml><?xml version="1.0" encoding="utf-8"?>
-<a:theme xmlns:a="http://schemas.openxmlformats.org/drawingml/2006/main" xmlns:r="http://schemas.openxmlformats.org/officeDocument/2006/relationships" name="White">
+<a:theme xmlns:a="http://schemas.openxmlformats.org/drawingml/2006/main" name="White">
   <a:themeElements>
     <a:clrScheme name="White">
       <a:dk1>
@@ -8108,7 +7515,7 @@
       <a:effectStyleLst>
         <a:effectStyle>
           <a:effectLst>
-            <a:outerShdw sx="100000" sy="100000" kx="0" ky="0" algn="b" rotWithShape="0" blurRad="38100" dist="25400" dir="5400000">
+            <a:outerShdw blurRad="38100" dist="25400" dir="5400000" rotWithShape="0">
               <a:srgbClr val="000000">
                 <a:alpha val="50000"/>
               </a:srgbClr>
@@ -8117,7 +7524,7 @@
         </a:effectStyle>
         <a:effectStyle>
           <a:effectLst>
-            <a:outerShdw sx="100000" sy="100000" kx="0" ky="0" algn="b" rotWithShape="0" blurRad="50800" dist="12700" dir="0">
+            <a:outerShdw blurRad="50800" dist="12700" rotWithShape="0">
               <a:srgbClr val="000000">
                 <a:alpha val="50000"/>
               </a:srgbClr>
@@ -8126,7 +7533,7 @@
         </a:effectStyle>
         <a:effectStyle>
           <a:effectLst>
-            <a:outerShdw sx="100000" sy="100000" kx="0" ky="0" algn="b" rotWithShape="0" blurRad="38100" dist="25400" dir="5400000">
+            <a:outerShdw blurRad="38100" dist="25400" dir="5400000" rotWithShape="0">
               <a:srgbClr val="000000">
                 <a:alpha val="50000"/>
               </a:srgbClr>
@@ -8190,8 +7597,8 @@
     <a:spDef>
       <a:spPr>
         <a:blipFill rotWithShape="1">
-          <a:blip r:embed="rId1"/>
-          <a:srcRect l="0" t="0" r="0" b="0"/>
+          <a:blip xmlns:r="http://schemas.openxmlformats.org/officeDocument/2006/relationships" r:embed="rId1"/>
+          <a:srcRect/>
           <a:tile tx="0" ty="0" sx="100000" sy="100000" flip="none" algn="tl"/>
         </a:blipFill>
         <a:ln w="12700" cap="flat">
@@ -8199,7 +7606,7 @@
           <a:miter lim="400000"/>
         </a:ln>
         <a:effectLst>
-          <a:outerShdw sx="100000" sy="100000" kx="0" ky="0" algn="b" rotWithShape="0" blurRad="38100" dist="25400" dir="5400000">
+          <a:outerShdw blurRad="38100" dist="25400" dir="5400000" rotWithShape="0">
             <a:srgbClr val="000000">
               <a:alpha val="50000"/>
             </a:srgbClr>
@@ -8207,7 +7614,7 @@
         </a:effectLst>
         <a:sp3d/>
       </a:spPr>
-      <a:bodyPr rot="0" spcFirstLastPara="1" vertOverflow="overflow" horzOverflow="overflow" vert="horz" wrap="square" lIns="54570" tIns="54570" rIns="54570" bIns="54570" numCol="1" spcCol="38100" rtlCol="0" anchor="ctr" upright="0">
+      <a:bodyPr rot="0" spcFirstLastPara="1" vertOverflow="overflow" horzOverflow="overflow" vert="horz" wrap="square" lIns="54570" tIns="54570" rIns="54570" bIns="54570" numCol="1" spcCol="38100" rtlCol="0" anchor="ctr">
         <a:spAutoFit/>
       </a:bodyPr>
       <a:lstStyle>
@@ -8226,7 +7633,7 @@
           <a:buFontTx/>
           <a:buNone/>
           <a:tabLst/>
-          <a:defRPr b="0" baseline="0" cap="none" i="0" spc="0" strike="noStrike" sz="2600" u="none" kumimoji="0" normalizeH="0">
+          <a:defRPr kumimoji="0" sz="2600" b="0" i="0" u="none" strike="noStrike" cap="none" spc="0" normalizeH="0" baseline="0">
             <a:ln>
               <a:noFill/>
             </a:ln>
@@ -8256,7 +7663,7 @@
           <a:buFontTx/>
           <a:buNone/>
           <a:tabLst/>
-          <a:defRPr b="0" baseline="0" cap="none" i="0" spc="0" strike="noStrike" sz="1800" u="none" kumimoji="0" normalizeH="0">
+          <a:defRPr kumimoji="0" sz="1800" b="0" i="0" u="none" strike="noStrike" cap="none" spc="0" normalizeH="0" baseline="0">
             <a:ln>
               <a:noFill/>
             </a:ln>
@@ -8282,7 +7689,7 @@
           <a:buFontTx/>
           <a:buNone/>
           <a:tabLst/>
-          <a:defRPr b="0" baseline="0" cap="none" i="0" spc="0" strike="noStrike" sz="1800" u="none" kumimoji="0" normalizeH="0">
+          <a:defRPr kumimoji="0" sz="1800" b="0" i="0" u="none" strike="noStrike" cap="none" spc="0" normalizeH="0" baseline="0">
             <a:ln>
               <a:noFill/>
             </a:ln>
@@ -8308,7 +7715,7 @@
           <a:buFontTx/>
           <a:buNone/>
           <a:tabLst/>
-          <a:defRPr b="0" baseline="0" cap="none" i="0" spc="0" strike="noStrike" sz="1800" u="none" kumimoji="0" normalizeH="0">
+          <a:defRPr kumimoji="0" sz="1800" b="0" i="0" u="none" strike="noStrike" cap="none" spc="0" normalizeH="0" baseline="0">
             <a:ln>
               <a:noFill/>
             </a:ln>
@@ -8334,7 +7741,7 @@
           <a:buFontTx/>
           <a:buNone/>
           <a:tabLst/>
-          <a:defRPr b="0" baseline="0" cap="none" i="0" spc="0" strike="noStrike" sz="1800" u="none" kumimoji="0" normalizeH="0">
+          <a:defRPr kumimoji="0" sz="1800" b="0" i="0" u="none" strike="noStrike" cap="none" spc="0" normalizeH="0" baseline="0">
             <a:ln>
               <a:noFill/>
             </a:ln>
@@ -8360,7 +7767,7 @@
           <a:buFontTx/>
           <a:buNone/>
           <a:tabLst/>
-          <a:defRPr b="0" baseline="0" cap="none" i="0" spc="0" strike="noStrike" sz="1800" u="none" kumimoji="0" normalizeH="0">
+          <a:defRPr kumimoji="0" sz="1800" b="0" i="0" u="none" strike="noStrike" cap="none" spc="0" normalizeH="0" baseline="0">
             <a:ln>
               <a:noFill/>
             </a:ln>
@@ -8386,7 +7793,7 @@
           <a:buFontTx/>
           <a:buNone/>
           <a:tabLst/>
-          <a:defRPr b="0" baseline="0" cap="none" i="0" spc="0" strike="noStrike" sz="1800" u="none" kumimoji="0" normalizeH="0">
+          <a:defRPr kumimoji="0" sz="1800" b="0" i="0" u="none" strike="noStrike" cap="none" spc="0" normalizeH="0" baseline="0">
             <a:ln>
               <a:noFill/>
             </a:ln>
@@ -8412,7 +7819,7 @@
           <a:buFontTx/>
           <a:buNone/>
           <a:tabLst/>
-          <a:defRPr b="0" baseline="0" cap="none" i="0" spc="0" strike="noStrike" sz="1800" u="none" kumimoji="0" normalizeH="0">
+          <a:defRPr kumimoji="0" sz="1800" b="0" i="0" u="none" strike="noStrike" cap="none" spc="0" normalizeH="0" baseline="0">
             <a:ln>
               <a:noFill/>
             </a:ln>
@@ -8438,7 +7845,7 @@
           <a:buFontTx/>
           <a:buNone/>
           <a:tabLst/>
-          <a:defRPr b="0" baseline="0" cap="none" i="0" spc="0" strike="noStrike" sz="1800" u="none" kumimoji="0" normalizeH="0">
+          <a:defRPr kumimoji="0" sz="1800" b="0" i="0" u="none" strike="noStrike" cap="none" spc="0" normalizeH="0" baseline="0">
             <a:ln>
               <a:noFill/>
             </a:ln>
@@ -8464,7 +7871,7 @@
           <a:buFontTx/>
           <a:buNone/>
           <a:tabLst/>
-          <a:defRPr b="0" baseline="0" cap="none" i="0" spc="0" strike="noStrike" sz="1800" u="none" kumimoji="0" normalizeH="0">
+          <a:defRPr kumimoji="0" sz="1800" b="0" i="0" u="none" strike="noStrike" cap="none" spc="0" normalizeH="0" baseline="0">
             <a:ln>
               <a:noFill/>
             </a:ln>
@@ -8477,9 +7884,15 @@
         </a:lvl9pPr>
       </a:lstStyle>
       <a:style>
-        <a:lnRef idx="0"/>
-        <a:fillRef idx="0"/>
-        <a:effectRef idx="0"/>
+        <a:lnRef idx="0">
+          <a:scrgbClr r="0" g="0" b="0"/>
+        </a:lnRef>
+        <a:fillRef idx="0">
+          <a:scrgbClr r="0" g="0" b="0"/>
+        </a:fillRef>
+        <a:effectRef idx="0">
+          <a:scrgbClr r="0" g="0" b="0"/>
+        </a:effectRef>
         <a:fontRef idx="none"/>
       </a:style>
     </a:spDef>
@@ -8496,7 +7909,7 @@
         <a:effectLst/>
         <a:sp3d/>
       </a:spPr>
-      <a:bodyPr rot="0" spcFirstLastPara="1" vertOverflow="overflow" horzOverflow="overflow" vert="horz" wrap="square" lIns="91439" tIns="45719" rIns="91439" bIns="45719" numCol="1" spcCol="38100" rtlCol="0" anchor="t" upright="0">
+      <a:bodyPr rot="0" spcFirstLastPara="1" vertOverflow="overflow" horzOverflow="overflow" vert="horz" wrap="square" lIns="91439" tIns="45719" rIns="91439" bIns="45719" numCol="1" spcCol="38100" rtlCol="0" anchor="t">
         <a:noAutofit/>
       </a:bodyPr>
       <a:lstStyle>
@@ -8515,7 +7928,7 @@
           <a:buFontTx/>
           <a:buNone/>
           <a:tabLst/>
-          <a:defRPr b="0" baseline="0" cap="none" i="0" spc="0" strike="noStrike" sz="1800" u="none" kumimoji="0" normalizeH="0">
+          <a:defRPr kumimoji="0" sz="1800" b="0" i="0" u="none" strike="noStrike" cap="none" spc="0" normalizeH="0" baseline="0">
             <a:ln>
               <a:noFill/>
             </a:ln>
@@ -8541,7 +7954,7 @@
           <a:buFontTx/>
           <a:buNone/>
           <a:tabLst/>
-          <a:defRPr b="0" baseline="0" cap="none" i="0" spc="0" strike="noStrike" sz="1800" u="none" kumimoji="0" normalizeH="0">
+          <a:defRPr kumimoji="0" sz="1800" b="0" i="0" u="none" strike="noStrike" cap="none" spc="0" normalizeH="0" baseline="0">
             <a:ln>
               <a:noFill/>
             </a:ln>
@@ -8567,7 +7980,7 @@
           <a:buFontTx/>
           <a:buNone/>
           <a:tabLst/>
-          <a:defRPr b="0" baseline="0" cap="none" i="0" spc="0" strike="noStrike" sz="1800" u="none" kumimoji="0" normalizeH="0">
+          <a:defRPr kumimoji="0" sz="1800" b="0" i="0" u="none" strike="noStrike" cap="none" spc="0" normalizeH="0" baseline="0">
             <a:ln>
               <a:noFill/>
             </a:ln>
@@ -8593,7 +8006,7 @@
           <a:buFontTx/>
           <a:buNone/>
           <a:tabLst/>
-          <a:defRPr b="0" baseline="0" cap="none" i="0" spc="0" strike="noStrike" sz="1800" u="none" kumimoji="0" normalizeH="0">
+          <a:defRPr kumimoji="0" sz="1800" b="0" i="0" u="none" strike="noStrike" cap="none" spc="0" normalizeH="0" baseline="0">
             <a:ln>
               <a:noFill/>
             </a:ln>
@@ -8619,7 +8032,7 @@
           <a:buFontTx/>
           <a:buNone/>
           <a:tabLst/>
-          <a:defRPr b="0" baseline="0" cap="none" i="0" spc="0" strike="noStrike" sz="1800" u="none" kumimoji="0" normalizeH="0">
+          <a:defRPr kumimoji="0" sz="1800" b="0" i="0" u="none" strike="noStrike" cap="none" spc="0" normalizeH="0" baseline="0">
             <a:ln>
               <a:noFill/>
             </a:ln>
@@ -8645,7 +8058,7 @@
           <a:buFontTx/>
           <a:buNone/>
           <a:tabLst/>
-          <a:defRPr b="0" baseline="0" cap="none" i="0" spc="0" strike="noStrike" sz="1800" u="none" kumimoji="0" normalizeH="0">
+          <a:defRPr kumimoji="0" sz="1800" b="0" i="0" u="none" strike="noStrike" cap="none" spc="0" normalizeH="0" baseline="0">
             <a:ln>
               <a:noFill/>
             </a:ln>
@@ -8671,7 +8084,7 @@
           <a:buFontTx/>
           <a:buNone/>
           <a:tabLst/>
-          <a:defRPr b="0" baseline="0" cap="none" i="0" spc="0" strike="noStrike" sz="1800" u="none" kumimoji="0" normalizeH="0">
+          <a:defRPr kumimoji="0" sz="1800" b="0" i="0" u="none" strike="noStrike" cap="none" spc="0" normalizeH="0" baseline="0">
             <a:ln>
               <a:noFill/>
             </a:ln>
@@ -8697,7 +8110,7 @@
           <a:buFontTx/>
           <a:buNone/>
           <a:tabLst/>
-          <a:defRPr b="0" baseline="0" cap="none" i="0" spc="0" strike="noStrike" sz="1800" u="none" kumimoji="0" normalizeH="0">
+          <a:defRPr kumimoji="0" sz="1800" b="0" i="0" u="none" strike="noStrike" cap="none" spc="0" normalizeH="0" baseline="0">
             <a:ln>
               <a:noFill/>
             </a:ln>
@@ -8723,7 +8136,7 @@
           <a:buFontTx/>
           <a:buNone/>
           <a:tabLst/>
-          <a:defRPr b="0" baseline="0" cap="none" i="0" spc="0" strike="noStrike" sz="1800" u="none" kumimoji="0" normalizeH="0">
+          <a:defRPr kumimoji="0" sz="1800" b="0" i="0" u="none" strike="noStrike" cap="none" spc="0" normalizeH="0" baseline="0">
             <a:ln>
               <a:noFill/>
             </a:ln>
@@ -8749,7 +8162,7 @@
           <a:buFontTx/>
           <a:buNone/>
           <a:tabLst/>
-          <a:defRPr b="0" baseline="0" cap="none" i="0" spc="0" strike="noStrike" sz="1800" u="none" kumimoji="0" normalizeH="0">
+          <a:defRPr kumimoji="0" sz="1800" b="0" i="0" u="none" strike="noStrike" cap="none" spc="0" normalizeH="0" baseline="0">
             <a:ln>
               <a:noFill/>
             </a:ln>
@@ -8762,9 +8175,15 @@
         </a:lvl9pPr>
       </a:lstStyle>
       <a:style>
-        <a:lnRef idx="0"/>
-        <a:fillRef idx="0"/>
-        <a:effectRef idx="0"/>
+        <a:lnRef idx="0">
+          <a:scrgbClr r="0" g="0" b="0"/>
+        </a:lnRef>
+        <a:fillRef idx="0">
+          <a:scrgbClr r="0" g="0" b="0"/>
+        </a:fillRef>
+        <a:effectRef idx="0">
+          <a:scrgbClr r="0" g="0" b="0"/>
+        </a:effectRef>
         <a:fontRef idx="none"/>
       </a:style>
     </a:lnDef>
@@ -8778,7 +8197,7 @@
         <a:effectLst/>
         <a:sp3d/>
       </a:spPr>
-      <a:bodyPr rot="0" spcFirstLastPara="1" vertOverflow="overflow" horzOverflow="overflow" vert="horz" wrap="square" lIns="54570" tIns="54570" rIns="54570" bIns="54570" numCol="1" spcCol="38100" rtlCol="0" anchor="ctr" upright="0">
+      <a:bodyPr rot="0" spcFirstLastPara="1" vertOverflow="overflow" horzOverflow="overflow" vert="horz" wrap="square" lIns="54570" tIns="54570" rIns="54570" bIns="54570" numCol="1" spcCol="38100" rtlCol="0" anchor="ctr">
         <a:spAutoFit/>
       </a:bodyPr>
       <a:lstStyle>
@@ -8797,7 +8216,7 @@
           <a:buFontTx/>
           <a:buNone/>
           <a:tabLst/>
-          <a:defRPr b="0" baseline="0" cap="none" i="0" spc="0" strike="noStrike" sz="3800" u="none" kumimoji="0" normalizeH="0">
+          <a:defRPr kumimoji="0" sz="3800" b="0" i="0" u="none" strike="noStrike" cap="none" spc="0" normalizeH="0" baseline="0">
             <a:ln>
               <a:noFill/>
             </a:ln>
@@ -8827,7 +8246,7 @@
           <a:buFontTx/>
           <a:buNone/>
           <a:tabLst/>
-          <a:defRPr b="0" baseline="0" cap="none" i="0" spc="0" strike="noStrike" sz="1800" u="none" kumimoji="0" normalizeH="0">
+          <a:defRPr kumimoji="0" sz="1800" b="0" i="0" u="none" strike="noStrike" cap="none" spc="0" normalizeH="0" baseline="0">
             <a:ln>
               <a:noFill/>
             </a:ln>
@@ -8853,7 +8272,7 @@
           <a:buFontTx/>
           <a:buNone/>
           <a:tabLst/>
-          <a:defRPr b="0" baseline="0" cap="none" i="0" spc="0" strike="noStrike" sz="1800" u="none" kumimoji="0" normalizeH="0">
+          <a:defRPr kumimoji="0" sz="1800" b="0" i="0" u="none" strike="noStrike" cap="none" spc="0" normalizeH="0" baseline="0">
             <a:ln>
               <a:noFill/>
             </a:ln>
@@ -8879,7 +8298,7 @@
           <a:buFontTx/>
           <a:buNone/>
           <a:tabLst/>
-          <a:defRPr b="0" baseline="0" cap="none" i="0" spc="0" strike="noStrike" sz="1800" u="none" kumimoji="0" normalizeH="0">
+          <a:defRPr kumimoji="0" sz="1800" b="0" i="0" u="none" strike="noStrike" cap="none" spc="0" normalizeH="0" baseline="0">
             <a:ln>
               <a:noFill/>
             </a:ln>
@@ -8905,7 +8324,7 @@
           <a:buFontTx/>
           <a:buNone/>
           <a:tabLst/>
-          <a:defRPr b="0" baseline="0" cap="none" i="0" spc="0" strike="noStrike" sz="1800" u="none" kumimoji="0" normalizeH="0">
+          <a:defRPr kumimoji="0" sz="1800" b="0" i="0" u="none" strike="noStrike" cap="none" spc="0" normalizeH="0" baseline="0">
             <a:ln>
               <a:noFill/>
             </a:ln>
@@ -8931,7 +8350,7 @@
           <a:buFontTx/>
           <a:buNone/>
           <a:tabLst/>
-          <a:defRPr b="0" baseline="0" cap="none" i="0" spc="0" strike="noStrike" sz="1800" u="none" kumimoji="0" normalizeH="0">
+          <a:defRPr kumimoji="0" sz="1800" b="0" i="0" u="none" strike="noStrike" cap="none" spc="0" normalizeH="0" baseline="0">
             <a:ln>
               <a:noFill/>
             </a:ln>
@@ -8957,7 +8376,7 @@
           <a:buFontTx/>
           <a:buNone/>
           <a:tabLst/>
-          <a:defRPr b="0" baseline="0" cap="none" i="0" spc="0" strike="noStrike" sz="1800" u="none" kumimoji="0" normalizeH="0">
+          <a:defRPr kumimoji="0" sz="1800" b="0" i="0" u="none" strike="noStrike" cap="none" spc="0" normalizeH="0" baseline="0">
             <a:ln>
               <a:noFill/>
             </a:ln>
@@ -8983,7 +8402,7 @@
           <a:buFontTx/>
           <a:buNone/>
           <a:tabLst/>
-          <a:defRPr b="0" baseline="0" cap="none" i="0" spc="0" strike="noStrike" sz="1800" u="none" kumimoji="0" normalizeH="0">
+          <a:defRPr kumimoji="0" sz="1800" b="0" i="0" u="none" strike="noStrike" cap="none" spc="0" normalizeH="0" baseline="0">
             <a:ln>
               <a:noFill/>
             </a:ln>
@@ -9009,7 +8428,7 @@
           <a:buFontTx/>
           <a:buNone/>
           <a:tabLst/>
-          <a:defRPr b="0" baseline="0" cap="none" i="0" spc="0" strike="noStrike" sz="1800" u="none" kumimoji="0" normalizeH="0">
+          <a:defRPr kumimoji="0" sz="1800" b="0" i="0" u="none" strike="noStrike" cap="none" spc="0" normalizeH="0" baseline="0">
             <a:ln>
               <a:noFill/>
             </a:ln>
@@ -9035,7 +8454,7 @@
           <a:buFontTx/>
           <a:buNone/>
           <a:tabLst/>
-          <a:defRPr b="0" baseline="0" cap="none" i="0" spc="0" strike="noStrike" sz="1800" u="none" kumimoji="0" normalizeH="0">
+          <a:defRPr kumimoji="0" sz="1800" b="0" i="0" u="none" strike="noStrike" cap="none" spc="0" normalizeH="0" baseline="0">
             <a:ln>
               <a:noFill/>
             </a:ln>
@@ -9048,18 +8467,25 @@
         </a:lvl9pPr>
       </a:lstStyle>
       <a:style>
-        <a:lnRef idx="0"/>
-        <a:fillRef idx="0"/>
-        <a:effectRef idx="0"/>
+        <a:lnRef idx="0">
+          <a:scrgbClr r="0" g="0" b="0"/>
+        </a:lnRef>
+        <a:fillRef idx="0">
+          <a:scrgbClr r="0" g="0" b="0"/>
+        </a:fillRef>
+        <a:effectRef idx="0">
+          <a:scrgbClr r="0" g="0" b="0"/>
+        </a:effectRef>
         <a:fontRef idx="none"/>
       </a:style>
     </a:txDef>
   </a:objectDefaults>
+  <a:extraClrSchemeLst/>
 </a:theme>
 </file>
 
 <file path=ppt/theme/theme2.xml><?xml version="1.0" encoding="utf-8"?>
-<a:theme xmlns:a="http://schemas.openxmlformats.org/drawingml/2006/main" xmlns:r="http://schemas.openxmlformats.org/officeDocument/2006/relationships" name="White">
+<a:theme xmlns:a="http://schemas.openxmlformats.org/drawingml/2006/main" name="White">
   <a:themeElements>
     <a:clrScheme name="White">
       <a:dk1>
@@ -9185,7 +8611,7 @@
       <a:effectStyleLst>
         <a:effectStyle>
           <a:effectLst>
-            <a:outerShdw sx="100000" sy="100000" kx="0" ky="0" algn="b" rotWithShape="0" blurRad="38100" dist="25400" dir="5400000">
+            <a:outerShdw blurRad="38100" dist="25400" dir="5400000" rotWithShape="0">
               <a:srgbClr val="000000">
                 <a:alpha val="50000"/>
               </a:srgbClr>
@@ -9194,7 +8620,7 @@
         </a:effectStyle>
         <a:effectStyle>
           <a:effectLst>
-            <a:outerShdw sx="100000" sy="100000" kx="0" ky="0" algn="b" rotWithShape="0" blurRad="50800" dist="12700" dir="0">
+            <a:outerShdw blurRad="50800" dist="12700" rotWithShape="0">
               <a:srgbClr val="000000">
                 <a:alpha val="50000"/>
               </a:srgbClr>
@@ -9203,7 +8629,7 @@
         </a:effectStyle>
         <a:effectStyle>
           <a:effectLst>
-            <a:outerShdw sx="100000" sy="100000" kx="0" ky="0" algn="b" rotWithShape="0" blurRad="38100" dist="25400" dir="5400000">
+            <a:outerShdw blurRad="38100" dist="25400" dir="5400000" rotWithShape="0">
               <a:srgbClr val="000000">
                 <a:alpha val="50000"/>
               </a:srgbClr>
@@ -9267,8 +8693,8 @@
     <a:spDef>
       <a:spPr>
         <a:blipFill rotWithShape="1">
-          <a:blip r:embed="rId1"/>
-          <a:srcRect l="0" t="0" r="0" b="0"/>
+          <a:blip xmlns:r="http://schemas.openxmlformats.org/officeDocument/2006/relationships" r:embed="rId1"/>
+          <a:srcRect/>
           <a:tile tx="0" ty="0" sx="100000" sy="100000" flip="none" algn="tl"/>
         </a:blipFill>
         <a:ln w="12700" cap="flat">
@@ -9276,7 +8702,7 @@
           <a:miter lim="400000"/>
         </a:ln>
         <a:effectLst>
-          <a:outerShdw sx="100000" sy="100000" kx="0" ky="0" algn="b" rotWithShape="0" blurRad="38100" dist="25400" dir="5400000">
+          <a:outerShdw blurRad="38100" dist="25400" dir="5400000" rotWithShape="0">
             <a:srgbClr val="000000">
               <a:alpha val="50000"/>
             </a:srgbClr>
@@ -9284,7 +8710,7 @@
         </a:effectLst>
         <a:sp3d/>
       </a:spPr>
-      <a:bodyPr rot="0" spcFirstLastPara="1" vertOverflow="overflow" horzOverflow="overflow" vert="horz" wrap="square" lIns="54570" tIns="54570" rIns="54570" bIns="54570" numCol="1" spcCol="38100" rtlCol="0" anchor="ctr" upright="0">
+      <a:bodyPr rot="0" spcFirstLastPara="1" vertOverflow="overflow" horzOverflow="overflow" vert="horz" wrap="square" lIns="54570" tIns="54570" rIns="54570" bIns="54570" numCol="1" spcCol="38100" rtlCol="0" anchor="ctr">
         <a:spAutoFit/>
       </a:bodyPr>
       <a:lstStyle>
@@ -9303,7 +8729,7 @@
           <a:buFontTx/>
           <a:buNone/>
           <a:tabLst/>
-          <a:defRPr b="0" baseline="0" cap="none" i="0" spc="0" strike="noStrike" sz="2600" u="none" kumimoji="0" normalizeH="0">
+          <a:defRPr kumimoji="0" sz="2600" b="0" i="0" u="none" strike="noStrike" cap="none" spc="0" normalizeH="0" baseline="0">
             <a:ln>
               <a:noFill/>
             </a:ln>
@@ -9333,7 +8759,7 @@
           <a:buFontTx/>
           <a:buNone/>
           <a:tabLst/>
-          <a:defRPr b="0" baseline="0" cap="none" i="0" spc="0" strike="noStrike" sz="1800" u="none" kumimoji="0" normalizeH="0">
+          <a:defRPr kumimoji="0" sz="1800" b="0" i="0" u="none" strike="noStrike" cap="none" spc="0" normalizeH="0" baseline="0">
             <a:ln>
               <a:noFill/>
             </a:ln>
@@ -9359,7 +8785,7 @@
           <a:buFontTx/>
           <a:buNone/>
           <a:tabLst/>
-          <a:defRPr b="0" baseline="0" cap="none" i="0" spc="0" strike="noStrike" sz="1800" u="none" kumimoji="0" normalizeH="0">
+          <a:defRPr kumimoji="0" sz="1800" b="0" i="0" u="none" strike="noStrike" cap="none" spc="0" normalizeH="0" baseline="0">
             <a:ln>
               <a:noFill/>
             </a:ln>
@@ -9385,7 +8811,7 @@
           <a:buFontTx/>
           <a:buNone/>
           <a:tabLst/>
-          <a:defRPr b="0" baseline="0" cap="none" i="0" spc="0" strike="noStrike" sz="1800" u="none" kumimoji="0" normalizeH="0">
+          <a:defRPr kumimoji="0" sz="1800" b="0" i="0" u="none" strike="noStrike" cap="none" spc="0" normalizeH="0" baseline="0">
             <a:ln>
               <a:noFill/>
             </a:ln>
@@ -9411,7 +8837,7 @@
           <a:buFontTx/>
           <a:buNone/>
           <a:tabLst/>
-          <a:defRPr b="0" baseline="0" cap="none" i="0" spc="0" strike="noStrike" sz="1800" u="none" kumimoji="0" normalizeH="0">
+          <a:defRPr kumimoji="0" sz="1800" b="0" i="0" u="none" strike="noStrike" cap="none" spc="0" normalizeH="0" baseline="0">
             <a:ln>
               <a:noFill/>
             </a:ln>
@@ -9437,7 +8863,7 @@
           <a:buFontTx/>
           <a:buNone/>
           <a:tabLst/>
-          <a:defRPr b="0" baseline="0" cap="none" i="0" spc="0" strike="noStrike" sz="1800" u="none" kumimoji="0" normalizeH="0">
+          <a:defRPr kumimoji="0" sz="1800" b="0" i="0" u="none" strike="noStrike" cap="none" spc="0" normalizeH="0" baseline="0">
             <a:ln>
               <a:noFill/>
             </a:ln>
@@ -9463,7 +8889,7 @@
           <a:buFontTx/>
           <a:buNone/>
           <a:tabLst/>
-          <a:defRPr b="0" baseline="0" cap="none" i="0" spc="0" strike="noStrike" sz="1800" u="none" kumimoji="0" normalizeH="0">
+          <a:defRPr kumimoji="0" sz="1800" b="0" i="0" u="none" strike="noStrike" cap="none" spc="0" normalizeH="0" baseline="0">
             <a:ln>
               <a:noFill/>
             </a:ln>
@@ -9489,7 +8915,7 @@
           <a:buFontTx/>
           <a:buNone/>
           <a:tabLst/>
-          <a:defRPr b="0" baseline="0" cap="none" i="0" spc="0" strike="noStrike" sz="1800" u="none" kumimoji="0" normalizeH="0">
+          <a:defRPr kumimoji="0" sz="1800" b="0" i="0" u="none" strike="noStrike" cap="none" spc="0" normalizeH="0" baseline="0">
             <a:ln>
               <a:noFill/>
             </a:ln>
@@ -9515,7 +8941,7 @@
           <a:buFontTx/>
           <a:buNone/>
           <a:tabLst/>
-          <a:defRPr b="0" baseline="0" cap="none" i="0" spc="0" strike="noStrike" sz="1800" u="none" kumimoji="0" normalizeH="0">
+          <a:defRPr kumimoji="0" sz="1800" b="0" i="0" u="none" strike="noStrike" cap="none" spc="0" normalizeH="0" baseline="0">
             <a:ln>
               <a:noFill/>
             </a:ln>
@@ -9541,7 +8967,7 @@
           <a:buFontTx/>
           <a:buNone/>
           <a:tabLst/>
-          <a:defRPr b="0" baseline="0" cap="none" i="0" spc="0" strike="noStrike" sz="1800" u="none" kumimoji="0" normalizeH="0">
+          <a:defRPr kumimoji="0" sz="1800" b="0" i="0" u="none" strike="noStrike" cap="none" spc="0" normalizeH="0" baseline="0">
             <a:ln>
               <a:noFill/>
             </a:ln>
@@ -9554,9 +8980,15 @@
         </a:lvl9pPr>
       </a:lstStyle>
       <a:style>
-        <a:lnRef idx="0"/>
-        <a:fillRef idx="0"/>
-        <a:effectRef idx="0"/>
+        <a:lnRef idx="0">
+          <a:scrgbClr r="0" g="0" b="0"/>
+        </a:lnRef>
+        <a:fillRef idx="0">
+          <a:scrgbClr r="0" g="0" b="0"/>
+        </a:fillRef>
+        <a:effectRef idx="0">
+          <a:scrgbClr r="0" g="0" b="0"/>
+        </a:effectRef>
         <a:fontRef idx="none"/>
       </a:style>
     </a:spDef>
@@ -9573,7 +9005,7 @@
         <a:effectLst/>
         <a:sp3d/>
       </a:spPr>
-      <a:bodyPr rot="0" spcFirstLastPara="1" vertOverflow="overflow" horzOverflow="overflow" vert="horz" wrap="square" lIns="91439" tIns="45719" rIns="91439" bIns="45719" numCol="1" spcCol="38100" rtlCol="0" anchor="t" upright="0">
+      <a:bodyPr rot="0" spcFirstLastPara="1" vertOverflow="overflow" horzOverflow="overflow" vert="horz" wrap="square" lIns="91439" tIns="45719" rIns="91439" bIns="45719" numCol="1" spcCol="38100" rtlCol="0" anchor="t">
         <a:noAutofit/>
       </a:bodyPr>
       <a:lstStyle>
@@ -9592,7 +9024,7 @@
           <a:buFontTx/>
           <a:buNone/>
           <a:tabLst/>
-          <a:defRPr b="0" baseline="0" cap="none" i="0" spc="0" strike="noStrike" sz="1800" u="none" kumimoji="0" normalizeH="0">
+          <a:defRPr kumimoji="0" sz="1800" b="0" i="0" u="none" strike="noStrike" cap="none" spc="0" normalizeH="0" baseline="0">
             <a:ln>
               <a:noFill/>
             </a:ln>
@@ -9618,7 +9050,7 @@
           <a:buFontTx/>
           <a:buNone/>
           <a:tabLst/>
-          <a:defRPr b="0" baseline="0" cap="none" i="0" spc="0" strike="noStrike" sz="1800" u="none" kumimoji="0" normalizeH="0">
+          <a:defRPr kumimoji="0" sz="1800" b="0" i="0" u="none" strike="noStrike" cap="none" spc="0" normalizeH="0" baseline="0">
             <a:ln>
               <a:noFill/>
             </a:ln>
@@ -9644,7 +9076,7 @@
           <a:buFontTx/>
           <a:buNone/>
           <a:tabLst/>
-          <a:defRPr b="0" baseline="0" cap="none" i="0" spc="0" strike="noStrike" sz="1800" u="none" kumimoji="0" normalizeH="0">
+          <a:defRPr kumimoji="0" sz="1800" b="0" i="0" u="none" strike="noStrike" cap="none" spc="0" normalizeH="0" baseline="0">
             <a:ln>
               <a:noFill/>
             </a:ln>
@@ -9670,7 +9102,7 @@
           <a:buFontTx/>
           <a:buNone/>
           <a:tabLst/>
-          <a:defRPr b="0" baseline="0" cap="none" i="0" spc="0" strike="noStrike" sz="1800" u="none" kumimoji="0" normalizeH="0">
+          <a:defRPr kumimoji="0" sz="1800" b="0" i="0" u="none" strike="noStrike" cap="none" spc="0" normalizeH="0" baseline="0">
             <a:ln>
               <a:noFill/>
             </a:ln>
@@ -9696,7 +9128,7 @@
           <a:buFontTx/>
           <a:buNone/>
           <a:tabLst/>
-          <a:defRPr b="0" baseline="0" cap="none" i="0" spc="0" strike="noStrike" sz="1800" u="none" kumimoji="0" normalizeH="0">
+          <a:defRPr kumimoji="0" sz="1800" b="0" i="0" u="none" strike="noStrike" cap="none" spc="0" normalizeH="0" baseline="0">
             <a:ln>
               <a:noFill/>
             </a:ln>
@@ -9722,7 +9154,7 @@
           <a:buFontTx/>
           <a:buNone/>
           <a:tabLst/>
-          <a:defRPr b="0" baseline="0" cap="none" i="0" spc="0" strike="noStrike" sz="1800" u="none" kumimoji="0" normalizeH="0">
+          <a:defRPr kumimoji="0" sz="1800" b="0" i="0" u="none" strike="noStrike" cap="none" spc="0" normalizeH="0" baseline="0">
             <a:ln>
               <a:noFill/>
             </a:ln>
@@ -9748,7 +9180,7 @@
           <a:buFontTx/>
           <a:buNone/>
           <a:tabLst/>
-          <a:defRPr b="0" baseline="0" cap="none" i="0" spc="0" strike="noStrike" sz="1800" u="none" kumimoji="0" normalizeH="0">
+          <a:defRPr kumimoji="0" sz="1800" b="0" i="0" u="none" strike="noStrike" cap="none" spc="0" normalizeH="0" baseline="0">
             <a:ln>
               <a:noFill/>
             </a:ln>
@@ -9774,7 +9206,7 @@
           <a:buFontTx/>
           <a:buNone/>
           <a:tabLst/>
-          <a:defRPr b="0" baseline="0" cap="none" i="0" spc="0" strike="noStrike" sz="1800" u="none" kumimoji="0" normalizeH="0">
+          <a:defRPr kumimoji="0" sz="1800" b="0" i="0" u="none" strike="noStrike" cap="none" spc="0" normalizeH="0" baseline="0">
             <a:ln>
               <a:noFill/>
             </a:ln>
@@ -9800,7 +9232,7 @@
           <a:buFontTx/>
           <a:buNone/>
           <a:tabLst/>
-          <a:defRPr b="0" baseline="0" cap="none" i="0" spc="0" strike="noStrike" sz="1800" u="none" kumimoji="0" normalizeH="0">
+          <a:defRPr kumimoji="0" sz="1800" b="0" i="0" u="none" strike="noStrike" cap="none" spc="0" normalizeH="0" baseline="0">
             <a:ln>
               <a:noFill/>
             </a:ln>
@@ -9826,7 +9258,7 @@
           <a:buFontTx/>
           <a:buNone/>
           <a:tabLst/>
-          <a:defRPr b="0" baseline="0" cap="none" i="0" spc="0" strike="noStrike" sz="1800" u="none" kumimoji="0" normalizeH="0">
+          <a:defRPr kumimoji="0" sz="1800" b="0" i="0" u="none" strike="noStrike" cap="none" spc="0" normalizeH="0" baseline="0">
             <a:ln>
               <a:noFill/>
             </a:ln>
@@ -9839,9 +9271,15 @@
         </a:lvl9pPr>
       </a:lstStyle>
       <a:style>
-        <a:lnRef idx="0"/>
-        <a:fillRef idx="0"/>
-        <a:effectRef idx="0"/>
+        <a:lnRef idx="0">
+          <a:scrgbClr r="0" g="0" b="0"/>
+        </a:lnRef>
+        <a:fillRef idx="0">
+          <a:scrgbClr r="0" g="0" b="0"/>
+        </a:fillRef>
+        <a:effectRef idx="0">
+          <a:scrgbClr r="0" g="0" b="0"/>
+        </a:effectRef>
         <a:fontRef idx="none"/>
       </a:style>
     </a:lnDef>
@@ -9855,7 +9293,7 @@
         <a:effectLst/>
         <a:sp3d/>
       </a:spPr>
-      <a:bodyPr rot="0" spcFirstLastPara="1" vertOverflow="overflow" horzOverflow="overflow" vert="horz" wrap="square" lIns="54570" tIns="54570" rIns="54570" bIns="54570" numCol="1" spcCol="38100" rtlCol="0" anchor="ctr" upright="0">
+      <a:bodyPr rot="0" spcFirstLastPara="1" vertOverflow="overflow" horzOverflow="overflow" vert="horz" wrap="square" lIns="54570" tIns="54570" rIns="54570" bIns="54570" numCol="1" spcCol="38100" rtlCol="0" anchor="ctr">
         <a:spAutoFit/>
       </a:bodyPr>
       <a:lstStyle>
@@ -9874,7 +9312,7 @@
           <a:buFontTx/>
           <a:buNone/>
           <a:tabLst/>
-          <a:defRPr b="0" baseline="0" cap="none" i="0" spc="0" strike="noStrike" sz="3800" u="none" kumimoji="0" normalizeH="0">
+          <a:defRPr kumimoji="0" sz="3800" b="0" i="0" u="none" strike="noStrike" cap="none" spc="0" normalizeH="0" baseline="0">
             <a:ln>
               <a:noFill/>
             </a:ln>
@@ -9904,7 +9342,7 @@
           <a:buFontTx/>
           <a:buNone/>
           <a:tabLst/>
-          <a:defRPr b="0" baseline="0" cap="none" i="0" spc="0" strike="noStrike" sz="1800" u="none" kumimoji="0" normalizeH="0">
+          <a:defRPr kumimoji="0" sz="1800" b="0" i="0" u="none" strike="noStrike" cap="none" spc="0" normalizeH="0" baseline="0">
             <a:ln>
               <a:noFill/>
             </a:ln>
@@ -9930,7 +9368,7 @@
           <a:buFontTx/>
           <a:buNone/>
           <a:tabLst/>
-          <a:defRPr b="0" baseline="0" cap="none" i="0" spc="0" strike="noStrike" sz="1800" u="none" kumimoji="0" normalizeH="0">
+          <a:defRPr kumimoji="0" sz="1800" b="0" i="0" u="none" strike="noStrike" cap="none" spc="0" normalizeH="0" baseline="0">
             <a:ln>
               <a:noFill/>
             </a:ln>
@@ -9956,7 +9394,7 @@
           <a:buFontTx/>
           <a:buNone/>
           <a:tabLst/>
-          <a:defRPr b="0" baseline="0" cap="none" i="0" spc="0" strike="noStrike" sz="1800" u="none" kumimoji="0" normalizeH="0">
+          <a:defRPr kumimoji="0" sz="1800" b="0" i="0" u="none" strike="noStrike" cap="none" spc="0" normalizeH="0" baseline="0">
             <a:ln>
               <a:noFill/>
             </a:ln>
@@ -9982,7 +9420,7 @@
           <a:buFontTx/>
           <a:buNone/>
           <a:tabLst/>
-          <a:defRPr b="0" baseline="0" cap="none" i="0" spc="0" strike="noStrike" sz="1800" u="none" kumimoji="0" normalizeH="0">
+          <a:defRPr kumimoji="0" sz="1800" b="0" i="0" u="none" strike="noStrike" cap="none" spc="0" normalizeH="0" baseline="0">
             <a:ln>
               <a:noFill/>
             </a:ln>
@@ -10008,7 +9446,7 @@
           <a:buFontTx/>
           <a:buNone/>
           <a:tabLst/>
-          <a:defRPr b="0" baseline="0" cap="none" i="0" spc="0" strike="noStrike" sz="1800" u="none" kumimoji="0" normalizeH="0">
+          <a:defRPr kumimoji="0" sz="1800" b="0" i="0" u="none" strike="noStrike" cap="none" spc="0" normalizeH="0" baseline="0">
             <a:ln>
               <a:noFill/>
             </a:ln>
@@ -10034,7 +9472,7 @@
           <a:buFontTx/>
           <a:buNone/>
           <a:tabLst/>
-          <a:defRPr b="0" baseline="0" cap="none" i="0" spc="0" strike="noStrike" sz="1800" u="none" kumimoji="0" normalizeH="0">
+          <a:defRPr kumimoji="0" sz="1800" b="0" i="0" u="none" strike="noStrike" cap="none" spc="0" normalizeH="0" baseline="0">
             <a:ln>
               <a:noFill/>
             </a:ln>
@@ -10060,7 +9498,7 @@
           <a:buFontTx/>
           <a:buNone/>
           <a:tabLst/>
-          <a:defRPr b="0" baseline="0" cap="none" i="0" spc="0" strike="noStrike" sz="1800" u="none" kumimoji="0" normalizeH="0">
+          <a:defRPr kumimoji="0" sz="1800" b="0" i="0" u="none" strike="noStrike" cap="none" spc="0" normalizeH="0" baseline="0">
             <a:ln>
               <a:noFill/>
             </a:ln>
@@ -10086,7 +9524,7 @@
           <a:buFontTx/>
           <a:buNone/>
           <a:tabLst/>
-          <a:defRPr b="0" baseline="0" cap="none" i="0" spc="0" strike="noStrike" sz="1800" u="none" kumimoji="0" normalizeH="0">
+          <a:defRPr kumimoji="0" sz="1800" b="0" i="0" u="none" strike="noStrike" cap="none" spc="0" normalizeH="0" baseline="0">
             <a:ln>
               <a:noFill/>
             </a:ln>
@@ -10112,7 +9550,7 @@
           <a:buFontTx/>
           <a:buNone/>
           <a:tabLst/>
-          <a:defRPr b="0" baseline="0" cap="none" i="0" spc="0" strike="noStrike" sz="1800" u="none" kumimoji="0" normalizeH="0">
+          <a:defRPr kumimoji="0" sz="1800" b="0" i="0" u="none" strike="noStrike" cap="none" spc="0" normalizeH="0" baseline="0">
             <a:ln>
               <a:noFill/>
             </a:ln>
@@ -10125,12 +9563,19 @@
         </a:lvl9pPr>
       </a:lstStyle>
       <a:style>
-        <a:lnRef idx="0"/>
-        <a:fillRef idx="0"/>
-        <a:effectRef idx="0"/>
+        <a:lnRef idx="0">
+          <a:scrgbClr r="0" g="0" b="0"/>
+        </a:lnRef>
+        <a:fillRef idx="0">
+          <a:scrgbClr r="0" g="0" b="0"/>
+        </a:fillRef>
+        <a:effectRef idx="0">
+          <a:scrgbClr r="0" g="0" b="0"/>
+        </a:effectRef>
         <a:fontRef idx="none"/>
       </a:style>
     </a:txDef>
   </a:objectDefaults>
+  <a:extraClrSchemeLst/>
 </a:theme>
 </file>